--- a/dimensionality_reduction.pptx
+++ b/dimensionality_reduction.pptx
@@ -392,7 +392,7 @@
           <a:p>
             <a:fld id="{FD4ECF9F-6433-47AA-8792-63EFAF83C877}" type="datetimeFigureOut">
               <a:rPr lang="en-US" smtClean="0"/>
-              <a:t>2022-01-25</a:t>
+              <a:t>2022-01-26</a:t>
             </a:fld>
             <a:endParaRPr lang="en-US"/>
           </a:p>
@@ -590,7 +590,7 @@
           <a:p>
             <a:fld id="{FD4ECF9F-6433-47AA-8792-63EFAF83C877}" type="datetimeFigureOut">
               <a:rPr lang="en-US" smtClean="0"/>
-              <a:t>2022-01-25</a:t>
+              <a:t>2022-01-26</a:t>
             </a:fld>
             <a:endParaRPr lang="en-US"/>
           </a:p>
@@ -798,7 +798,7 @@
           <a:p>
             <a:fld id="{FD4ECF9F-6433-47AA-8792-63EFAF83C877}" type="datetimeFigureOut">
               <a:rPr lang="en-US" smtClean="0"/>
-              <a:t>2022-01-25</a:t>
+              <a:t>2022-01-26</a:t>
             </a:fld>
             <a:endParaRPr lang="en-US"/>
           </a:p>
@@ -996,7 +996,7 @@
           <a:p>
             <a:fld id="{FD4ECF9F-6433-47AA-8792-63EFAF83C877}" type="datetimeFigureOut">
               <a:rPr lang="en-US" smtClean="0"/>
-              <a:t>2022-01-25</a:t>
+              <a:t>2022-01-26</a:t>
             </a:fld>
             <a:endParaRPr lang="en-US"/>
           </a:p>
@@ -1271,7 +1271,7 @@
           <a:p>
             <a:fld id="{FD4ECF9F-6433-47AA-8792-63EFAF83C877}" type="datetimeFigureOut">
               <a:rPr lang="en-US" smtClean="0"/>
-              <a:t>2022-01-25</a:t>
+              <a:t>2022-01-26</a:t>
             </a:fld>
             <a:endParaRPr lang="en-US"/>
           </a:p>
@@ -1536,7 +1536,7 @@
           <a:p>
             <a:fld id="{FD4ECF9F-6433-47AA-8792-63EFAF83C877}" type="datetimeFigureOut">
               <a:rPr lang="en-US" smtClean="0"/>
-              <a:t>2022-01-25</a:t>
+              <a:t>2022-01-26</a:t>
             </a:fld>
             <a:endParaRPr lang="en-US"/>
           </a:p>
@@ -1948,7 +1948,7 @@
           <a:p>
             <a:fld id="{FD4ECF9F-6433-47AA-8792-63EFAF83C877}" type="datetimeFigureOut">
               <a:rPr lang="en-US" smtClean="0"/>
-              <a:t>2022-01-25</a:t>
+              <a:t>2022-01-26</a:t>
             </a:fld>
             <a:endParaRPr lang="en-US"/>
           </a:p>
@@ -2089,7 +2089,7 @@
           <a:p>
             <a:fld id="{FD4ECF9F-6433-47AA-8792-63EFAF83C877}" type="datetimeFigureOut">
               <a:rPr lang="en-US" smtClean="0"/>
-              <a:t>2022-01-25</a:t>
+              <a:t>2022-01-26</a:t>
             </a:fld>
             <a:endParaRPr lang="en-US"/>
           </a:p>
@@ -2202,7 +2202,7 @@
           <a:p>
             <a:fld id="{FD4ECF9F-6433-47AA-8792-63EFAF83C877}" type="datetimeFigureOut">
               <a:rPr lang="en-US" smtClean="0"/>
-              <a:t>2022-01-25</a:t>
+              <a:t>2022-01-26</a:t>
             </a:fld>
             <a:endParaRPr lang="en-US"/>
           </a:p>
@@ -2513,7 +2513,7 @@
           <a:p>
             <a:fld id="{FD4ECF9F-6433-47AA-8792-63EFAF83C877}" type="datetimeFigureOut">
               <a:rPr lang="en-US" smtClean="0"/>
-              <a:t>2022-01-25</a:t>
+              <a:t>2022-01-26</a:t>
             </a:fld>
             <a:endParaRPr lang="en-US"/>
           </a:p>
@@ -2801,7 +2801,7 @@
           <a:p>
             <a:fld id="{FD4ECF9F-6433-47AA-8792-63EFAF83C877}" type="datetimeFigureOut">
               <a:rPr lang="en-US" smtClean="0"/>
-              <a:t>2022-01-25</a:t>
+              <a:t>2022-01-26</a:t>
             </a:fld>
             <a:endParaRPr lang="en-US"/>
           </a:p>
@@ -3042,7 +3042,7 @@
           <a:p>
             <a:fld id="{FD4ECF9F-6433-47AA-8792-63EFAF83C877}" type="datetimeFigureOut">
               <a:rPr lang="en-US" smtClean="0"/>
-              <a:t>2022-01-25</a:t>
+              <a:t>2022-01-26</a:t>
             </a:fld>
             <a:endParaRPr lang="en-US"/>
           </a:p>
@@ -12332,8 +12332,8 @@
           </a:p>
         </p:txBody>
       </p:sp>
-      <mc:AlternateContent xmlns:mc="http://schemas.openxmlformats.org/markup-compatibility/2006">
-        <mc:Choice xmlns:a14="http://schemas.microsoft.com/office/drawing/2010/main" Requires="a14">
+      <mc:AlternateContent xmlns:mc="http://schemas.openxmlformats.org/markup-compatibility/2006" xmlns:a14="http://schemas.microsoft.com/office/drawing/2010/main">
+        <mc:Choice Requires="a14">
           <p:sp>
             <p:nvSpPr>
               <p:cNvPr id="5" name="TextBox 4">
@@ -12362,6 +12362,7 @@
               </a:bodyPr>
               <a:lstStyle/>
               <a:p>
+                <a:pPr/>
                 <a14:m>
                   <m:oMathPara xmlns:m="http://schemas.openxmlformats.org/officeDocument/2006/math">
                     <m:oMathParaPr>
@@ -12803,7 +12804,7 @@
             </p:txBody>
           </p:sp>
         </mc:Choice>
-        <mc:Fallback>
+        <mc:Fallback xmlns="">
           <p:sp>
             <p:nvSpPr>
               <p:cNvPr id="5" name="TextBox 4">
@@ -12848,8 +12849,8 @@
           </p:sp>
         </mc:Fallback>
       </mc:AlternateContent>
-      <mc:AlternateContent xmlns:mc="http://schemas.openxmlformats.org/markup-compatibility/2006">
-        <mc:Choice xmlns:a14="http://schemas.microsoft.com/office/drawing/2010/main" Requires="a14">
+      <mc:AlternateContent xmlns:mc="http://schemas.openxmlformats.org/markup-compatibility/2006" xmlns:a14="http://schemas.microsoft.com/office/drawing/2010/main">
+        <mc:Choice Requires="a14">
           <p:sp>
             <p:nvSpPr>
               <p:cNvPr id="6" name="TextBox 5">
@@ -12878,6 +12879,7 @@
               </a:bodyPr>
               <a:lstStyle/>
               <a:p>
+                <a:pPr/>
                 <a14:m>
                   <m:oMathPara xmlns:m="http://schemas.openxmlformats.org/officeDocument/2006/math">
                     <m:oMathParaPr>
@@ -13260,7 +13262,7 @@
             </p:txBody>
           </p:sp>
         </mc:Choice>
-        <mc:Fallback>
+        <mc:Fallback xmlns="">
           <p:sp>
             <p:nvSpPr>
               <p:cNvPr id="6" name="TextBox 5">
@@ -13305,8 +13307,8 @@
           </p:sp>
         </mc:Fallback>
       </mc:AlternateContent>
-      <mc:AlternateContent xmlns:mc="http://schemas.openxmlformats.org/markup-compatibility/2006">
-        <mc:Choice xmlns:a14="http://schemas.microsoft.com/office/drawing/2010/main" Requires="a14">
+      <mc:AlternateContent xmlns:mc="http://schemas.openxmlformats.org/markup-compatibility/2006" xmlns:a14="http://schemas.microsoft.com/office/drawing/2010/main">
+        <mc:Choice Requires="a14">
           <p:sp>
             <p:nvSpPr>
               <p:cNvPr id="7" name="TextBox 6">
@@ -13335,6 +13337,7 @@
               </a:bodyPr>
               <a:lstStyle/>
               <a:p>
+                <a:pPr/>
                 <a14:m>
                   <m:oMathPara xmlns:m="http://schemas.openxmlformats.org/officeDocument/2006/math">
                     <m:oMathParaPr>
@@ -13537,7 +13540,7 @@
             </p:txBody>
           </p:sp>
         </mc:Choice>
-        <mc:Fallback>
+        <mc:Fallback xmlns="">
           <p:sp>
             <p:nvSpPr>
               <p:cNvPr id="7" name="TextBox 6">

--- a/dimensionality_reduction.pptx
+++ b/dimensionality_reduction.pptx
@@ -13,6 +13,12 @@
     <p:sldId id="260" r:id="rId7"/>
     <p:sldId id="262" r:id="rId8"/>
     <p:sldId id="263" r:id="rId9"/>
+    <p:sldId id="265" r:id="rId10"/>
+    <p:sldId id="264" r:id="rId11"/>
+    <p:sldId id="266" r:id="rId12"/>
+    <p:sldId id="267" r:id="rId13"/>
+    <p:sldId id="268" r:id="rId14"/>
+    <p:sldId id="269" r:id="rId15"/>
   </p:sldIdLst>
   <p:sldSz cx="12192000" cy="6858000"/>
   <p:notesSz cx="6858000" cy="9144000"/>
@@ -392,7 +398,7 @@
           <a:p>
             <a:fld id="{FD4ECF9F-6433-47AA-8792-63EFAF83C877}" type="datetimeFigureOut">
               <a:rPr lang="en-US" smtClean="0"/>
-              <a:t>2022-01-26</a:t>
+              <a:t>2022-02-12</a:t>
             </a:fld>
             <a:endParaRPr lang="en-US"/>
           </a:p>
@@ -590,7 +596,7 @@
           <a:p>
             <a:fld id="{FD4ECF9F-6433-47AA-8792-63EFAF83C877}" type="datetimeFigureOut">
               <a:rPr lang="en-US" smtClean="0"/>
-              <a:t>2022-01-26</a:t>
+              <a:t>2022-02-12</a:t>
             </a:fld>
             <a:endParaRPr lang="en-US"/>
           </a:p>
@@ -798,7 +804,7 @@
           <a:p>
             <a:fld id="{FD4ECF9F-6433-47AA-8792-63EFAF83C877}" type="datetimeFigureOut">
               <a:rPr lang="en-US" smtClean="0"/>
-              <a:t>2022-01-26</a:t>
+              <a:t>2022-02-12</a:t>
             </a:fld>
             <a:endParaRPr lang="en-US"/>
           </a:p>
@@ -996,7 +1002,7 @@
           <a:p>
             <a:fld id="{FD4ECF9F-6433-47AA-8792-63EFAF83C877}" type="datetimeFigureOut">
               <a:rPr lang="en-US" smtClean="0"/>
-              <a:t>2022-01-26</a:t>
+              <a:t>2022-02-12</a:t>
             </a:fld>
             <a:endParaRPr lang="en-US"/>
           </a:p>
@@ -1271,7 +1277,7 @@
           <a:p>
             <a:fld id="{FD4ECF9F-6433-47AA-8792-63EFAF83C877}" type="datetimeFigureOut">
               <a:rPr lang="en-US" smtClean="0"/>
-              <a:t>2022-01-26</a:t>
+              <a:t>2022-02-12</a:t>
             </a:fld>
             <a:endParaRPr lang="en-US"/>
           </a:p>
@@ -1536,7 +1542,7 @@
           <a:p>
             <a:fld id="{FD4ECF9F-6433-47AA-8792-63EFAF83C877}" type="datetimeFigureOut">
               <a:rPr lang="en-US" smtClean="0"/>
-              <a:t>2022-01-26</a:t>
+              <a:t>2022-02-12</a:t>
             </a:fld>
             <a:endParaRPr lang="en-US"/>
           </a:p>
@@ -1948,7 +1954,7 @@
           <a:p>
             <a:fld id="{FD4ECF9F-6433-47AA-8792-63EFAF83C877}" type="datetimeFigureOut">
               <a:rPr lang="en-US" smtClean="0"/>
-              <a:t>2022-01-26</a:t>
+              <a:t>2022-02-12</a:t>
             </a:fld>
             <a:endParaRPr lang="en-US"/>
           </a:p>
@@ -2089,7 +2095,7 @@
           <a:p>
             <a:fld id="{FD4ECF9F-6433-47AA-8792-63EFAF83C877}" type="datetimeFigureOut">
               <a:rPr lang="en-US" smtClean="0"/>
-              <a:t>2022-01-26</a:t>
+              <a:t>2022-02-12</a:t>
             </a:fld>
             <a:endParaRPr lang="en-US"/>
           </a:p>
@@ -2202,7 +2208,7 @@
           <a:p>
             <a:fld id="{FD4ECF9F-6433-47AA-8792-63EFAF83C877}" type="datetimeFigureOut">
               <a:rPr lang="en-US" smtClean="0"/>
-              <a:t>2022-01-26</a:t>
+              <a:t>2022-02-12</a:t>
             </a:fld>
             <a:endParaRPr lang="en-US"/>
           </a:p>
@@ -2513,7 +2519,7 @@
           <a:p>
             <a:fld id="{FD4ECF9F-6433-47AA-8792-63EFAF83C877}" type="datetimeFigureOut">
               <a:rPr lang="en-US" smtClean="0"/>
-              <a:t>2022-01-26</a:t>
+              <a:t>2022-02-12</a:t>
             </a:fld>
             <a:endParaRPr lang="en-US"/>
           </a:p>
@@ -2801,7 +2807,7 @@
           <a:p>
             <a:fld id="{FD4ECF9F-6433-47AA-8792-63EFAF83C877}" type="datetimeFigureOut">
               <a:rPr lang="en-US" smtClean="0"/>
-              <a:t>2022-01-26</a:t>
+              <a:t>2022-02-12</a:t>
             </a:fld>
             <a:endParaRPr lang="en-US"/>
           </a:p>
@@ -3042,7 +3048,7 @@
           <a:p>
             <a:fld id="{FD4ECF9F-6433-47AA-8792-63EFAF83C877}" type="datetimeFigureOut">
               <a:rPr lang="en-US" smtClean="0"/>
-              <a:t>2022-01-26</a:t>
+              <a:t>2022-02-12</a:t>
             </a:fld>
             <a:endParaRPr lang="en-US"/>
           </a:p>
@@ -3535,6 +3541,3980 @@
     <p:extLst>
       <p:ext uri="{BB962C8B-B14F-4D97-AF65-F5344CB8AC3E}">
         <p14:creationId xmlns:p14="http://schemas.microsoft.com/office/powerpoint/2010/main" val="2305357427"/>
+      </p:ext>
+    </p:extLst>
+  </p:cSld>
+  <p:clrMapOvr>
+    <a:masterClrMapping/>
+  </p:clrMapOvr>
+</p:sld>
+</file>
+
+<file path=ppt/slides/slide10.xml><?xml version="1.0" encoding="utf-8"?>
+<p:sld xmlns:a="http://schemas.openxmlformats.org/drawingml/2006/main" xmlns:r="http://schemas.openxmlformats.org/officeDocument/2006/relationships" xmlns:p="http://schemas.openxmlformats.org/presentationml/2006/main">
+  <p:cSld>
+    <p:spTree>
+      <p:nvGrpSpPr>
+        <p:cNvPr id="1" name=""/>
+        <p:cNvGrpSpPr/>
+        <p:nvPr/>
+      </p:nvGrpSpPr>
+      <p:grpSpPr>
+        <a:xfrm>
+          <a:off x="0" y="0"/>
+          <a:ext cx="0" cy="0"/>
+          <a:chOff x="0" y="0"/>
+          <a:chExt cx="0" cy="0"/>
+        </a:xfrm>
+      </p:grpSpPr>
+      <p:sp>
+        <p:nvSpPr>
+          <p:cNvPr id="2" name="Title 1">
+            <a:extLst>
+              <a:ext uri="{FF2B5EF4-FFF2-40B4-BE49-F238E27FC236}">
+                <a16:creationId xmlns:a16="http://schemas.microsoft.com/office/drawing/2014/main" id="{06FCC3C2-3B0B-464A-9221-AEA01F1A9F35}"/>
+              </a:ext>
+            </a:extLst>
+          </p:cNvPr>
+          <p:cNvSpPr>
+            <a:spLocks noGrp="1"/>
+          </p:cNvSpPr>
+          <p:nvPr>
+            <p:ph type="title"/>
+          </p:nvPr>
+        </p:nvSpPr>
+        <p:spPr/>
+        <p:txBody>
+          <a:bodyPr/>
+          <a:lstStyle/>
+          <a:p>
+            <a:r>
+              <a:rPr lang="en-US" dirty="0"/>
+              <a:t>Running example data</a:t>
+            </a:r>
+          </a:p>
+        </p:txBody>
+      </p:sp>
+      <p:pic>
+        <p:nvPicPr>
+          <p:cNvPr id="1026" name="Picture 2" descr="Test data set of a noisy sine wave">
+            <a:extLst>
+              <a:ext uri="{FF2B5EF4-FFF2-40B4-BE49-F238E27FC236}">
+                <a16:creationId xmlns:a16="http://schemas.microsoft.com/office/drawing/2014/main" id="{DFE9C9B7-4610-4C55-9F0F-4844D637514D}"/>
+              </a:ext>
+            </a:extLst>
+          </p:cNvPr>
+          <p:cNvPicPr>
+            <a:picLocks noChangeAspect="1" noChangeArrowheads="1"/>
+          </p:cNvPicPr>
+          <p:nvPr/>
+        </p:nvPicPr>
+        <p:blipFill>
+          <a:blip r:embed="rId2">
+            <a:extLst>
+              <a:ext uri="{28A0092B-C50C-407E-A947-70E740481C1C}">
+                <a14:useLocalDpi xmlns:a14="http://schemas.microsoft.com/office/drawing/2010/main" val="0"/>
+              </a:ext>
+            </a:extLst>
+          </a:blip>
+          <a:srcRect/>
+          <a:stretch>
+            <a:fillRect/>
+          </a:stretch>
+        </p:blipFill>
+        <p:spPr bwMode="auto">
+          <a:xfrm>
+            <a:off x="2843213" y="1562100"/>
+            <a:ext cx="6505575" cy="3733800"/>
+          </a:xfrm>
+          <a:prstGeom prst="rect">
+            <a:avLst/>
+          </a:prstGeom>
+          <a:noFill/>
+          <a:extLst>
+            <a:ext uri="{909E8E84-426E-40DD-AFC4-6F175D3DCCD1}">
+              <a14:hiddenFill xmlns:a14="http://schemas.microsoft.com/office/drawing/2010/main">
+                <a:solidFill>
+                  <a:srgbClr val="FFFFFF"/>
+                </a:solidFill>
+              </a14:hiddenFill>
+            </a:ext>
+          </a:extLst>
+        </p:spPr>
+      </p:pic>
+      <p:sp>
+        <p:nvSpPr>
+          <p:cNvPr id="3" name="TextBox 2">
+            <a:extLst>
+              <a:ext uri="{FF2B5EF4-FFF2-40B4-BE49-F238E27FC236}">
+                <a16:creationId xmlns:a16="http://schemas.microsoft.com/office/drawing/2014/main" id="{F9F4E9D2-E2E4-4DD7-B6E3-CA45272AF35B}"/>
+              </a:ext>
+            </a:extLst>
+          </p:cNvPr>
+          <p:cNvSpPr txBox="1"/>
+          <p:nvPr/>
+        </p:nvSpPr>
+        <p:spPr>
+          <a:xfrm>
+            <a:off x="3448050" y="5781675"/>
+            <a:ext cx="5431872" cy="523220"/>
+          </a:xfrm>
+          <a:prstGeom prst="rect">
+            <a:avLst/>
+          </a:prstGeom>
+          <a:noFill/>
+          <a:ln>
+            <a:solidFill>
+              <a:schemeClr val="tx1"/>
+            </a:solidFill>
+          </a:ln>
+        </p:spPr>
+        <p:txBody>
+          <a:bodyPr wrap="none" rtlCol="0">
+            <a:spAutoFit/>
+          </a:bodyPr>
+          <a:lstStyle/>
+          <a:p>
+            <a:r>
+              <a:rPr lang="en-US" sz="2800" dirty="0"/>
+              <a:t>How to find an open cover for data?</a:t>
+            </a:r>
+          </a:p>
+        </p:txBody>
+      </p:sp>
+    </p:spTree>
+    <p:extLst>
+      <p:ext uri="{BB962C8B-B14F-4D97-AF65-F5344CB8AC3E}">
+        <p14:creationId xmlns:p14="http://schemas.microsoft.com/office/powerpoint/2010/main" val="1065489665"/>
+      </p:ext>
+    </p:extLst>
+  </p:cSld>
+  <p:clrMapOvr>
+    <a:masterClrMapping/>
+  </p:clrMapOvr>
+</p:sld>
+</file>
+
+<file path=ppt/slides/slide11.xml><?xml version="1.0" encoding="utf-8"?>
+<p:sld xmlns:a="http://schemas.openxmlformats.org/drawingml/2006/main" xmlns:r="http://schemas.openxmlformats.org/officeDocument/2006/relationships" xmlns:p="http://schemas.openxmlformats.org/presentationml/2006/main">
+  <p:cSld>
+    <p:spTree>
+      <p:nvGrpSpPr>
+        <p:cNvPr id="1" name=""/>
+        <p:cNvGrpSpPr/>
+        <p:nvPr/>
+      </p:nvGrpSpPr>
+      <p:grpSpPr>
+        <a:xfrm>
+          <a:off x="0" y="0"/>
+          <a:ext cx="0" cy="0"/>
+          <a:chOff x="0" y="0"/>
+          <a:chExt cx="0" cy="0"/>
+        </a:xfrm>
+      </p:grpSpPr>
+      <p:sp>
+        <p:nvSpPr>
+          <p:cNvPr id="2" name="Title 1">
+            <a:extLst>
+              <a:ext uri="{FF2B5EF4-FFF2-40B4-BE49-F238E27FC236}">
+                <a16:creationId xmlns:a16="http://schemas.microsoft.com/office/drawing/2014/main" id="{CB20C870-C581-4A79-92F4-0B2FA4F2D136}"/>
+              </a:ext>
+            </a:extLst>
+          </p:cNvPr>
+          <p:cNvSpPr>
+            <a:spLocks noGrp="1"/>
+          </p:cNvSpPr>
+          <p:nvPr>
+            <p:ph type="title"/>
+          </p:nvPr>
+        </p:nvSpPr>
+        <p:spPr/>
+        <p:txBody>
+          <a:bodyPr/>
+          <a:lstStyle/>
+          <a:p>
+            <a:r>
+              <a:rPr lang="en-US" dirty="0"/>
+              <a:t>Open sets</a:t>
+            </a:r>
+          </a:p>
+        </p:txBody>
+      </p:sp>
+      <p:pic>
+        <p:nvPicPr>
+          <p:cNvPr id="2050" name="Picture 2" descr="A basic open cover of the test data">
+            <a:extLst>
+              <a:ext uri="{FF2B5EF4-FFF2-40B4-BE49-F238E27FC236}">
+                <a16:creationId xmlns:a16="http://schemas.microsoft.com/office/drawing/2014/main" id="{F190462F-4D2C-478D-B1A4-C4AA54A954AC}"/>
+              </a:ext>
+            </a:extLst>
+          </p:cNvPr>
+          <p:cNvPicPr>
+            <a:picLocks noChangeAspect="1" noChangeArrowheads="1"/>
+          </p:cNvPicPr>
+          <p:nvPr/>
+        </p:nvPicPr>
+        <p:blipFill>
+          <a:blip r:embed="rId2">
+            <a:extLst>
+              <a:ext uri="{28A0092B-C50C-407E-A947-70E740481C1C}">
+                <a14:useLocalDpi xmlns:a14="http://schemas.microsoft.com/office/drawing/2010/main" val="0"/>
+              </a:ext>
+            </a:extLst>
+          </a:blip>
+          <a:srcRect/>
+          <a:stretch>
+            <a:fillRect/>
+          </a:stretch>
+        </p:blipFill>
+        <p:spPr bwMode="auto">
+          <a:xfrm>
+            <a:off x="2843213" y="1562100"/>
+            <a:ext cx="6505575" cy="3733800"/>
+          </a:xfrm>
+          <a:prstGeom prst="rect">
+            <a:avLst/>
+          </a:prstGeom>
+          <a:noFill/>
+          <a:extLst>
+            <a:ext uri="{909E8E84-426E-40DD-AFC4-6F175D3DCCD1}">
+              <a14:hiddenFill xmlns:a14="http://schemas.microsoft.com/office/drawing/2010/main">
+                <a:solidFill>
+                  <a:srgbClr val="FFFFFF"/>
+                </a:solidFill>
+              </a14:hiddenFill>
+            </a:ext>
+          </a:extLst>
+        </p:spPr>
+      </p:pic>
+      <p:sp>
+        <p:nvSpPr>
+          <p:cNvPr id="3" name="TextBox 2">
+            <a:extLst>
+              <a:ext uri="{FF2B5EF4-FFF2-40B4-BE49-F238E27FC236}">
+                <a16:creationId xmlns:a16="http://schemas.microsoft.com/office/drawing/2014/main" id="{51E7AF16-23AC-43FB-8D66-7825826F291C}"/>
+              </a:ext>
+            </a:extLst>
+          </p:cNvPr>
+          <p:cNvSpPr txBox="1"/>
+          <p:nvPr/>
+        </p:nvSpPr>
+        <p:spPr>
+          <a:xfrm>
+            <a:off x="4124325" y="5876925"/>
+            <a:ext cx="3633752" cy="369332"/>
+          </a:xfrm>
+          <a:prstGeom prst="rect">
+            <a:avLst/>
+          </a:prstGeom>
+          <a:noFill/>
+          <a:ln>
+            <a:solidFill>
+              <a:schemeClr val="tx1"/>
+            </a:solidFill>
+          </a:ln>
+        </p:spPr>
+        <p:txBody>
+          <a:bodyPr wrap="none" rtlCol="0">
+            <a:spAutoFit/>
+          </a:bodyPr>
+          <a:lstStyle/>
+          <a:p>
+            <a:r>
+              <a:rPr lang="en-US" dirty="0"/>
+              <a:t>Open set = sphere around data point</a:t>
+            </a:r>
+          </a:p>
+        </p:txBody>
+      </p:sp>
+    </p:spTree>
+    <p:extLst>
+      <p:ext uri="{BB962C8B-B14F-4D97-AF65-F5344CB8AC3E}">
+        <p14:creationId xmlns:p14="http://schemas.microsoft.com/office/powerpoint/2010/main" val="3311422046"/>
+      </p:ext>
+    </p:extLst>
+  </p:cSld>
+  <p:clrMapOvr>
+    <a:masterClrMapping/>
+  </p:clrMapOvr>
+</p:sld>
+</file>
+
+<file path=ppt/slides/slide12.xml><?xml version="1.0" encoding="utf-8"?>
+<p:sld xmlns:a="http://schemas.openxmlformats.org/drawingml/2006/main" xmlns:r="http://schemas.openxmlformats.org/officeDocument/2006/relationships" xmlns:p="http://schemas.openxmlformats.org/presentationml/2006/main">
+  <p:cSld>
+    <p:spTree>
+      <p:nvGrpSpPr>
+        <p:cNvPr id="1" name=""/>
+        <p:cNvGrpSpPr/>
+        <p:nvPr/>
+      </p:nvGrpSpPr>
+      <p:grpSpPr>
+        <a:xfrm>
+          <a:off x="0" y="0"/>
+          <a:ext cx="0" cy="0"/>
+          <a:chOff x="0" y="0"/>
+          <a:chExt cx="0" cy="0"/>
+        </a:xfrm>
+      </p:grpSpPr>
+      <p:sp>
+        <p:nvSpPr>
+          <p:cNvPr id="2" name="Title 1">
+            <a:extLst>
+              <a:ext uri="{FF2B5EF4-FFF2-40B4-BE49-F238E27FC236}">
+                <a16:creationId xmlns:a16="http://schemas.microsoft.com/office/drawing/2014/main" id="{7E4486DA-C752-4701-A455-3EFB2C1A7844}"/>
+              </a:ext>
+            </a:extLst>
+          </p:cNvPr>
+          <p:cNvSpPr>
+            <a:spLocks noGrp="1"/>
+          </p:cNvSpPr>
+          <p:nvPr>
+            <p:ph type="title"/>
+          </p:nvPr>
+        </p:nvSpPr>
+        <p:spPr/>
+        <p:txBody>
+          <a:bodyPr/>
+          <a:lstStyle/>
+          <a:p>
+            <a:r>
+              <a:rPr lang="en-US" dirty="0"/>
+              <a:t>Construct simplicial complex</a:t>
+            </a:r>
+          </a:p>
+        </p:txBody>
+      </p:sp>
+      <p:pic>
+        <p:nvPicPr>
+          <p:cNvPr id="3074" name="Picture 2" descr="A simplicial complex built from the test data">
+            <a:extLst>
+              <a:ext uri="{FF2B5EF4-FFF2-40B4-BE49-F238E27FC236}">
+                <a16:creationId xmlns:a16="http://schemas.microsoft.com/office/drawing/2014/main" id="{541699C3-B73F-408D-92A1-E06825EEBFA4}"/>
+              </a:ext>
+            </a:extLst>
+          </p:cNvPr>
+          <p:cNvPicPr>
+            <a:picLocks noChangeAspect="1" noChangeArrowheads="1"/>
+          </p:cNvPicPr>
+          <p:nvPr/>
+        </p:nvPicPr>
+        <p:blipFill>
+          <a:blip r:embed="rId2">
+            <a:extLst>
+              <a:ext uri="{28A0092B-C50C-407E-A947-70E740481C1C}">
+                <a14:useLocalDpi xmlns:a14="http://schemas.microsoft.com/office/drawing/2010/main" val="0"/>
+              </a:ext>
+            </a:extLst>
+          </a:blip>
+          <a:srcRect/>
+          <a:stretch>
+            <a:fillRect/>
+          </a:stretch>
+        </p:blipFill>
+        <p:spPr bwMode="auto">
+          <a:xfrm>
+            <a:off x="2843213" y="1562100"/>
+            <a:ext cx="6505575" cy="3733800"/>
+          </a:xfrm>
+          <a:prstGeom prst="rect">
+            <a:avLst/>
+          </a:prstGeom>
+          <a:noFill/>
+          <a:extLst>
+            <a:ext uri="{909E8E84-426E-40DD-AFC4-6F175D3DCCD1}">
+              <a14:hiddenFill xmlns:a14="http://schemas.microsoft.com/office/drawing/2010/main">
+                <a:solidFill>
+                  <a:srgbClr val="FFFFFF"/>
+                </a:solidFill>
+              </a14:hiddenFill>
+            </a:ext>
+          </a:extLst>
+        </p:spPr>
+      </p:pic>
+      <p:sp>
+        <p:nvSpPr>
+          <p:cNvPr id="4" name="TextBox 3">
+            <a:extLst>
+              <a:ext uri="{FF2B5EF4-FFF2-40B4-BE49-F238E27FC236}">
+                <a16:creationId xmlns:a16="http://schemas.microsoft.com/office/drawing/2014/main" id="{A4F8E5C9-95AF-46CE-918A-A7D6153B6E79}"/>
+              </a:ext>
+            </a:extLst>
+          </p:cNvPr>
+          <p:cNvSpPr txBox="1"/>
+          <p:nvPr/>
+        </p:nvSpPr>
+        <p:spPr>
+          <a:xfrm>
+            <a:off x="4124325" y="5876925"/>
+            <a:ext cx="3639394" cy="369332"/>
+          </a:xfrm>
+          <a:prstGeom prst="rect">
+            <a:avLst/>
+          </a:prstGeom>
+          <a:noFill/>
+          <a:ln>
+            <a:solidFill>
+              <a:schemeClr val="tx1"/>
+            </a:solidFill>
+          </a:ln>
+        </p:spPr>
+        <p:txBody>
+          <a:bodyPr wrap="none" rtlCol="0">
+            <a:spAutoFit/>
+          </a:bodyPr>
+          <a:lstStyle/>
+          <a:p>
+            <a:r>
+              <a:rPr lang="en-US" dirty="0"/>
+              <a:t>Based on overlap between open sets</a:t>
+            </a:r>
+          </a:p>
+        </p:txBody>
+      </p:sp>
+      <p:grpSp>
+        <p:nvGrpSpPr>
+          <p:cNvPr id="7" name="Group 6">
+            <a:extLst>
+              <a:ext uri="{FF2B5EF4-FFF2-40B4-BE49-F238E27FC236}">
+                <a16:creationId xmlns:a16="http://schemas.microsoft.com/office/drawing/2014/main" id="{1C828318-E382-4F89-990A-1379CF839EAE}"/>
+              </a:ext>
+            </a:extLst>
+          </p:cNvPr>
+          <p:cNvGrpSpPr/>
+          <p:nvPr/>
+        </p:nvGrpSpPr>
+        <p:grpSpPr>
+          <a:xfrm>
+            <a:off x="8020050" y="2619375"/>
+            <a:ext cx="3587536" cy="809625"/>
+            <a:chOff x="8020050" y="2619375"/>
+            <a:chExt cx="3587536" cy="809625"/>
+          </a:xfrm>
+        </p:grpSpPr>
+        <p:sp>
+          <p:nvSpPr>
+            <p:cNvPr id="3" name="TextBox 2">
+              <a:extLst>
+                <a:ext uri="{FF2B5EF4-FFF2-40B4-BE49-F238E27FC236}">
+                  <a16:creationId xmlns:a16="http://schemas.microsoft.com/office/drawing/2014/main" id="{C9EC45EE-18CD-4CD8-97D4-FDA3BCD704B2}"/>
+                </a:ext>
+              </a:extLst>
+            </p:cNvPr>
+            <p:cNvSpPr txBox="1"/>
+            <p:nvPr/>
+          </p:nvSpPr>
+          <p:spPr>
+            <a:xfrm>
+              <a:off x="9705975" y="2619375"/>
+              <a:ext cx="1901611" cy="646331"/>
+            </a:xfrm>
+            <a:prstGeom prst="rect">
+              <a:avLst/>
+            </a:prstGeom>
+            <a:noFill/>
+            <a:ln>
+              <a:solidFill>
+                <a:schemeClr val="tx1"/>
+              </a:solidFill>
+            </a:ln>
+          </p:spPr>
+          <p:txBody>
+            <a:bodyPr wrap="none" rtlCol="0">
+              <a:spAutoFit/>
+            </a:bodyPr>
+            <a:lstStyle/>
+            <a:p>
+              <a:pPr algn="ctr"/>
+              <a:r>
+                <a:rPr lang="en-US" dirty="0"/>
+                <a:t>Captures topology</a:t>
+              </a:r>
+              <a:br>
+                <a:rPr lang="en-US" dirty="0"/>
+              </a:br>
+              <a:r>
+                <a:rPr lang="en-US" dirty="0"/>
+                <a:t>of data set</a:t>
+              </a:r>
+            </a:p>
+          </p:txBody>
+        </p:sp>
+        <p:cxnSp>
+          <p:nvCxnSpPr>
+            <p:cNvPr id="6" name="Straight Arrow Connector 5">
+              <a:extLst>
+                <a:ext uri="{FF2B5EF4-FFF2-40B4-BE49-F238E27FC236}">
+                  <a16:creationId xmlns:a16="http://schemas.microsoft.com/office/drawing/2014/main" id="{8A63BE5F-9E89-4BF2-A9FF-E06EC445616E}"/>
+                </a:ext>
+              </a:extLst>
+            </p:cNvPr>
+            <p:cNvCxnSpPr>
+              <a:stCxn id="3" idx="1"/>
+            </p:cNvCxnSpPr>
+            <p:nvPr/>
+          </p:nvCxnSpPr>
+          <p:spPr>
+            <a:xfrm flipH="1">
+              <a:off x="8020050" y="2942541"/>
+              <a:ext cx="1685925" cy="486459"/>
+            </a:xfrm>
+            <a:prstGeom prst="straightConnector1">
+              <a:avLst/>
+            </a:prstGeom>
+            <a:ln>
+              <a:solidFill>
+                <a:schemeClr val="tx1"/>
+              </a:solidFill>
+              <a:tailEnd type="stealth" w="lg" len="lg"/>
+            </a:ln>
+          </p:spPr>
+          <p:style>
+            <a:lnRef idx="1">
+              <a:schemeClr val="accent1"/>
+            </a:lnRef>
+            <a:fillRef idx="0">
+              <a:schemeClr val="accent1"/>
+            </a:fillRef>
+            <a:effectRef idx="0">
+              <a:schemeClr val="accent1"/>
+            </a:effectRef>
+            <a:fontRef idx="minor">
+              <a:schemeClr val="tx1"/>
+            </a:fontRef>
+          </p:style>
+        </p:cxnSp>
+      </p:grpSp>
+      <p:sp>
+        <p:nvSpPr>
+          <p:cNvPr id="8" name="TextBox 7">
+            <a:extLst>
+              <a:ext uri="{FF2B5EF4-FFF2-40B4-BE49-F238E27FC236}">
+                <a16:creationId xmlns:a16="http://schemas.microsoft.com/office/drawing/2014/main" id="{3AB80AE8-4949-4213-931A-C31F8E6B35DA}"/>
+              </a:ext>
+            </a:extLst>
+          </p:cNvPr>
+          <p:cNvSpPr txBox="1"/>
+          <p:nvPr/>
+        </p:nvSpPr>
+        <p:spPr>
+          <a:xfrm>
+            <a:off x="8826250" y="5628493"/>
+            <a:ext cx="2607509" cy="369332"/>
+          </a:xfrm>
+          <a:prstGeom prst="rect">
+            <a:avLst/>
+          </a:prstGeom>
+          <a:noFill/>
+        </p:spPr>
+        <p:txBody>
+          <a:bodyPr wrap="none" rtlCol="0">
+            <a:spAutoFit/>
+          </a:bodyPr>
+          <a:lstStyle/>
+          <a:p>
+            <a:r>
+              <a:rPr lang="en-US" dirty="0"/>
+              <a:t>Mostly 0- and 1-simplexes</a:t>
+            </a:r>
+          </a:p>
+        </p:txBody>
+      </p:sp>
+    </p:spTree>
+    <p:extLst>
+      <p:ext uri="{BB962C8B-B14F-4D97-AF65-F5344CB8AC3E}">
+        <p14:creationId xmlns:p14="http://schemas.microsoft.com/office/powerpoint/2010/main" val="469375364"/>
+      </p:ext>
+    </p:extLst>
+  </p:cSld>
+  <p:clrMapOvr>
+    <a:masterClrMapping/>
+  </p:clrMapOvr>
+</p:sld>
+</file>
+
+<file path=ppt/slides/slide13.xml><?xml version="1.0" encoding="utf-8"?>
+<p:sld xmlns:a="http://schemas.openxmlformats.org/drawingml/2006/main" xmlns:r="http://schemas.openxmlformats.org/officeDocument/2006/relationships" xmlns:p="http://schemas.openxmlformats.org/presentationml/2006/main">
+  <p:cSld>
+    <p:spTree>
+      <p:nvGrpSpPr>
+        <p:cNvPr id="1" name=""/>
+        <p:cNvGrpSpPr/>
+        <p:nvPr/>
+      </p:nvGrpSpPr>
+      <p:grpSpPr>
+        <a:xfrm>
+          <a:off x="0" y="0"/>
+          <a:ext cx="0" cy="0"/>
+          <a:chOff x="0" y="0"/>
+          <a:chExt cx="0" cy="0"/>
+        </a:xfrm>
+      </p:grpSpPr>
+      <p:sp>
+        <p:nvSpPr>
+          <p:cNvPr id="2" name="Title 1">
+            <a:extLst>
+              <a:ext uri="{FF2B5EF4-FFF2-40B4-BE49-F238E27FC236}">
+                <a16:creationId xmlns:a16="http://schemas.microsoft.com/office/drawing/2014/main" id="{7E4486DA-C752-4701-A455-3EFB2C1A7844}"/>
+              </a:ext>
+            </a:extLst>
+          </p:cNvPr>
+          <p:cNvSpPr>
+            <a:spLocks noGrp="1"/>
+          </p:cNvSpPr>
+          <p:nvPr>
+            <p:ph type="title"/>
+          </p:nvPr>
+        </p:nvSpPr>
+        <p:spPr/>
+        <p:txBody>
+          <a:bodyPr/>
+          <a:lstStyle/>
+          <a:p>
+            <a:r>
+              <a:rPr lang="en-US" dirty="0"/>
+              <a:t>Problem</a:t>
+            </a:r>
+          </a:p>
+        </p:txBody>
+      </p:sp>
+      <p:pic>
+        <p:nvPicPr>
+          <p:cNvPr id="3074" name="Picture 2" descr="A simplicial complex built from the test data">
+            <a:extLst>
+              <a:ext uri="{FF2B5EF4-FFF2-40B4-BE49-F238E27FC236}">
+                <a16:creationId xmlns:a16="http://schemas.microsoft.com/office/drawing/2014/main" id="{541699C3-B73F-408D-92A1-E06825EEBFA4}"/>
+              </a:ext>
+            </a:extLst>
+          </p:cNvPr>
+          <p:cNvPicPr>
+            <a:picLocks noChangeAspect="1" noChangeArrowheads="1"/>
+          </p:cNvPicPr>
+          <p:nvPr/>
+        </p:nvPicPr>
+        <p:blipFill>
+          <a:blip r:embed="rId2">
+            <a:extLst>
+              <a:ext uri="{28A0092B-C50C-407E-A947-70E740481C1C}">
+                <a14:useLocalDpi xmlns:a14="http://schemas.microsoft.com/office/drawing/2010/main" val="0"/>
+              </a:ext>
+            </a:extLst>
+          </a:blip>
+          <a:srcRect/>
+          <a:stretch>
+            <a:fillRect/>
+          </a:stretch>
+        </p:blipFill>
+        <p:spPr bwMode="auto">
+          <a:xfrm>
+            <a:off x="2843213" y="1562100"/>
+            <a:ext cx="6505575" cy="3733800"/>
+          </a:xfrm>
+          <a:prstGeom prst="rect">
+            <a:avLst/>
+          </a:prstGeom>
+          <a:noFill/>
+          <a:extLst>
+            <a:ext uri="{909E8E84-426E-40DD-AFC4-6F175D3DCCD1}">
+              <a14:hiddenFill xmlns:a14="http://schemas.microsoft.com/office/drawing/2010/main">
+                <a:solidFill>
+                  <a:srgbClr val="FFFFFF"/>
+                </a:solidFill>
+              </a14:hiddenFill>
+            </a:ext>
+          </a:extLst>
+        </p:spPr>
+      </p:pic>
+      <p:sp>
+        <p:nvSpPr>
+          <p:cNvPr id="4" name="TextBox 3">
+            <a:extLst>
+              <a:ext uri="{FF2B5EF4-FFF2-40B4-BE49-F238E27FC236}">
+                <a16:creationId xmlns:a16="http://schemas.microsoft.com/office/drawing/2014/main" id="{A4F8E5C9-95AF-46CE-918A-A7D6153B6E79}"/>
+              </a:ext>
+            </a:extLst>
+          </p:cNvPr>
+          <p:cNvSpPr txBox="1"/>
+          <p:nvPr/>
+        </p:nvSpPr>
+        <p:spPr>
+          <a:xfrm>
+            <a:off x="4124325" y="5876925"/>
+            <a:ext cx="3050900" cy="369332"/>
+          </a:xfrm>
+          <a:prstGeom prst="rect">
+            <a:avLst/>
+          </a:prstGeom>
+          <a:noFill/>
+          <a:ln>
+            <a:solidFill>
+              <a:schemeClr val="tx1"/>
+            </a:solidFill>
+          </a:ln>
+        </p:spPr>
+        <p:txBody>
+          <a:bodyPr wrap="none" rtlCol="0">
+            <a:spAutoFit/>
+          </a:bodyPr>
+          <a:lstStyle/>
+          <a:p>
+            <a:r>
+              <a:rPr lang="en-US" dirty="0"/>
+              <a:t>Many connected components!</a:t>
+            </a:r>
+          </a:p>
+        </p:txBody>
+      </p:sp>
+      <p:sp>
+        <p:nvSpPr>
+          <p:cNvPr id="8" name="Freeform: Shape 7">
+            <a:extLst>
+              <a:ext uri="{FF2B5EF4-FFF2-40B4-BE49-F238E27FC236}">
+                <a16:creationId xmlns:a16="http://schemas.microsoft.com/office/drawing/2014/main" id="{598563C7-71D3-46AF-B10D-029793C2C2F4}"/>
+              </a:ext>
+            </a:extLst>
+          </p:cNvPr>
+          <p:cNvSpPr/>
+          <p:nvPr/>
+        </p:nvSpPr>
+        <p:spPr>
+          <a:xfrm>
+            <a:off x="2952854" y="2685551"/>
+            <a:ext cx="648567" cy="838699"/>
+          </a:xfrm>
+          <a:custGeom>
+            <a:avLst/>
+            <a:gdLst>
+              <a:gd name="connsiteX0" fmla="*/ 333271 w 648567"/>
+              <a:gd name="connsiteY0" fmla="*/ 10024 h 1086349"/>
+              <a:gd name="connsiteX1" fmla="*/ 285646 w 648567"/>
+              <a:gd name="connsiteY1" fmla="*/ 29074 h 1086349"/>
+              <a:gd name="connsiteX2" fmla="*/ 171346 w 648567"/>
+              <a:gd name="connsiteY2" fmla="*/ 95749 h 1086349"/>
+              <a:gd name="connsiteX3" fmla="*/ 85621 w 648567"/>
+              <a:gd name="connsiteY3" fmla="*/ 229099 h 1086349"/>
+              <a:gd name="connsiteX4" fmla="*/ 66571 w 648567"/>
+              <a:gd name="connsiteY4" fmla="*/ 267199 h 1086349"/>
+              <a:gd name="connsiteX5" fmla="*/ 18946 w 648567"/>
+              <a:gd name="connsiteY5" fmla="*/ 495799 h 1086349"/>
+              <a:gd name="connsiteX6" fmla="*/ 9421 w 648567"/>
+              <a:gd name="connsiteY6" fmla="*/ 667249 h 1086349"/>
+              <a:gd name="connsiteX7" fmla="*/ 57046 w 648567"/>
+              <a:gd name="connsiteY7" fmla="*/ 1010149 h 1086349"/>
+              <a:gd name="connsiteX8" fmla="*/ 95146 w 648567"/>
+              <a:gd name="connsiteY8" fmla="*/ 1057774 h 1086349"/>
+              <a:gd name="connsiteX9" fmla="*/ 142771 w 648567"/>
+              <a:gd name="connsiteY9" fmla="*/ 1067299 h 1086349"/>
+              <a:gd name="connsiteX10" fmla="*/ 199921 w 648567"/>
+              <a:gd name="connsiteY10" fmla="*/ 1086349 h 1086349"/>
+              <a:gd name="connsiteX11" fmla="*/ 409471 w 648567"/>
+              <a:gd name="connsiteY11" fmla="*/ 1019674 h 1086349"/>
+              <a:gd name="connsiteX12" fmla="*/ 476146 w 648567"/>
+              <a:gd name="connsiteY12" fmla="*/ 914899 h 1086349"/>
+              <a:gd name="connsiteX13" fmla="*/ 561871 w 648567"/>
+              <a:gd name="connsiteY13" fmla="*/ 810124 h 1086349"/>
+              <a:gd name="connsiteX14" fmla="*/ 619021 w 648567"/>
+              <a:gd name="connsiteY14" fmla="*/ 714874 h 1086349"/>
+              <a:gd name="connsiteX15" fmla="*/ 628546 w 648567"/>
+              <a:gd name="connsiteY15" fmla="*/ 648199 h 1086349"/>
+              <a:gd name="connsiteX16" fmla="*/ 647596 w 648567"/>
+              <a:gd name="connsiteY16" fmla="*/ 591049 h 1086349"/>
+              <a:gd name="connsiteX17" fmla="*/ 638071 w 648567"/>
+              <a:gd name="connsiteY17" fmla="*/ 76699 h 1086349"/>
+              <a:gd name="connsiteX18" fmla="*/ 619021 w 648567"/>
+              <a:gd name="connsiteY18" fmla="*/ 38599 h 1086349"/>
+              <a:gd name="connsiteX19" fmla="*/ 514246 w 648567"/>
+              <a:gd name="connsiteY19" fmla="*/ 499 h 1086349"/>
+              <a:gd name="connsiteX20" fmla="*/ 333271 w 648567"/>
+              <a:gd name="connsiteY20" fmla="*/ 10024 h 1086349"/>
+            </a:gdLst>
+            <a:ahLst/>
+            <a:cxnLst>
+              <a:cxn ang="0">
+                <a:pos x="connsiteX0" y="connsiteY0"/>
+              </a:cxn>
+              <a:cxn ang="0">
+                <a:pos x="connsiteX1" y="connsiteY1"/>
+              </a:cxn>
+              <a:cxn ang="0">
+                <a:pos x="connsiteX2" y="connsiteY2"/>
+              </a:cxn>
+              <a:cxn ang="0">
+                <a:pos x="connsiteX3" y="connsiteY3"/>
+              </a:cxn>
+              <a:cxn ang="0">
+                <a:pos x="connsiteX4" y="connsiteY4"/>
+              </a:cxn>
+              <a:cxn ang="0">
+                <a:pos x="connsiteX5" y="connsiteY5"/>
+              </a:cxn>
+              <a:cxn ang="0">
+                <a:pos x="connsiteX6" y="connsiteY6"/>
+              </a:cxn>
+              <a:cxn ang="0">
+                <a:pos x="connsiteX7" y="connsiteY7"/>
+              </a:cxn>
+              <a:cxn ang="0">
+                <a:pos x="connsiteX8" y="connsiteY8"/>
+              </a:cxn>
+              <a:cxn ang="0">
+                <a:pos x="connsiteX9" y="connsiteY9"/>
+              </a:cxn>
+              <a:cxn ang="0">
+                <a:pos x="connsiteX10" y="connsiteY10"/>
+              </a:cxn>
+              <a:cxn ang="0">
+                <a:pos x="connsiteX11" y="connsiteY11"/>
+              </a:cxn>
+              <a:cxn ang="0">
+                <a:pos x="connsiteX12" y="connsiteY12"/>
+              </a:cxn>
+              <a:cxn ang="0">
+                <a:pos x="connsiteX13" y="connsiteY13"/>
+              </a:cxn>
+              <a:cxn ang="0">
+                <a:pos x="connsiteX14" y="connsiteY14"/>
+              </a:cxn>
+              <a:cxn ang="0">
+                <a:pos x="connsiteX15" y="connsiteY15"/>
+              </a:cxn>
+              <a:cxn ang="0">
+                <a:pos x="connsiteX16" y="connsiteY16"/>
+              </a:cxn>
+              <a:cxn ang="0">
+                <a:pos x="connsiteX17" y="connsiteY17"/>
+              </a:cxn>
+              <a:cxn ang="0">
+                <a:pos x="connsiteX18" y="connsiteY18"/>
+              </a:cxn>
+              <a:cxn ang="0">
+                <a:pos x="connsiteX19" y="connsiteY19"/>
+              </a:cxn>
+              <a:cxn ang="0">
+                <a:pos x="connsiteX20" y="connsiteY20"/>
+              </a:cxn>
+            </a:cxnLst>
+            <a:rect l="l" t="t" r="r" b="b"/>
+            <a:pathLst>
+              <a:path w="648567" h="1086349">
+                <a:moveTo>
+                  <a:pt x="333271" y="10024"/>
+                </a:moveTo>
+                <a:cubicBezTo>
+                  <a:pt x="295171" y="14787"/>
+                  <a:pt x="300757" y="21074"/>
+                  <a:pt x="285646" y="29074"/>
+                </a:cubicBezTo>
+                <a:cubicBezTo>
+                  <a:pt x="246663" y="49712"/>
+                  <a:pt x="171346" y="95749"/>
+                  <a:pt x="171346" y="95749"/>
+                </a:cubicBezTo>
+                <a:cubicBezTo>
+                  <a:pt x="142771" y="140199"/>
+                  <a:pt x="113176" y="184009"/>
+                  <a:pt x="85621" y="229099"/>
+                </a:cubicBezTo>
+                <a:cubicBezTo>
+                  <a:pt x="78217" y="241215"/>
+                  <a:pt x="69718" y="253353"/>
+                  <a:pt x="66571" y="267199"/>
+                </a:cubicBezTo>
+                <a:cubicBezTo>
+                  <a:pt x="-1735" y="567746"/>
+                  <a:pt x="68944" y="345806"/>
+                  <a:pt x="18946" y="495799"/>
+                </a:cubicBezTo>
+                <a:cubicBezTo>
+                  <a:pt x="15771" y="552949"/>
+                  <a:pt x="9421" y="610011"/>
+                  <a:pt x="9421" y="667249"/>
+                </a:cubicBezTo>
+                <a:cubicBezTo>
+                  <a:pt x="9421" y="914405"/>
+                  <a:pt x="-31447" y="888471"/>
+                  <a:pt x="57046" y="1010149"/>
+                </a:cubicBezTo>
+                <a:cubicBezTo>
+                  <a:pt x="69003" y="1026591"/>
+                  <a:pt x="78230" y="1046497"/>
+                  <a:pt x="95146" y="1057774"/>
+                </a:cubicBezTo>
+                <a:cubicBezTo>
+                  <a:pt x="108616" y="1066754"/>
+                  <a:pt x="127152" y="1063039"/>
+                  <a:pt x="142771" y="1067299"/>
+                </a:cubicBezTo>
+                <a:cubicBezTo>
+                  <a:pt x="162144" y="1072583"/>
+                  <a:pt x="180871" y="1079999"/>
+                  <a:pt x="199921" y="1086349"/>
+                </a:cubicBezTo>
+                <a:cubicBezTo>
+                  <a:pt x="269771" y="1064124"/>
+                  <a:pt x="344858" y="1054288"/>
+                  <a:pt x="409471" y="1019674"/>
+                </a:cubicBezTo>
+                <a:cubicBezTo>
+                  <a:pt x="528881" y="955704"/>
+                  <a:pt x="438797" y="967187"/>
+                  <a:pt x="476146" y="914899"/>
+                </a:cubicBezTo>
+                <a:cubicBezTo>
+                  <a:pt x="502375" y="878179"/>
+                  <a:pt x="534460" y="845970"/>
+                  <a:pt x="561871" y="810124"/>
+                </a:cubicBezTo>
+                <a:cubicBezTo>
+                  <a:pt x="595076" y="766702"/>
+                  <a:pt x="597652" y="757611"/>
+                  <a:pt x="619021" y="714874"/>
+                </a:cubicBezTo>
+                <a:cubicBezTo>
+                  <a:pt x="622196" y="692649"/>
+                  <a:pt x="623498" y="670075"/>
+                  <a:pt x="628546" y="648199"/>
+                </a:cubicBezTo>
+                <a:cubicBezTo>
+                  <a:pt x="633061" y="628633"/>
+                  <a:pt x="647261" y="611127"/>
+                  <a:pt x="647596" y="591049"/>
+                </a:cubicBezTo>
+                <a:cubicBezTo>
+                  <a:pt x="650454" y="419593"/>
+                  <a:pt x="646929" y="247949"/>
+                  <a:pt x="638071" y="76699"/>
+                </a:cubicBezTo>
+                <a:cubicBezTo>
+                  <a:pt x="637338" y="62519"/>
+                  <a:pt x="629061" y="48639"/>
+                  <a:pt x="619021" y="38599"/>
+                </a:cubicBezTo>
+                <a:cubicBezTo>
+                  <a:pt x="591228" y="10806"/>
+                  <a:pt x="551693" y="1886"/>
+                  <a:pt x="514246" y="499"/>
+                </a:cubicBezTo>
+                <a:cubicBezTo>
+                  <a:pt x="447617" y="-1969"/>
+                  <a:pt x="371371" y="5261"/>
+                  <a:pt x="333271" y="10024"/>
+                </a:cubicBezTo>
+                <a:close/>
+              </a:path>
+            </a:pathLst>
+          </a:custGeom>
+          <a:solidFill>
+            <a:srgbClr val="FF0000">
+              <a:alpha val="26000"/>
+            </a:srgbClr>
+          </a:solidFill>
+          <a:ln>
+            <a:solidFill>
+              <a:srgbClr val="FF0000"/>
+            </a:solidFill>
+          </a:ln>
+        </p:spPr>
+        <p:style>
+          <a:lnRef idx="2">
+            <a:schemeClr val="accent1">
+              <a:shade val="50000"/>
+            </a:schemeClr>
+          </a:lnRef>
+          <a:fillRef idx="1">
+            <a:schemeClr val="accent1"/>
+          </a:fillRef>
+          <a:effectRef idx="0">
+            <a:schemeClr val="accent1"/>
+          </a:effectRef>
+          <a:fontRef idx="minor">
+            <a:schemeClr val="lt1"/>
+          </a:fontRef>
+        </p:style>
+        <p:txBody>
+          <a:bodyPr rtlCol="0" anchor="ctr"/>
+          <a:lstStyle/>
+          <a:p>
+            <a:pPr algn="ctr"/>
+            <a:endParaRPr lang="en-US"/>
+          </a:p>
+        </p:txBody>
+      </p:sp>
+      <p:sp>
+        <p:nvSpPr>
+          <p:cNvPr id="9" name="Freeform: Shape 8">
+            <a:extLst>
+              <a:ext uri="{FF2B5EF4-FFF2-40B4-BE49-F238E27FC236}">
+                <a16:creationId xmlns:a16="http://schemas.microsoft.com/office/drawing/2014/main" id="{805816C1-8801-4073-9E39-650C1278497E}"/>
+              </a:ext>
+            </a:extLst>
+          </p:cNvPr>
+          <p:cNvSpPr/>
+          <p:nvPr/>
+        </p:nvSpPr>
+        <p:spPr>
+          <a:xfrm>
+            <a:off x="3157094" y="1485900"/>
+            <a:ext cx="2449340" cy="3886200"/>
+          </a:xfrm>
+          <a:custGeom>
+            <a:avLst/>
+            <a:gdLst>
+              <a:gd name="connsiteX0" fmla="*/ 10590 w 2449340"/>
+              <a:gd name="connsiteY0" fmla="*/ 914400 h 3886200"/>
+              <a:gd name="connsiteX1" fmla="*/ 39165 w 2449340"/>
+              <a:gd name="connsiteY1" fmla="*/ 762000 h 3886200"/>
+              <a:gd name="connsiteX2" fmla="*/ 86790 w 2449340"/>
+              <a:gd name="connsiteY2" fmla="*/ 704850 h 3886200"/>
+              <a:gd name="connsiteX3" fmla="*/ 124890 w 2449340"/>
+              <a:gd name="connsiteY3" fmla="*/ 638175 h 3886200"/>
+              <a:gd name="connsiteX4" fmla="*/ 143940 w 2449340"/>
+              <a:gd name="connsiteY4" fmla="*/ 600075 h 3886200"/>
+              <a:gd name="connsiteX5" fmla="*/ 182040 w 2449340"/>
+              <a:gd name="connsiteY5" fmla="*/ 561975 h 3886200"/>
+              <a:gd name="connsiteX6" fmla="*/ 210615 w 2449340"/>
+              <a:gd name="connsiteY6" fmla="*/ 514350 h 3886200"/>
+              <a:gd name="connsiteX7" fmla="*/ 267765 w 2449340"/>
+              <a:gd name="connsiteY7" fmla="*/ 466725 h 3886200"/>
+              <a:gd name="connsiteX8" fmla="*/ 353490 w 2449340"/>
+              <a:gd name="connsiteY8" fmla="*/ 361950 h 3886200"/>
+              <a:gd name="connsiteX9" fmla="*/ 382065 w 2449340"/>
+              <a:gd name="connsiteY9" fmla="*/ 323850 h 3886200"/>
+              <a:gd name="connsiteX10" fmla="*/ 429690 w 2449340"/>
+              <a:gd name="connsiteY10" fmla="*/ 295275 h 3886200"/>
+              <a:gd name="connsiteX11" fmla="*/ 486840 w 2449340"/>
+              <a:gd name="connsiteY11" fmla="*/ 238125 h 3886200"/>
+              <a:gd name="connsiteX12" fmla="*/ 515415 w 2449340"/>
+              <a:gd name="connsiteY12" fmla="*/ 219075 h 3886200"/>
+              <a:gd name="connsiteX13" fmla="*/ 553515 w 2449340"/>
+              <a:gd name="connsiteY13" fmla="*/ 180975 h 3886200"/>
+              <a:gd name="connsiteX14" fmla="*/ 705915 w 2449340"/>
+              <a:gd name="connsiteY14" fmla="*/ 76200 h 3886200"/>
+              <a:gd name="connsiteX15" fmla="*/ 724965 w 2449340"/>
+              <a:gd name="connsiteY15" fmla="*/ 47625 h 3886200"/>
+              <a:gd name="connsiteX16" fmla="*/ 791640 w 2449340"/>
+              <a:gd name="connsiteY16" fmla="*/ 28575 h 3886200"/>
+              <a:gd name="connsiteX17" fmla="*/ 820215 w 2449340"/>
+              <a:gd name="connsiteY17" fmla="*/ 19050 h 3886200"/>
+              <a:gd name="connsiteX18" fmla="*/ 886890 w 2449340"/>
+              <a:gd name="connsiteY18" fmla="*/ 9525 h 3886200"/>
+              <a:gd name="connsiteX19" fmla="*/ 944040 w 2449340"/>
+              <a:gd name="connsiteY19" fmla="*/ 0 h 3886200"/>
+              <a:gd name="connsiteX20" fmla="*/ 1134540 w 2449340"/>
+              <a:gd name="connsiteY20" fmla="*/ 38100 h 3886200"/>
+              <a:gd name="connsiteX21" fmla="*/ 1296465 w 2449340"/>
+              <a:gd name="connsiteY21" fmla="*/ 133350 h 3886200"/>
+              <a:gd name="connsiteX22" fmla="*/ 1372665 w 2449340"/>
+              <a:gd name="connsiteY22" fmla="*/ 200025 h 3886200"/>
+              <a:gd name="connsiteX23" fmla="*/ 1410765 w 2449340"/>
+              <a:gd name="connsiteY23" fmla="*/ 257175 h 3886200"/>
+              <a:gd name="connsiteX24" fmla="*/ 1458390 w 2449340"/>
+              <a:gd name="connsiteY24" fmla="*/ 304800 h 3886200"/>
+              <a:gd name="connsiteX25" fmla="*/ 1496490 w 2449340"/>
+              <a:gd name="connsiteY25" fmla="*/ 381000 h 3886200"/>
+              <a:gd name="connsiteX26" fmla="*/ 1525065 w 2449340"/>
+              <a:gd name="connsiteY26" fmla="*/ 409575 h 3886200"/>
+              <a:gd name="connsiteX27" fmla="*/ 1591740 w 2449340"/>
+              <a:gd name="connsiteY27" fmla="*/ 504825 h 3886200"/>
+              <a:gd name="connsiteX28" fmla="*/ 1629840 w 2449340"/>
+              <a:gd name="connsiteY28" fmla="*/ 723900 h 3886200"/>
+              <a:gd name="connsiteX29" fmla="*/ 1601265 w 2449340"/>
+              <a:gd name="connsiteY29" fmla="*/ 1181100 h 3886200"/>
+              <a:gd name="connsiteX30" fmla="*/ 1620315 w 2449340"/>
+              <a:gd name="connsiteY30" fmla="*/ 1609725 h 3886200"/>
+              <a:gd name="connsiteX31" fmla="*/ 1639365 w 2449340"/>
+              <a:gd name="connsiteY31" fmla="*/ 1762125 h 3886200"/>
+              <a:gd name="connsiteX32" fmla="*/ 1715565 w 2449340"/>
+              <a:gd name="connsiteY32" fmla="*/ 1943100 h 3886200"/>
+              <a:gd name="connsiteX33" fmla="*/ 1772715 w 2449340"/>
+              <a:gd name="connsiteY33" fmla="*/ 2047875 h 3886200"/>
+              <a:gd name="connsiteX34" fmla="*/ 1801290 w 2449340"/>
+              <a:gd name="connsiteY34" fmla="*/ 2152650 h 3886200"/>
+              <a:gd name="connsiteX35" fmla="*/ 1810815 w 2449340"/>
+              <a:gd name="connsiteY35" fmla="*/ 2219325 h 3886200"/>
+              <a:gd name="connsiteX36" fmla="*/ 1829865 w 2449340"/>
+              <a:gd name="connsiteY36" fmla="*/ 2266950 h 3886200"/>
+              <a:gd name="connsiteX37" fmla="*/ 1848915 w 2449340"/>
+              <a:gd name="connsiteY37" fmla="*/ 2324100 h 3886200"/>
+              <a:gd name="connsiteX38" fmla="*/ 1858440 w 2449340"/>
+              <a:gd name="connsiteY38" fmla="*/ 2362200 h 3886200"/>
+              <a:gd name="connsiteX39" fmla="*/ 1896540 w 2449340"/>
+              <a:gd name="connsiteY39" fmla="*/ 2438400 h 3886200"/>
+              <a:gd name="connsiteX40" fmla="*/ 1934640 w 2449340"/>
+              <a:gd name="connsiteY40" fmla="*/ 2562225 h 3886200"/>
+              <a:gd name="connsiteX41" fmla="*/ 1953690 w 2449340"/>
+              <a:gd name="connsiteY41" fmla="*/ 2600325 h 3886200"/>
+              <a:gd name="connsiteX42" fmla="*/ 2001315 w 2449340"/>
+              <a:gd name="connsiteY42" fmla="*/ 2686050 h 3886200"/>
+              <a:gd name="connsiteX43" fmla="*/ 2125140 w 2449340"/>
+              <a:gd name="connsiteY43" fmla="*/ 2962275 h 3886200"/>
+              <a:gd name="connsiteX44" fmla="*/ 2153715 w 2449340"/>
+              <a:gd name="connsiteY44" fmla="*/ 3019425 h 3886200"/>
+              <a:gd name="connsiteX45" fmla="*/ 2182290 w 2449340"/>
+              <a:gd name="connsiteY45" fmla="*/ 3086100 h 3886200"/>
+              <a:gd name="connsiteX46" fmla="*/ 2210865 w 2449340"/>
+              <a:gd name="connsiteY46" fmla="*/ 3124200 h 3886200"/>
+              <a:gd name="connsiteX47" fmla="*/ 2258490 w 2449340"/>
+              <a:gd name="connsiteY47" fmla="*/ 3209925 h 3886200"/>
+              <a:gd name="connsiteX48" fmla="*/ 2296590 w 2449340"/>
+              <a:gd name="connsiteY48" fmla="*/ 3257550 h 3886200"/>
+              <a:gd name="connsiteX49" fmla="*/ 2315640 w 2449340"/>
+              <a:gd name="connsiteY49" fmla="*/ 3286125 h 3886200"/>
+              <a:gd name="connsiteX50" fmla="*/ 2353740 w 2449340"/>
+              <a:gd name="connsiteY50" fmla="*/ 3324225 h 3886200"/>
+              <a:gd name="connsiteX51" fmla="*/ 2420415 w 2449340"/>
+              <a:gd name="connsiteY51" fmla="*/ 3409950 h 3886200"/>
+              <a:gd name="connsiteX52" fmla="*/ 2439465 w 2449340"/>
+              <a:gd name="connsiteY52" fmla="*/ 3457575 h 3886200"/>
+              <a:gd name="connsiteX53" fmla="*/ 2439465 w 2449340"/>
+              <a:gd name="connsiteY53" fmla="*/ 3686175 h 3886200"/>
+              <a:gd name="connsiteX54" fmla="*/ 2382315 w 2449340"/>
+              <a:gd name="connsiteY54" fmla="*/ 3810000 h 3886200"/>
+              <a:gd name="connsiteX55" fmla="*/ 2163240 w 2449340"/>
+              <a:gd name="connsiteY55" fmla="*/ 3876675 h 3886200"/>
+              <a:gd name="connsiteX56" fmla="*/ 2115615 w 2449340"/>
+              <a:gd name="connsiteY56" fmla="*/ 3886200 h 3886200"/>
+              <a:gd name="connsiteX57" fmla="*/ 1963215 w 2449340"/>
+              <a:gd name="connsiteY57" fmla="*/ 3876675 h 3886200"/>
+              <a:gd name="connsiteX58" fmla="*/ 1925115 w 2449340"/>
+              <a:gd name="connsiteY58" fmla="*/ 3838575 h 3886200"/>
+              <a:gd name="connsiteX59" fmla="*/ 1848915 w 2449340"/>
+              <a:gd name="connsiteY59" fmla="*/ 3743325 h 3886200"/>
+              <a:gd name="connsiteX60" fmla="*/ 1810815 w 2449340"/>
+              <a:gd name="connsiteY60" fmla="*/ 3657600 h 3886200"/>
+              <a:gd name="connsiteX61" fmla="*/ 1782240 w 2449340"/>
+              <a:gd name="connsiteY61" fmla="*/ 3609975 h 3886200"/>
+              <a:gd name="connsiteX62" fmla="*/ 1763190 w 2449340"/>
+              <a:gd name="connsiteY62" fmla="*/ 3571875 h 3886200"/>
+              <a:gd name="connsiteX63" fmla="*/ 1734615 w 2449340"/>
+              <a:gd name="connsiteY63" fmla="*/ 3533775 h 3886200"/>
+              <a:gd name="connsiteX64" fmla="*/ 1706040 w 2449340"/>
+              <a:gd name="connsiteY64" fmla="*/ 3467100 h 3886200"/>
+              <a:gd name="connsiteX65" fmla="*/ 1667940 w 2449340"/>
+              <a:gd name="connsiteY65" fmla="*/ 3352800 h 3886200"/>
+              <a:gd name="connsiteX66" fmla="*/ 1639365 w 2449340"/>
+              <a:gd name="connsiteY66" fmla="*/ 3305175 h 3886200"/>
+              <a:gd name="connsiteX67" fmla="*/ 1486965 w 2449340"/>
+              <a:gd name="connsiteY67" fmla="*/ 2962275 h 3886200"/>
+              <a:gd name="connsiteX68" fmla="*/ 1391715 w 2449340"/>
+              <a:gd name="connsiteY68" fmla="*/ 2609850 h 3886200"/>
+              <a:gd name="connsiteX69" fmla="*/ 1325040 w 2449340"/>
+              <a:gd name="connsiteY69" fmla="*/ 2400300 h 3886200"/>
+              <a:gd name="connsiteX70" fmla="*/ 1296465 w 2449340"/>
+              <a:gd name="connsiteY70" fmla="*/ 2333625 h 3886200"/>
+              <a:gd name="connsiteX71" fmla="*/ 1267890 w 2449340"/>
+              <a:gd name="connsiteY71" fmla="*/ 2305050 h 3886200"/>
+              <a:gd name="connsiteX72" fmla="*/ 1191690 w 2449340"/>
+              <a:gd name="connsiteY72" fmla="*/ 2219325 h 3886200"/>
+              <a:gd name="connsiteX73" fmla="*/ 1067865 w 2449340"/>
+              <a:gd name="connsiteY73" fmla="*/ 1933575 h 3886200"/>
+              <a:gd name="connsiteX74" fmla="*/ 1048815 w 2449340"/>
+              <a:gd name="connsiteY74" fmla="*/ 1895475 h 3886200"/>
+              <a:gd name="connsiteX75" fmla="*/ 1029765 w 2449340"/>
+              <a:gd name="connsiteY75" fmla="*/ 1609725 h 3886200"/>
+              <a:gd name="connsiteX76" fmla="*/ 972615 w 2449340"/>
+              <a:gd name="connsiteY76" fmla="*/ 1447800 h 3886200"/>
+              <a:gd name="connsiteX77" fmla="*/ 934515 w 2449340"/>
+              <a:gd name="connsiteY77" fmla="*/ 1381125 h 3886200"/>
+              <a:gd name="connsiteX78" fmla="*/ 877365 w 2449340"/>
+              <a:gd name="connsiteY78" fmla="*/ 1304925 h 3886200"/>
+              <a:gd name="connsiteX79" fmla="*/ 839265 w 2449340"/>
+              <a:gd name="connsiteY79" fmla="*/ 1238250 h 3886200"/>
+              <a:gd name="connsiteX80" fmla="*/ 782115 w 2449340"/>
+              <a:gd name="connsiteY80" fmla="*/ 1200150 h 3886200"/>
+              <a:gd name="connsiteX81" fmla="*/ 667815 w 2449340"/>
+              <a:gd name="connsiteY81" fmla="*/ 1133475 h 3886200"/>
+              <a:gd name="connsiteX82" fmla="*/ 629715 w 2449340"/>
+              <a:gd name="connsiteY82" fmla="*/ 1104900 h 3886200"/>
+              <a:gd name="connsiteX83" fmla="*/ 591615 w 2449340"/>
+              <a:gd name="connsiteY83" fmla="*/ 1066800 h 3886200"/>
+              <a:gd name="connsiteX84" fmla="*/ 534465 w 2449340"/>
+              <a:gd name="connsiteY84" fmla="*/ 1057275 h 3886200"/>
+              <a:gd name="connsiteX85" fmla="*/ 448740 w 2449340"/>
+              <a:gd name="connsiteY85" fmla="*/ 1038225 h 3886200"/>
+              <a:gd name="connsiteX86" fmla="*/ 363015 w 2449340"/>
+              <a:gd name="connsiteY86" fmla="*/ 1009650 h 3886200"/>
+              <a:gd name="connsiteX87" fmla="*/ 267765 w 2449340"/>
+              <a:gd name="connsiteY87" fmla="*/ 942975 h 3886200"/>
+              <a:gd name="connsiteX88" fmla="*/ 182040 w 2449340"/>
+              <a:gd name="connsiteY88" fmla="*/ 914400 h 3886200"/>
+              <a:gd name="connsiteX89" fmla="*/ 10590 w 2449340"/>
+              <a:gd name="connsiteY89" fmla="*/ 914400 h 3886200"/>
+            </a:gdLst>
+            <a:ahLst/>
+            <a:cxnLst>
+              <a:cxn ang="0">
+                <a:pos x="connsiteX0" y="connsiteY0"/>
+              </a:cxn>
+              <a:cxn ang="0">
+                <a:pos x="connsiteX1" y="connsiteY1"/>
+              </a:cxn>
+              <a:cxn ang="0">
+                <a:pos x="connsiteX2" y="connsiteY2"/>
+              </a:cxn>
+              <a:cxn ang="0">
+                <a:pos x="connsiteX3" y="connsiteY3"/>
+              </a:cxn>
+              <a:cxn ang="0">
+                <a:pos x="connsiteX4" y="connsiteY4"/>
+              </a:cxn>
+              <a:cxn ang="0">
+                <a:pos x="connsiteX5" y="connsiteY5"/>
+              </a:cxn>
+              <a:cxn ang="0">
+                <a:pos x="connsiteX6" y="connsiteY6"/>
+              </a:cxn>
+              <a:cxn ang="0">
+                <a:pos x="connsiteX7" y="connsiteY7"/>
+              </a:cxn>
+              <a:cxn ang="0">
+                <a:pos x="connsiteX8" y="connsiteY8"/>
+              </a:cxn>
+              <a:cxn ang="0">
+                <a:pos x="connsiteX9" y="connsiteY9"/>
+              </a:cxn>
+              <a:cxn ang="0">
+                <a:pos x="connsiteX10" y="connsiteY10"/>
+              </a:cxn>
+              <a:cxn ang="0">
+                <a:pos x="connsiteX11" y="connsiteY11"/>
+              </a:cxn>
+              <a:cxn ang="0">
+                <a:pos x="connsiteX12" y="connsiteY12"/>
+              </a:cxn>
+              <a:cxn ang="0">
+                <a:pos x="connsiteX13" y="connsiteY13"/>
+              </a:cxn>
+              <a:cxn ang="0">
+                <a:pos x="connsiteX14" y="connsiteY14"/>
+              </a:cxn>
+              <a:cxn ang="0">
+                <a:pos x="connsiteX15" y="connsiteY15"/>
+              </a:cxn>
+              <a:cxn ang="0">
+                <a:pos x="connsiteX16" y="connsiteY16"/>
+              </a:cxn>
+              <a:cxn ang="0">
+                <a:pos x="connsiteX17" y="connsiteY17"/>
+              </a:cxn>
+              <a:cxn ang="0">
+                <a:pos x="connsiteX18" y="connsiteY18"/>
+              </a:cxn>
+              <a:cxn ang="0">
+                <a:pos x="connsiteX19" y="connsiteY19"/>
+              </a:cxn>
+              <a:cxn ang="0">
+                <a:pos x="connsiteX20" y="connsiteY20"/>
+              </a:cxn>
+              <a:cxn ang="0">
+                <a:pos x="connsiteX21" y="connsiteY21"/>
+              </a:cxn>
+              <a:cxn ang="0">
+                <a:pos x="connsiteX22" y="connsiteY22"/>
+              </a:cxn>
+              <a:cxn ang="0">
+                <a:pos x="connsiteX23" y="connsiteY23"/>
+              </a:cxn>
+              <a:cxn ang="0">
+                <a:pos x="connsiteX24" y="connsiteY24"/>
+              </a:cxn>
+              <a:cxn ang="0">
+                <a:pos x="connsiteX25" y="connsiteY25"/>
+              </a:cxn>
+              <a:cxn ang="0">
+                <a:pos x="connsiteX26" y="connsiteY26"/>
+              </a:cxn>
+              <a:cxn ang="0">
+                <a:pos x="connsiteX27" y="connsiteY27"/>
+              </a:cxn>
+              <a:cxn ang="0">
+                <a:pos x="connsiteX28" y="connsiteY28"/>
+              </a:cxn>
+              <a:cxn ang="0">
+                <a:pos x="connsiteX29" y="connsiteY29"/>
+              </a:cxn>
+              <a:cxn ang="0">
+                <a:pos x="connsiteX30" y="connsiteY30"/>
+              </a:cxn>
+              <a:cxn ang="0">
+                <a:pos x="connsiteX31" y="connsiteY31"/>
+              </a:cxn>
+              <a:cxn ang="0">
+                <a:pos x="connsiteX32" y="connsiteY32"/>
+              </a:cxn>
+              <a:cxn ang="0">
+                <a:pos x="connsiteX33" y="connsiteY33"/>
+              </a:cxn>
+              <a:cxn ang="0">
+                <a:pos x="connsiteX34" y="connsiteY34"/>
+              </a:cxn>
+              <a:cxn ang="0">
+                <a:pos x="connsiteX35" y="connsiteY35"/>
+              </a:cxn>
+              <a:cxn ang="0">
+                <a:pos x="connsiteX36" y="connsiteY36"/>
+              </a:cxn>
+              <a:cxn ang="0">
+                <a:pos x="connsiteX37" y="connsiteY37"/>
+              </a:cxn>
+              <a:cxn ang="0">
+                <a:pos x="connsiteX38" y="connsiteY38"/>
+              </a:cxn>
+              <a:cxn ang="0">
+                <a:pos x="connsiteX39" y="connsiteY39"/>
+              </a:cxn>
+              <a:cxn ang="0">
+                <a:pos x="connsiteX40" y="connsiteY40"/>
+              </a:cxn>
+              <a:cxn ang="0">
+                <a:pos x="connsiteX41" y="connsiteY41"/>
+              </a:cxn>
+              <a:cxn ang="0">
+                <a:pos x="connsiteX42" y="connsiteY42"/>
+              </a:cxn>
+              <a:cxn ang="0">
+                <a:pos x="connsiteX43" y="connsiteY43"/>
+              </a:cxn>
+              <a:cxn ang="0">
+                <a:pos x="connsiteX44" y="connsiteY44"/>
+              </a:cxn>
+              <a:cxn ang="0">
+                <a:pos x="connsiteX45" y="connsiteY45"/>
+              </a:cxn>
+              <a:cxn ang="0">
+                <a:pos x="connsiteX46" y="connsiteY46"/>
+              </a:cxn>
+              <a:cxn ang="0">
+                <a:pos x="connsiteX47" y="connsiteY47"/>
+              </a:cxn>
+              <a:cxn ang="0">
+                <a:pos x="connsiteX48" y="connsiteY48"/>
+              </a:cxn>
+              <a:cxn ang="0">
+                <a:pos x="connsiteX49" y="connsiteY49"/>
+              </a:cxn>
+              <a:cxn ang="0">
+                <a:pos x="connsiteX50" y="connsiteY50"/>
+              </a:cxn>
+              <a:cxn ang="0">
+                <a:pos x="connsiteX51" y="connsiteY51"/>
+              </a:cxn>
+              <a:cxn ang="0">
+                <a:pos x="connsiteX52" y="connsiteY52"/>
+              </a:cxn>
+              <a:cxn ang="0">
+                <a:pos x="connsiteX53" y="connsiteY53"/>
+              </a:cxn>
+              <a:cxn ang="0">
+                <a:pos x="connsiteX54" y="connsiteY54"/>
+              </a:cxn>
+              <a:cxn ang="0">
+                <a:pos x="connsiteX55" y="connsiteY55"/>
+              </a:cxn>
+              <a:cxn ang="0">
+                <a:pos x="connsiteX56" y="connsiteY56"/>
+              </a:cxn>
+              <a:cxn ang="0">
+                <a:pos x="connsiteX57" y="connsiteY57"/>
+              </a:cxn>
+              <a:cxn ang="0">
+                <a:pos x="connsiteX58" y="connsiteY58"/>
+              </a:cxn>
+              <a:cxn ang="0">
+                <a:pos x="connsiteX59" y="connsiteY59"/>
+              </a:cxn>
+              <a:cxn ang="0">
+                <a:pos x="connsiteX60" y="connsiteY60"/>
+              </a:cxn>
+              <a:cxn ang="0">
+                <a:pos x="connsiteX61" y="connsiteY61"/>
+              </a:cxn>
+              <a:cxn ang="0">
+                <a:pos x="connsiteX62" y="connsiteY62"/>
+              </a:cxn>
+              <a:cxn ang="0">
+                <a:pos x="connsiteX63" y="connsiteY63"/>
+              </a:cxn>
+              <a:cxn ang="0">
+                <a:pos x="connsiteX64" y="connsiteY64"/>
+              </a:cxn>
+              <a:cxn ang="0">
+                <a:pos x="connsiteX65" y="connsiteY65"/>
+              </a:cxn>
+              <a:cxn ang="0">
+                <a:pos x="connsiteX66" y="connsiteY66"/>
+              </a:cxn>
+              <a:cxn ang="0">
+                <a:pos x="connsiteX67" y="connsiteY67"/>
+              </a:cxn>
+              <a:cxn ang="0">
+                <a:pos x="connsiteX68" y="connsiteY68"/>
+              </a:cxn>
+              <a:cxn ang="0">
+                <a:pos x="connsiteX69" y="connsiteY69"/>
+              </a:cxn>
+              <a:cxn ang="0">
+                <a:pos x="connsiteX70" y="connsiteY70"/>
+              </a:cxn>
+              <a:cxn ang="0">
+                <a:pos x="connsiteX71" y="connsiteY71"/>
+              </a:cxn>
+              <a:cxn ang="0">
+                <a:pos x="connsiteX72" y="connsiteY72"/>
+              </a:cxn>
+              <a:cxn ang="0">
+                <a:pos x="connsiteX73" y="connsiteY73"/>
+              </a:cxn>
+              <a:cxn ang="0">
+                <a:pos x="connsiteX74" y="connsiteY74"/>
+              </a:cxn>
+              <a:cxn ang="0">
+                <a:pos x="connsiteX75" y="connsiteY75"/>
+              </a:cxn>
+              <a:cxn ang="0">
+                <a:pos x="connsiteX76" y="connsiteY76"/>
+              </a:cxn>
+              <a:cxn ang="0">
+                <a:pos x="connsiteX77" y="connsiteY77"/>
+              </a:cxn>
+              <a:cxn ang="0">
+                <a:pos x="connsiteX78" y="connsiteY78"/>
+              </a:cxn>
+              <a:cxn ang="0">
+                <a:pos x="connsiteX79" y="connsiteY79"/>
+              </a:cxn>
+              <a:cxn ang="0">
+                <a:pos x="connsiteX80" y="connsiteY80"/>
+              </a:cxn>
+              <a:cxn ang="0">
+                <a:pos x="connsiteX81" y="connsiteY81"/>
+              </a:cxn>
+              <a:cxn ang="0">
+                <a:pos x="connsiteX82" y="connsiteY82"/>
+              </a:cxn>
+              <a:cxn ang="0">
+                <a:pos x="connsiteX83" y="connsiteY83"/>
+              </a:cxn>
+              <a:cxn ang="0">
+                <a:pos x="connsiteX84" y="connsiteY84"/>
+              </a:cxn>
+              <a:cxn ang="0">
+                <a:pos x="connsiteX85" y="connsiteY85"/>
+              </a:cxn>
+              <a:cxn ang="0">
+                <a:pos x="connsiteX86" y="connsiteY86"/>
+              </a:cxn>
+              <a:cxn ang="0">
+                <a:pos x="connsiteX87" y="connsiteY87"/>
+              </a:cxn>
+              <a:cxn ang="0">
+                <a:pos x="connsiteX88" y="connsiteY88"/>
+              </a:cxn>
+              <a:cxn ang="0">
+                <a:pos x="connsiteX89" y="connsiteY89"/>
+              </a:cxn>
+            </a:cxnLst>
+            <a:rect l="l" t="t" r="r" b="b"/>
+            <a:pathLst>
+              <a:path w="2449340" h="3886200">
+                <a:moveTo>
+                  <a:pt x="10590" y="914400"/>
+                </a:moveTo>
+                <a:cubicBezTo>
+                  <a:pt x="-13223" y="889000"/>
+                  <a:pt x="6077" y="801706"/>
+                  <a:pt x="39165" y="762000"/>
+                </a:cubicBezTo>
+                <a:cubicBezTo>
+                  <a:pt x="55040" y="742950"/>
+                  <a:pt x="72675" y="725238"/>
+                  <a:pt x="86790" y="704850"/>
+                </a:cubicBezTo>
+                <a:cubicBezTo>
+                  <a:pt x="101360" y="683804"/>
+                  <a:pt x="112633" y="660647"/>
+                  <a:pt x="124890" y="638175"/>
+                </a:cubicBezTo>
+                <a:cubicBezTo>
+                  <a:pt x="131689" y="625710"/>
+                  <a:pt x="135421" y="611434"/>
+                  <a:pt x="143940" y="600075"/>
+                </a:cubicBezTo>
+                <a:cubicBezTo>
+                  <a:pt x="154716" y="585707"/>
+                  <a:pt x="171013" y="576152"/>
+                  <a:pt x="182040" y="561975"/>
+                </a:cubicBezTo>
+                <a:cubicBezTo>
+                  <a:pt x="193406" y="547362"/>
+                  <a:pt x="199507" y="529161"/>
+                  <a:pt x="210615" y="514350"/>
+                </a:cubicBezTo>
+                <a:cubicBezTo>
+                  <a:pt x="276413" y="426620"/>
+                  <a:pt x="203228" y="536640"/>
+                  <a:pt x="267765" y="466725"/>
+                </a:cubicBezTo>
+                <a:cubicBezTo>
+                  <a:pt x="298373" y="433567"/>
+                  <a:pt x="326415" y="398050"/>
+                  <a:pt x="353490" y="361950"/>
+                </a:cubicBezTo>
+                <a:cubicBezTo>
+                  <a:pt x="363015" y="349250"/>
+                  <a:pt x="370118" y="334304"/>
+                  <a:pt x="382065" y="323850"/>
+                </a:cubicBezTo>
+                <a:cubicBezTo>
+                  <a:pt x="395998" y="311659"/>
+                  <a:pt x="415362" y="306998"/>
+                  <a:pt x="429690" y="295275"/>
+                </a:cubicBezTo>
+                <a:cubicBezTo>
+                  <a:pt x="450541" y="278215"/>
+                  <a:pt x="466704" y="256023"/>
+                  <a:pt x="486840" y="238125"/>
+                </a:cubicBezTo>
+                <a:cubicBezTo>
+                  <a:pt x="495396" y="230520"/>
+                  <a:pt x="506723" y="226525"/>
+                  <a:pt x="515415" y="219075"/>
+                </a:cubicBezTo>
+                <a:cubicBezTo>
+                  <a:pt x="529052" y="207386"/>
+                  <a:pt x="539490" y="192195"/>
+                  <a:pt x="553515" y="180975"/>
+                </a:cubicBezTo>
+                <a:cubicBezTo>
+                  <a:pt x="629718" y="120013"/>
+                  <a:pt x="639927" y="115793"/>
+                  <a:pt x="705915" y="76200"/>
+                </a:cubicBezTo>
+                <a:cubicBezTo>
+                  <a:pt x="712265" y="66675"/>
+                  <a:pt x="714958" y="53184"/>
+                  <a:pt x="724965" y="47625"/>
+                </a:cubicBezTo>
+                <a:cubicBezTo>
+                  <a:pt x="745171" y="36400"/>
+                  <a:pt x="769500" y="35217"/>
+                  <a:pt x="791640" y="28575"/>
+                </a:cubicBezTo>
+                <a:cubicBezTo>
+                  <a:pt x="801257" y="25690"/>
+                  <a:pt x="810370" y="21019"/>
+                  <a:pt x="820215" y="19050"/>
+                </a:cubicBezTo>
+                <a:cubicBezTo>
+                  <a:pt x="842230" y="14647"/>
+                  <a:pt x="864700" y="12939"/>
+                  <a:pt x="886890" y="9525"/>
+                </a:cubicBezTo>
+                <a:cubicBezTo>
+                  <a:pt x="905978" y="6588"/>
+                  <a:pt x="924990" y="3175"/>
+                  <a:pt x="944040" y="0"/>
+                </a:cubicBezTo>
+                <a:cubicBezTo>
+                  <a:pt x="1007540" y="12700"/>
+                  <a:pt x="1072514" y="19492"/>
+                  <a:pt x="1134540" y="38100"/>
+                </a:cubicBezTo>
+                <a:cubicBezTo>
+                  <a:pt x="1185056" y="53255"/>
+                  <a:pt x="1254119" y="99473"/>
+                  <a:pt x="1296465" y="133350"/>
+                </a:cubicBezTo>
+                <a:cubicBezTo>
+                  <a:pt x="1322820" y="154434"/>
+                  <a:pt x="1349773" y="175225"/>
+                  <a:pt x="1372665" y="200025"/>
+                </a:cubicBezTo>
+                <a:cubicBezTo>
+                  <a:pt x="1388194" y="216849"/>
+                  <a:pt x="1396267" y="239455"/>
+                  <a:pt x="1410765" y="257175"/>
+                </a:cubicBezTo>
+                <a:cubicBezTo>
+                  <a:pt x="1424982" y="274551"/>
+                  <a:pt x="1445611" y="286341"/>
+                  <a:pt x="1458390" y="304800"/>
+                </a:cubicBezTo>
+                <a:cubicBezTo>
+                  <a:pt x="1474554" y="328149"/>
+                  <a:pt x="1481244" y="357042"/>
+                  <a:pt x="1496490" y="381000"/>
+                </a:cubicBezTo>
+                <a:cubicBezTo>
+                  <a:pt x="1503722" y="392364"/>
+                  <a:pt x="1516852" y="398898"/>
+                  <a:pt x="1525065" y="409575"/>
+                </a:cubicBezTo>
+                <a:cubicBezTo>
+                  <a:pt x="1548695" y="440294"/>
+                  <a:pt x="1569515" y="473075"/>
+                  <a:pt x="1591740" y="504825"/>
+                </a:cubicBezTo>
+                <a:cubicBezTo>
+                  <a:pt x="1601294" y="549408"/>
+                  <a:pt x="1631135" y="666915"/>
+                  <a:pt x="1629840" y="723900"/>
+                </a:cubicBezTo>
+                <a:cubicBezTo>
+                  <a:pt x="1626732" y="860659"/>
+                  <a:pt x="1612519" y="1034793"/>
+                  <a:pt x="1601265" y="1181100"/>
+                </a:cubicBezTo>
+                <a:cubicBezTo>
+                  <a:pt x="1607615" y="1323975"/>
+                  <a:pt x="1610957" y="1467015"/>
+                  <a:pt x="1620315" y="1609725"/>
+                </a:cubicBezTo>
+                <a:cubicBezTo>
+                  <a:pt x="1623665" y="1660811"/>
+                  <a:pt x="1625301" y="1712899"/>
+                  <a:pt x="1639365" y="1762125"/>
+                </a:cubicBezTo>
+                <a:cubicBezTo>
+                  <a:pt x="1657347" y="1825061"/>
+                  <a:pt x="1679257" y="1888639"/>
+                  <a:pt x="1715565" y="1943100"/>
+                </a:cubicBezTo>
+                <a:cubicBezTo>
+                  <a:pt x="1755770" y="2003408"/>
+                  <a:pt x="1750673" y="1987258"/>
+                  <a:pt x="1772715" y="2047875"/>
+                </a:cubicBezTo>
+                <a:cubicBezTo>
+                  <a:pt x="1789887" y="2095099"/>
+                  <a:pt x="1793468" y="2105720"/>
+                  <a:pt x="1801290" y="2152650"/>
+                </a:cubicBezTo>
+                <a:cubicBezTo>
+                  <a:pt x="1804981" y="2174795"/>
+                  <a:pt x="1805370" y="2197545"/>
+                  <a:pt x="1810815" y="2219325"/>
+                </a:cubicBezTo>
+                <a:cubicBezTo>
+                  <a:pt x="1814962" y="2235912"/>
+                  <a:pt x="1824022" y="2250882"/>
+                  <a:pt x="1829865" y="2266950"/>
+                </a:cubicBezTo>
+                <a:cubicBezTo>
+                  <a:pt x="1836727" y="2285821"/>
+                  <a:pt x="1843145" y="2304866"/>
+                  <a:pt x="1848915" y="2324100"/>
+                </a:cubicBezTo>
+                <a:cubicBezTo>
+                  <a:pt x="1852677" y="2336639"/>
+                  <a:pt x="1853405" y="2350116"/>
+                  <a:pt x="1858440" y="2362200"/>
+                </a:cubicBezTo>
+                <a:cubicBezTo>
+                  <a:pt x="1869362" y="2388414"/>
+                  <a:pt x="1886430" y="2411862"/>
+                  <a:pt x="1896540" y="2438400"/>
+                </a:cubicBezTo>
+                <a:cubicBezTo>
+                  <a:pt x="1911914" y="2478756"/>
+                  <a:pt x="1920267" y="2521502"/>
+                  <a:pt x="1934640" y="2562225"/>
+                </a:cubicBezTo>
+                <a:cubicBezTo>
+                  <a:pt x="1939366" y="2575615"/>
+                  <a:pt x="1947923" y="2587350"/>
+                  <a:pt x="1953690" y="2600325"/>
+                </a:cubicBezTo>
+                <a:cubicBezTo>
+                  <a:pt x="1985439" y="2671761"/>
+                  <a:pt x="1956164" y="2625849"/>
+                  <a:pt x="2001315" y="2686050"/>
+                </a:cubicBezTo>
+                <a:cubicBezTo>
+                  <a:pt x="2041819" y="2827815"/>
+                  <a:pt x="2010028" y="2732051"/>
+                  <a:pt x="2125140" y="2962275"/>
+                </a:cubicBezTo>
+                <a:cubicBezTo>
+                  <a:pt x="2134665" y="2981325"/>
+                  <a:pt x="2145325" y="2999849"/>
+                  <a:pt x="2153715" y="3019425"/>
+                </a:cubicBezTo>
+                <a:cubicBezTo>
+                  <a:pt x="2163240" y="3041650"/>
+                  <a:pt x="2170711" y="3064872"/>
+                  <a:pt x="2182290" y="3086100"/>
+                </a:cubicBezTo>
+                <a:cubicBezTo>
+                  <a:pt x="2189892" y="3100037"/>
+                  <a:pt x="2202545" y="3110680"/>
+                  <a:pt x="2210865" y="3124200"/>
+                </a:cubicBezTo>
+                <a:cubicBezTo>
+                  <a:pt x="2227997" y="3152040"/>
+                  <a:pt x="2240813" y="3182428"/>
+                  <a:pt x="2258490" y="3209925"/>
+                </a:cubicBezTo>
+                <a:cubicBezTo>
+                  <a:pt x="2269484" y="3227026"/>
+                  <a:pt x="2284392" y="3241286"/>
+                  <a:pt x="2296590" y="3257550"/>
+                </a:cubicBezTo>
+                <a:cubicBezTo>
+                  <a:pt x="2303459" y="3266708"/>
+                  <a:pt x="2308190" y="3277433"/>
+                  <a:pt x="2315640" y="3286125"/>
+                </a:cubicBezTo>
+                <a:cubicBezTo>
+                  <a:pt x="2327329" y="3299762"/>
+                  <a:pt x="2342964" y="3309857"/>
+                  <a:pt x="2353740" y="3324225"/>
+                </a:cubicBezTo>
+                <a:cubicBezTo>
+                  <a:pt x="2441011" y="3440586"/>
+                  <a:pt x="2270758" y="3260293"/>
+                  <a:pt x="2420415" y="3409950"/>
+                </a:cubicBezTo>
+                <a:cubicBezTo>
+                  <a:pt x="2426765" y="3425825"/>
+                  <a:pt x="2437155" y="3440634"/>
+                  <a:pt x="2439465" y="3457575"/>
+                </a:cubicBezTo>
+                <a:cubicBezTo>
+                  <a:pt x="2443782" y="3489234"/>
+                  <a:pt x="2459346" y="3629371"/>
+                  <a:pt x="2439465" y="3686175"/>
+                </a:cubicBezTo>
+                <a:cubicBezTo>
+                  <a:pt x="2424448" y="3729082"/>
+                  <a:pt x="2416025" y="3779501"/>
+                  <a:pt x="2382315" y="3810000"/>
+                </a:cubicBezTo>
+                <a:cubicBezTo>
+                  <a:pt x="2317905" y="3868275"/>
+                  <a:pt x="2239319" y="3864970"/>
+                  <a:pt x="2163240" y="3876675"/>
+                </a:cubicBezTo>
+                <a:cubicBezTo>
+                  <a:pt x="2147239" y="3879137"/>
+                  <a:pt x="2131490" y="3883025"/>
+                  <a:pt x="2115615" y="3886200"/>
+                </a:cubicBezTo>
+                <a:cubicBezTo>
+                  <a:pt x="2064815" y="3883025"/>
+                  <a:pt x="2012594" y="3889020"/>
+                  <a:pt x="1963215" y="3876675"/>
+                </a:cubicBezTo>
+                <a:cubicBezTo>
+                  <a:pt x="1945791" y="3872319"/>
+                  <a:pt x="1936804" y="3852212"/>
+                  <a:pt x="1925115" y="3838575"/>
+                </a:cubicBezTo>
+                <a:cubicBezTo>
+                  <a:pt x="1898654" y="3807704"/>
+                  <a:pt x="1870627" y="3777702"/>
+                  <a:pt x="1848915" y="3743325"/>
+                </a:cubicBezTo>
+                <a:cubicBezTo>
+                  <a:pt x="1832217" y="3716886"/>
+                  <a:pt x="1824799" y="3685569"/>
+                  <a:pt x="1810815" y="3657600"/>
+                </a:cubicBezTo>
+                <a:cubicBezTo>
+                  <a:pt x="1802536" y="3641041"/>
+                  <a:pt x="1791231" y="3626159"/>
+                  <a:pt x="1782240" y="3609975"/>
+                </a:cubicBezTo>
+                <a:cubicBezTo>
+                  <a:pt x="1775344" y="3597563"/>
+                  <a:pt x="1770715" y="3583916"/>
+                  <a:pt x="1763190" y="3571875"/>
+                </a:cubicBezTo>
+                <a:cubicBezTo>
+                  <a:pt x="1754776" y="3558413"/>
+                  <a:pt x="1742217" y="3547712"/>
+                  <a:pt x="1734615" y="3533775"/>
+                </a:cubicBezTo>
+                <a:cubicBezTo>
+                  <a:pt x="1723036" y="3512547"/>
+                  <a:pt x="1715565" y="3489325"/>
+                  <a:pt x="1706040" y="3467100"/>
+                </a:cubicBezTo>
+                <a:cubicBezTo>
+                  <a:pt x="1694373" y="3408765"/>
+                  <a:pt x="1699009" y="3414937"/>
+                  <a:pt x="1667940" y="3352800"/>
+                </a:cubicBezTo>
+                <a:cubicBezTo>
+                  <a:pt x="1659661" y="3336241"/>
+                  <a:pt x="1647644" y="3321734"/>
+                  <a:pt x="1639365" y="3305175"/>
+                </a:cubicBezTo>
+                <a:cubicBezTo>
+                  <a:pt x="1614915" y="3256276"/>
+                  <a:pt x="1507048" y="3036581"/>
+                  <a:pt x="1486965" y="2962275"/>
+                </a:cubicBezTo>
+                <a:cubicBezTo>
+                  <a:pt x="1455215" y="2844800"/>
+                  <a:pt x="1428612" y="2725811"/>
+                  <a:pt x="1391715" y="2609850"/>
+                </a:cubicBezTo>
+                <a:cubicBezTo>
+                  <a:pt x="1369490" y="2540000"/>
+                  <a:pt x="1353915" y="2467674"/>
+                  <a:pt x="1325040" y="2400300"/>
+                </a:cubicBezTo>
+                <a:cubicBezTo>
+                  <a:pt x="1315515" y="2378075"/>
+                  <a:pt x="1308906" y="2354359"/>
+                  <a:pt x="1296465" y="2333625"/>
+                </a:cubicBezTo>
+                <a:cubicBezTo>
+                  <a:pt x="1289535" y="2322074"/>
+                  <a:pt x="1276992" y="2314980"/>
+                  <a:pt x="1267890" y="2305050"/>
+                </a:cubicBezTo>
+                <a:cubicBezTo>
+                  <a:pt x="1242056" y="2276867"/>
+                  <a:pt x="1209816" y="2252987"/>
+                  <a:pt x="1191690" y="2219325"/>
+                </a:cubicBezTo>
+                <a:cubicBezTo>
+                  <a:pt x="1142474" y="2127925"/>
+                  <a:pt x="1114290" y="2026424"/>
+                  <a:pt x="1067865" y="1933575"/>
+                </a:cubicBezTo>
+                <a:lnTo>
+                  <a:pt x="1048815" y="1895475"/>
+                </a:lnTo>
+                <a:cubicBezTo>
+                  <a:pt x="1042465" y="1800225"/>
+                  <a:pt x="1041321" y="1704484"/>
+                  <a:pt x="1029765" y="1609725"/>
+                </a:cubicBezTo>
+                <a:cubicBezTo>
+                  <a:pt x="1021728" y="1543820"/>
+                  <a:pt x="1001999" y="1502370"/>
+                  <a:pt x="972615" y="1447800"/>
+                </a:cubicBezTo>
+                <a:cubicBezTo>
+                  <a:pt x="960479" y="1425262"/>
+                  <a:pt x="948714" y="1402424"/>
+                  <a:pt x="934515" y="1381125"/>
+                </a:cubicBezTo>
+                <a:cubicBezTo>
+                  <a:pt x="916903" y="1354707"/>
+                  <a:pt x="894977" y="1331343"/>
+                  <a:pt x="877365" y="1304925"/>
+                </a:cubicBezTo>
+                <a:cubicBezTo>
+                  <a:pt x="863166" y="1283626"/>
+                  <a:pt x="856484" y="1257191"/>
+                  <a:pt x="839265" y="1238250"/>
+                </a:cubicBezTo>
+                <a:cubicBezTo>
+                  <a:pt x="823864" y="1221309"/>
+                  <a:pt x="800431" y="1213887"/>
+                  <a:pt x="782115" y="1200150"/>
+                </a:cubicBezTo>
+                <a:cubicBezTo>
+                  <a:pt x="695442" y="1135145"/>
+                  <a:pt x="736717" y="1150701"/>
+                  <a:pt x="667815" y="1133475"/>
+                </a:cubicBezTo>
+                <a:cubicBezTo>
+                  <a:pt x="655115" y="1123950"/>
+                  <a:pt x="641662" y="1115354"/>
+                  <a:pt x="629715" y="1104900"/>
+                </a:cubicBezTo>
+                <a:cubicBezTo>
+                  <a:pt x="616198" y="1093073"/>
+                  <a:pt x="607679" y="1074832"/>
+                  <a:pt x="591615" y="1066800"/>
+                </a:cubicBezTo>
+                <a:cubicBezTo>
+                  <a:pt x="574341" y="1058163"/>
+                  <a:pt x="553403" y="1061063"/>
+                  <a:pt x="534465" y="1057275"/>
+                </a:cubicBezTo>
+                <a:cubicBezTo>
+                  <a:pt x="505761" y="1051534"/>
+                  <a:pt x="477315" y="1044575"/>
+                  <a:pt x="448740" y="1038225"/>
+                </a:cubicBezTo>
+                <a:cubicBezTo>
+                  <a:pt x="383811" y="994939"/>
+                  <a:pt x="465678" y="1043871"/>
+                  <a:pt x="363015" y="1009650"/>
+                </a:cubicBezTo>
+                <a:cubicBezTo>
+                  <a:pt x="281262" y="982399"/>
+                  <a:pt x="328126" y="988245"/>
+                  <a:pt x="267765" y="942975"/>
+                </a:cubicBezTo>
+                <a:cubicBezTo>
+                  <a:pt x="232400" y="916451"/>
+                  <a:pt x="223960" y="926976"/>
+                  <a:pt x="182040" y="914400"/>
+                </a:cubicBezTo>
+                <a:cubicBezTo>
+                  <a:pt x="71373" y="881200"/>
+                  <a:pt x="34403" y="939800"/>
+                  <a:pt x="10590" y="914400"/>
+                </a:cubicBezTo>
+                <a:close/>
+              </a:path>
+            </a:pathLst>
+          </a:custGeom>
+          <a:solidFill>
+            <a:srgbClr val="FF0000">
+              <a:alpha val="24000"/>
+            </a:srgbClr>
+          </a:solidFill>
+          <a:ln>
+            <a:solidFill>
+              <a:srgbClr val="FF0000"/>
+            </a:solidFill>
+          </a:ln>
+        </p:spPr>
+        <p:style>
+          <a:lnRef idx="2">
+            <a:schemeClr val="accent1">
+              <a:shade val="50000"/>
+            </a:schemeClr>
+          </a:lnRef>
+          <a:fillRef idx="1">
+            <a:schemeClr val="accent1"/>
+          </a:fillRef>
+          <a:effectRef idx="0">
+            <a:schemeClr val="accent1"/>
+          </a:effectRef>
+          <a:fontRef idx="minor">
+            <a:schemeClr val="lt1"/>
+          </a:fontRef>
+        </p:style>
+        <p:txBody>
+          <a:bodyPr rtlCol="0" anchor="ctr"/>
+          <a:lstStyle/>
+          <a:p>
+            <a:pPr algn="ctr"/>
+            <a:endParaRPr lang="en-US"/>
+          </a:p>
+        </p:txBody>
+      </p:sp>
+      <p:sp>
+        <p:nvSpPr>
+          <p:cNvPr id="11" name="Freeform: Shape 10">
+            <a:extLst>
+              <a:ext uri="{FF2B5EF4-FFF2-40B4-BE49-F238E27FC236}">
+                <a16:creationId xmlns:a16="http://schemas.microsoft.com/office/drawing/2014/main" id="{C3F71D97-E119-4C50-9BB3-15D15DFA47BD}"/>
+              </a:ext>
+            </a:extLst>
+          </p:cNvPr>
+          <p:cNvSpPr/>
+          <p:nvPr/>
+        </p:nvSpPr>
+        <p:spPr>
+          <a:xfrm>
+            <a:off x="5610225" y="4066408"/>
+            <a:ext cx="485775" cy="915167"/>
+          </a:xfrm>
+          <a:custGeom>
+            <a:avLst/>
+            <a:gdLst>
+              <a:gd name="connsiteX0" fmla="*/ 152400 w 630319"/>
+              <a:gd name="connsiteY0" fmla="*/ 767 h 915167"/>
+              <a:gd name="connsiteX1" fmla="*/ 104775 w 630319"/>
+              <a:gd name="connsiteY1" fmla="*/ 57917 h 915167"/>
+              <a:gd name="connsiteX2" fmla="*/ 76200 w 630319"/>
+              <a:gd name="connsiteY2" fmla="*/ 96017 h 915167"/>
+              <a:gd name="connsiteX3" fmla="*/ 38100 w 630319"/>
+              <a:gd name="connsiteY3" fmla="*/ 200792 h 915167"/>
+              <a:gd name="connsiteX4" fmla="*/ 28575 w 630319"/>
+              <a:gd name="connsiteY4" fmla="*/ 296042 h 915167"/>
+              <a:gd name="connsiteX5" fmla="*/ 9525 w 630319"/>
+              <a:gd name="connsiteY5" fmla="*/ 381767 h 915167"/>
+              <a:gd name="connsiteX6" fmla="*/ 0 w 630319"/>
+              <a:gd name="connsiteY6" fmla="*/ 457967 h 915167"/>
+              <a:gd name="connsiteX7" fmla="*/ 9525 w 630319"/>
+              <a:gd name="connsiteY7" fmla="*/ 667517 h 915167"/>
+              <a:gd name="connsiteX8" fmla="*/ 38100 w 630319"/>
+              <a:gd name="connsiteY8" fmla="*/ 753242 h 915167"/>
+              <a:gd name="connsiteX9" fmla="*/ 57150 w 630319"/>
+              <a:gd name="connsiteY9" fmla="*/ 791342 h 915167"/>
+              <a:gd name="connsiteX10" fmla="*/ 152400 w 630319"/>
+              <a:gd name="connsiteY10" fmla="*/ 886592 h 915167"/>
+              <a:gd name="connsiteX11" fmla="*/ 285750 w 630319"/>
+              <a:gd name="connsiteY11" fmla="*/ 915167 h 915167"/>
+              <a:gd name="connsiteX12" fmla="*/ 476250 w 630319"/>
+              <a:gd name="connsiteY12" fmla="*/ 858017 h 915167"/>
+              <a:gd name="connsiteX13" fmla="*/ 542925 w 630319"/>
+              <a:gd name="connsiteY13" fmla="*/ 829442 h 915167"/>
+              <a:gd name="connsiteX14" fmla="*/ 590550 w 630319"/>
+              <a:gd name="connsiteY14" fmla="*/ 762767 h 915167"/>
+              <a:gd name="connsiteX15" fmla="*/ 609600 w 630319"/>
+              <a:gd name="connsiteY15" fmla="*/ 705617 h 915167"/>
+              <a:gd name="connsiteX16" fmla="*/ 609600 w 630319"/>
+              <a:gd name="connsiteY16" fmla="*/ 248417 h 915167"/>
+              <a:gd name="connsiteX17" fmla="*/ 600075 w 630319"/>
+              <a:gd name="connsiteY17" fmla="*/ 172217 h 915167"/>
+              <a:gd name="connsiteX18" fmla="*/ 590550 w 630319"/>
+              <a:gd name="connsiteY18" fmla="*/ 115067 h 915167"/>
+              <a:gd name="connsiteX19" fmla="*/ 542925 w 630319"/>
+              <a:gd name="connsiteY19" fmla="*/ 48392 h 915167"/>
+              <a:gd name="connsiteX20" fmla="*/ 466725 w 630319"/>
+              <a:gd name="connsiteY20" fmla="*/ 19817 h 915167"/>
+              <a:gd name="connsiteX21" fmla="*/ 152400 w 630319"/>
+              <a:gd name="connsiteY21" fmla="*/ 767 h 915167"/>
+            </a:gdLst>
+            <a:ahLst/>
+            <a:cxnLst>
+              <a:cxn ang="0">
+                <a:pos x="connsiteX0" y="connsiteY0"/>
+              </a:cxn>
+              <a:cxn ang="0">
+                <a:pos x="connsiteX1" y="connsiteY1"/>
+              </a:cxn>
+              <a:cxn ang="0">
+                <a:pos x="connsiteX2" y="connsiteY2"/>
+              </a:cxn>
+              <a:cxn ang="0">
+                <a:pos x="connsiteX3" y="connsiteY3"/>
+              </a:cxn>
+              <a:cxn ang="0">
+                <a:pos x="connsiteX4" y="connsiteY4"/>
+              </a:cxn>
+              <a:cxn ang="0">
+                <a:pos x="connsiteX5" y="connsiteY5"/>
+              </a:cxn>
+              <a:cxn ang="0">
+                <a:pos x="connsiteX6" y="connsiteY6"/>
+              </a:cxn>
+              <a:cxn ang="0">
+                <a:pos x="connsiteX7" y="connsiteY7"/>
+              </a:cxn>
+              <a:cxn ang="0">
+                <a:pos x="connsiteX8" y="connsiteY8"/>
+              </a:cxn>
+              <a:cxn ang="0">
+                <a:pos x="connsiteX9" y="connsiteY9"/>
+              </a:cxn>
+              <a:cxn ang="0">
+                <a:pos x="connsiteX10" y="connsiteY10"/>
+              </a:cxn>
+              <a:cxn ang="0">
+                <a:pos x="connsiteX11" y="connsiteY11"/>
+              </a:cxn>
+              <a:cxn ang="0">
+                <a:pos x="connsiteX12" y="connsiteY12"/>
+              </a:cxn>
+              <a:cxn ang="0">
+                <a:pos x="connsiteX13" y="connsiteY13"/>
+              </a:cxn>
+              <a:cxn ang="0">
+                <a:pos x="connsiteX14" y="connsiteY14"/>
+              </a:cxn>
+              <a:cxn ang="0">
+                <a:pos x="connsiteX15" y="connsiteY15"/>
+              </a:cxn>
+              <a:cxn ang="0">
+                <a:pos x="connsiteX16" y="connsiteY16"/>
+              </a:cxn>
+              <a:cxn ang="0">
+                <a:pos x="connsiteX17" y="connsiteY17"/>
+              </a:cxn>
+              <a:cxn ang="0">
+                <a:pos x="connsiteX18" y="connsiteY18"/>
+              </a:cxn>
+              <a:cxn ang="0">
+                <a:pos x="connsiteX19" y="connsiteY19"/>
+              </a:cxn>
+              <a:cxn ang="0">
+                <a:pos x="connsiteX20" y="connsiteY20"/>
+              </a:cxn>
+              <a:cxn ang="0">
+                <a:pos x="connsiteX21" y="connsiteY21"/>
+              </a:cxn>
+            </a:cxnLst>
+            <a:rect l="l" t="t" r="r" b="b"/>
+            <a:pathLst>
+              <a:path w="630319" h="915167">
+                <a:moveTo>
+                  <a:pt x="152400" y="767"/>
+                </a:moveTo>
+                <a:cubicBezTo>
+                  <a:pt x="92075" y="7117"/>
+                  <a:pt x="120266" y="38553"/>
+                  <a:pt x="104775" y="57917"/>
+                </a:cubicBezTo>
+                <a:cubicBezTo>
+                  <a:pt x="94858" y="70313"/>
+                  <a:pt x="82913" y="81631"/>
+                  <a:pt x="76200" y="96017"/>
+                </a:cubicBezTo>
+                <a:cubicBezTo>
+                  <a:pt x="60485" y="129693"/>
+                  <a:pt x="50800" y="165867"/>
+                  <a:pt x="38100" y="200792"/>
+                </a:cubicBezTo>
+                <a:cubicBezTo>
+                  <a:pt x="34925" y="232542"/>
+                  <a:pt x="32792" y="264414"/>
+                  <a:pt x="28575" y="296042"/>
+                </a:cubicBezTo>
+                <a:cubicBezTo>
+                  <a:pt x="14456" y="401934"/>
+                  <a:pt x="24615" y="291225"/>
+                  <a:pt x="9525" y="381767"/>
+                </a:cubicBezTo>
+                <a:cubicBezTo>
+                  <a:pt x="5317" y="407016"/>
+                  <a:pt x="3175" y="432567"/>
+                  <a:pt x="0" y="457967"/>
+                </a:cubicBezTo>
+                <a:cubicBezTo>
+                  <a:pt x="3175" y="527817"/>
+                  <a:pt x="577" y="598170"/>
+                  <a:pt x="9525" y="667517"/>
+                </a:cubicBezTo>
+                <a:cubicBezTo>
+                  <a:pt x="13380" y="697390"/>
+                  <a:pt x="27287" y="725129"/>
+                  <a:pt x="38100" y="753242"/>
+                </a:cubicBezTo>
+                <a:cubicBezTo>
+                  <a:pt x="43197" y="766495"/>
+                  <a:pt x="50105" y="779014"/>
+                  <a:pt x="57150" y="791342"/>
+                </a:cubicBezTo>
+                <a:cubicBezTo>
+                  <a:pt x="79831" y="831034"/>
+                  <a:pt x="112076" y="862397"/>
+                  <a:pt x="152400" y="886592"/>
+                </a:cubicBezTo>
+                <a:cubicBezTo>
+                  <a:pt x="179982" y="903141"/>
+                  <a:pt x="255131" y="910793"/>
+                  <a:pt x="285750" y="915167"/>
+                </a:cubicBezTo>
+                <a:cubicBezTo>
+                  <a:pt x="349250" y="896117"/>
+                  <a:pt x="413356" y="878982"/>
+                  <a:pt x="476250" y="858017"/>
+                </a:cubicBezTo>
+                <a:cubicBezTo>
+                  <a:pt x="499189" y="850371"/>
+                  <a:pt x="524349" y="844922"/>
+                  <a:pt x="542925" y="829442"/>
+                </a:cubicBezTo>
+                <a:cubicBezTo>
+                  <a:pt x="563907" y="811957"/>
+                  <a:pt x="574675" y="784992"/>
+                  <a:pt x="590550" y="762767"/>
+                </a:cubicBezTo>
+                <a:cubicBezTo>
+                  <a:pt x="596900" y="743717"/>
+                  <a:pt x="603830" y="724851"/>
+                  <a:pt x="609600" y="705617"/>
+                </a:cubicBezTo>
+                <a:cubicBezTo>
+                  <a:pt x="653438" y="559490"/>
+                  <a:pt x="614917" y="386664"/>
+                  <a:pt x="609600" y="248417"/>
+                </a:cubicBezTo>
+                <a:cubicBezTo>
+                  <a:pt x="608616" y="222838"/>
+                  <a:pt x="603695" y="197557"/>
+                  <a:pt x="600075" y="172217"/>
+                </a:cubicBezTo>
+                <a:cubicBezTo>
+                  <a:pt x="597344" y="153098"/>
+                  <a:pt x="598643" y="132602"/>
+                  <a:pt x="590550" y="115067"/>
+                </a:cubicBezTo>
+                <a:cubicBezTo>
+                  <a:pt x="579105" y="90268"/>
+                  <a:pt x="562238" y="67705"/>
+                  <a:pt x="542925" y="48392"/>
+                </a:cubicBezTo>
+                <a:cubicBezTo>
+                  <a:pt x="526322" y="31789"/>
+                  <a:pt x="487986" y="25132"/>
+                  <a:pt x="466725" y="19817"/>
+                </a:cubicBezTo>
+                <a:cubicBezTo>
+                  <a:pt x="155583" y="29854"/>
+                  <a:pt x="212725" y="-5583"/>
+                  <a:pt x="152400" y="767"/>
+                </a:cubicBezTo>
+                <a:close/>
+              </a:path>
+            </a:pathLst>
+          </a:custGeom>
+          <a:solidFill>
+            <a:srgbClr val="FF0000">
+              <a:alpha val="30000"/>
+            </a:srgbClr>
+          </a:solidFill>
+          <a:ln>
+            <a:solidFill>
+              <a:srgbClr val="FF0000"/>
+            </a:solidFill>
+          </a:ln>
+        </p:spPr>
+        <p:style>
+          <a:lnRef idx="2">
+            <a:schemeClr val="accent1">
+              <a:shade val="50000"/>
+            </a:schemeClr>
+          </a:lnRef>
+          <a:fillRef idx="1">
+            <a:schemeClr val="accent1"/>
+          </a:fillRef>
+          <a:effectRef idx="0">
+            <a:schemeClr val="accent1"/>
+          </a:effectRef>
+          <a:fontRef idx="minor">
+            <a:schemeClr val="lt1"/>
+          </a:fontRef>
+        </p:style>
+        <p:txBody>
+          <a:bodyPr rtlCol="0" anchor="ctr"/>
+          <a:lstStyle/>
+          <a:p>
+            <a:pPr algn="ctr"/>
+            <a:endParaRPr lang="en-US"/>
+          </a:p>
+        </p:txBody>
+      </p:sp>
+      <p:sp>
+        <p:nvSpPr>
+          <p:cNvPr id="12" name="Oval 11">
+            <a:extLst>
+              <a:ext uri="{FF2B5EF4-FFF2-40B4-BE49-F238E27FC236}">
+                <a16:creationId xmlns:a16="http://schemas.microsoft.com/office/drawing/2014/main" id="{6AF2B5FF-3DF4-4759-9F20-E1B6E2CB0E00}"/>
+              </a:ext>
+            </a:extLst>
+          </p:cNvPr>
+          <p:cNvSpPr/>
+          <p:nvPr/>
+        </p:nvSpPr>
+        <p:spPr>
+          <a:xfrm>
+            <a:off x="6095999" y="2943224"/>
+            <a:ext cx="295275" cy="485775"/>
+          </a:xfrm>
+          <a:prstGeom prst="ellipse">
+            <a:avLst/>
+          </a:prstGeom>
+          <a:solidFill>
+            <a:srgbClr val="FF0000">
+              <a:alpha val="40000"/>
+            </a:srgbClr>
+          </a:solidFill>
+          <a:ln>
+            <a:solidFill>
+              <a:srgbClr val="FF0000"/>
+            </a:solidFill>
+          </a:ln>
+        </p:spPr>
+        <p:style>
+          <a:lnRef idx="2">
+            <a:schemeClr val="accent1">
+              <a:shade val="50000"/>
+            </a:schemeClr>
+          </a:lnRef>
+          <a:fillRef idx="1">
+            <a:schemeClr val="accent1"/>
+          </a:fillRef>
+          <a:effectRef idx="0">
+            <a:schemeClr val="accent1"/>
+          </a:effectRef>
+          <a:fontRef idx="minor">
+            <a:schemeClr val="lt1"/>
+          </a:fontRef>
+        </p:style>
+        <p:txBody>
+          <a:bodyPr rtlCol="0" anchor="ctr"/>
+          <a:lstStyle/>
+          <a:p>
+            <a:pPr algn="ctr"/>
+            <a:endParaRPr lang="en-US"/>
+          </a:p>
+        </p:txBody>
+      </p:sp>
+      <p:sp>
+        <p:nvSpPr>
+          <p:cNvPr id="14" name="Oval 13">
+            <a:extLst>
+              <a:ext uri="{FF2B5EF4-FFF2-40B4-BE49-F238E27FC236}">
+                <a16:creationId xmlns:a16="http://schemas.microsoft.com/office/drawing/2014/main" id="{0D2415C7-EF9C-491A-B7D2-EC39E38A4861}"/>
+              </a:ext>
+            </a:extLst>
+          </p:cNvPr>
+          <p:cNvSpPr/>
+          <p:nvPr/>
+        </p:nvSpPr>
+        <p:spPr>
+          <a:xfrm>
+            <a:off x="5948362" y="3581016"/>
+            <a:ext cx="295275" cy="333375"/>
+          </a:xfrm>
+          <a:prstGeom prst="ellipse">
+            <a:avLst/>
+          </a:prstGeom>
+          <a:solidFill>
+            <a:srgbClr val="FF0000">
+              <a:alpha val="40000"/>
+            </a:srgbClr>
+          </a:solidFill>
+          <a:ln>
+            <a:solidFill>
+              <a:srgbClr val="FF0000"/>
+            </a:solidFill>
+          </a:ln>
+        </p:spPr>
+        <p:style>
+          <a:lnRef idx="2">
+            <a:schemeClr val="accent1">
+              <a:shade val="50000"/>
+            </a:schemeClr>
+          </a:lnRef>
+          <a:fillRef idx="1">
+            <a:schemeClr val="accent1"/>
+          </a:fillRef>
+          <a:effectRef idx="0">
+            <a:schemeClr val="accent1"/>
+          </a:effectRef>
+          <a:fontRef idx="minor">
+            <a:schemeClr val="lt1"/>
+          </a:fontRef>
+        </p:style>
+        <p:txBody>
+          <a:bodyPr rtlCol="0" anchor="ctr"/>
+          <a:lstStyle/>
+          <a:p>
+            <a:pPr algn="ctr"/>
+            <a:endParaRPr lang="en-US"/>
+          </a:p>
+        </p:txBody>
+      </p:sp>
+      <p:sp>
+        <p:nvSpPr>
+          <p:cNvPr id="13" name="Freeform: Shape 12">
+            <a:extLst>
+              <a:ext uri="{FF2B5EF4-FFF2-40B4-BE49-F238E27FC236}">
+                <a16:creationId xmlns:a16="http://schemas.microsoft.com/office/drawing/2014/main" id="{A48537F1-F662-480E-B244-CFA16748FB6C}"/>
+              </a:ext>
+            </a:extLst>
+          </p:cNvPr>
+          <p:cNvSpPr/>
+          <p:nvPr/>
+        </p:nvSpPr>
+        <p:spPr>
+          <a:xfrm>
+            <a:off x="6550441" y="1647308"/>
+            <a:ext cx="1884093" cy="2896117"/>
+          </a:xfrm>
+          <a:custGeom>
+            <a:avLst/>
+            <a:gdLst>
+              <a:gd name="connsiteX0" fmla="*/ 12284 w 1884093"/>
+              <a:gd name="connsiteY0" fmla="*/ 752992 h 2896117"/>
+              <a:gd name="connsiteX1" fmla="*/ 2759 w 1884093"/>
+              <a:gd name="connsiteY1" fmla="*/ 657742 h 2896117"/>
+              <a:gd name="connsiteX2" fmla="*/ 59909 w 1884093"/>
+              <a:gd name="connsiteY2" fmla="*/ 324367 h 2896117"/>
+              <a:gd name="connsiteX3" fmla="*/ 107534 w 1884093"/>
+              <a:gd name="connsiteY3" fmla="*/ 257692 h 2896117"/>
+              <a:gd name="connsiteX4" fmla="*/ 117059 w 1884093"/>
+              <a:gd name="connsiteY4" fmla="*/ 219592 h 2896117"/>
+              <a:gd name="connsiteX5" fmla="*/ 259934 w 1884093"/>
+              <a:gd name="connsiteY5" fmla="*/ 114817 h 2896117"/>
+              <a:gd name="connsiteX6" fmla="*/ 288509 w 1884093"/>
+              <a:gd name="connsiteY6" fmla="*/ 105292 h 2896117"/>
+              <a:gd name="connsiteX7" fmla="*/ 355184 w 1884093"/>
+              <a:gd name="connsiteY7" fmla="*/ 95767 h 2896117"/>
+              <a:gd name="connsiteX8" fmla="*/ 383759 w 1884093"/>
+              <a:gd name="connsiteY8" fmla="*/ 76717 h 2896117"/>
+              <a:gd name="connsiteX9" fmla="*/ 459959 w 1884093"/>
+              <a:gd name="connsiteY9" fmla="*/ 48142 h 2896117"/>
+              <a:gd name="connsiteX10" fmla="*/ 498059 w 1884093"/>
+              <a:gd name="connsiteY10" fmla="*/ 19567 h 2896117"/>
+              <a:gd name="connsiteX11" fmla="*/ 802859 w 1884093"/>
+              <a:gd name="connsiteY11" fmla="*/ 29092 h 2896117"/>
+              <a:gd name="connsiteX12" fmla="*/ 888584 w 1884093"/>
+              <a:gd name="connsiteY12" fmla="*/ 76717 h 2896117"/>
+              <a:gd name="connsiteX13" fmla="*/ 964784 w 1884093"/>
+              <a:gd name="connsiteY13" fmla="*/ 105292 h 2896117"/>
+              <a:gd name="connsiteX14" fmla="*/ 1107659 w 1884093"/>
+              <a:gd name="connsiteY14" fmla="*/ 191017 h 2896117"/>
+              <a:gd name="connsiteX15" fmla="*/ 1221959 w 1884093"/>
+              <a:gd name="connsiteY15" fmla="*/ 276742 h 2896117"/>
+              <a:gd name="connsiteX16" fmla="*/ 1241009 w 1884093"/>
+              <a:gd name="connsiteY16" fmla="*/ 324367 h 2896117"/>
+              <a:gd name="connsiteX17" fmla="*/ 1317209 w 1884093"/>
+              <a:gd name="connsiteY17" fmla="*/ 400567 h 2896117"/>
+              <a:gd name="connsiteX18" fmla="*/ 1355309 w 1884093"/>
+              <a:gd name="connsiteY18" fmla="*/ 457717 h 2896117"/>
+              <a:gd name="connsiteX19" fmla="*/ 1374359 w 1884093"/>
+              <a:gd name="connsiteY19" fmla="*/ 505342 h 2896117"/>
+              <a:gd name="connsiteX20" fmla="*/ 1402934 w 1884093"/>
+              <a:gd name="connsiteY20" fmla="*/ 552967 h 2896117"/>
+              <a:gd name="connsiteX21" fmla="*/ 1441034 w 1884093"/>
+              <a:gd name="connsiteY21" fmla="*/ 676792 h 2896117"/>
+              <a:gd name="connsiteX22" fmla="*/ 1469609 w 1884093"/>
+              <a:gd name="connsiteY22" fmla="*/ 810142 h 2896117"/>
+              <a:gd name="connsiteX23" fmla="*/ 1526759 w 1884093"/>
+              <a:gd name="connsiteY23" fmla="*/ 1000642 h 2896117"/>
+              <a:gd name="connsiteX24" fmla="*/ 1583909 w 1884093"/>
+              <a:gd name="connsiteY24" fmla="*/ 1229242 h 2896117"/>
+              <a:gd name="connsiteX25" fmla="*/ 1612484 w 1884093"/>
+              <a:gd name="connsiteY25" fmla="*/ 1295917 h 2896117"/>
+              <a:gd name="connsiteX26" fmla="*/ 1660109 w 1884093"/>
+              <a:gd name="connsiteY26" fmla="*/ 1391167 h 2896117"/>
+              <a:gd name="connsiteX27" fmla="*/ 1679159 w 1884093"/>
+              <a:gd name="connsiteY27" fmla="*/ 1448317 h 2896117"/>
+              <a:gd name="connsiteX28" fmla="*/ 1707734 w 1884093"/>
+              <a:gd name="connsiteY28" fmla="*/ 1505467 h 2896117"/>
+              <a:gd name="connsiteX29" fmla="*/ 1736309 w 1884093"/>
+              <a:gd name="connsiteY29" fmla="*/ 1619767 h 2896117"/>
+              <a:gd name="connsiteX30" fmla="*/ 1755359 w 1884093"/>
+              <a:gd name="connsiteY30" fmla="*/ 1676917 h 2896117"/>
+              <a:gd name="connsiteX31" fmla="*/ 1783934 w 1884093"/>
+              <a:gd name="connsiteY31" fmla="*/ 1915042 h 2896117"/>
+              <a:gd name="connsiteX32" fmla="*/ 1793459 w 1884093"/>
+              <a:gd name="connsiteY32" fmla="*/ 1981717 h 2896117"/>
+              <a:gd name="connsiteX33" fmla="*/ 1850609 w 1884093"/>
+              <a:gd name="connsiteY33" fmla="*/ 2162692 h 2896117"/>
+              <a:gd name="connsiteX34" fmla="*/ 1869659 w 1884093"/>
+              <a:gd name="connsiteY34" fmla="*/ 2238892 h 2896117"/>
+              <a:gd name="connsiteX35" fmla="*/ 1879184 w 1884093"/>
+              <a:gd name="connsiteY35" fmla="*/ 2496067 h 2896117"/>
+              <a:gd name="connsiteX36" fmla="*/ 1869659 w 1884093"/>
+              <a:gd name="connsiteY36" fmla="*/ 2810392 h 2896117"/>
+              <a:gd name="connsiteX37" fmla="*/ 1717259 w 1884093"/>
+              <a:gd name="connsiteY37" fmla="*/ 2848492 h 2896117"/>
+              <a:gd name="connsiteX38" fmla="*/ 1679159 w 1884093"/>
+              <a:gd name="connsiteY38" fmla="*/ 2858017 h 2896117"/>
+              <a:gd name="connsiteX39" fmla="*/ 1431509 w 1884093"/>
+              <a:gd name="connsiteY39" fmla="*/ 2877067 h 2896117"/>
+              <a:gd name="connsiteX40" fmla="*/ 1250534 w 1884093"/>
+              <a:gd name="connsiteY40" fmla="*/ 2896117 h 2896117"/>
+              <a:gd name="connsiteX41" fmla="*/ 1117184 w 1884093"/>
+              <a:gd name="connsiteY41" fmla="*/ 2810392 h 2896117"/>
+              <a:gd name="connsiteX42" fmla="*/ 1060034 w 1884093"/>
+              <a:gd name="connsiteY42" fmla="*/ 2743717 h 2896117"/>
+              <a:gd name="connsiteX43" fmla="*/ 888584 w 1884093"/>
+              <a:gd name="connsiteY43" fmla="*/ 2581792 h 2896117"/>
+              <a:gd name="connsiteX44" fmla="*/ 840959 w 1884093"/>
+              <a:gd name="connsiteY44" fmla="*/ 2505592 h 2896117"/>
+              <a:gd name="connsiteX45" fmla="*/ 764759 w 1884093"/>
+              <a:gd name="connsiteY45" fmla="*/ 2324617 h 2896117"/>
+              <a:gd name="connsiteX46" fmla="*/ 745709 w 1884093"/>
+              <a:gd name="connsiteY46" fmla="*/ 2238892 h 2896117"/>
+              <a:gd name="connsiteX47" fmla="*/ 726659 w 1884093"/>
+              <a:gd name="connsiteY47" fmla="*/ 1886467 h 2896117"/>
+              <a:gd name="connsiteX48" fmla="*/ 717134 w 1884093"/>
+              <a:gd name="connsiteY48" fmla="*/ 1810267 h 2896117"/>
+              <a:gd name="connsiteX49" fmla="*/ 707609 w 1884093"/>
+              <a:gd name="connsiteY49" fmla="*/ 1695967 h 2896117"/>
+              <a:gd name="connsiteX50" fmla="*/ 698084 w 1884093"/>
+              <a:gd name="connsiteY50" fmla="*/ 1191142 h 2896117"/>
+              <a:gd name="connsiteX51" fmla="*/ 621884 w 1884093"/>
+              <a:gd name="connsiteY51" fmla="*/ 1153042 h 2896117"/>
+              <a:gd name="connsiteX52" fmla="*/ 574259 w 1884093"/>
+              <a:gd name="connsiteY52" fmla="*/ 1124467 h 2896117"/>
+              <a:gd name="connsiteX53" fmla="*/ 479009 w 1884093"/>
+              <a:gd name="connsiteY53" fmla="*/ 1029217 h 2896117"/>
+              <a:gd name="connsiteX54" fmla="*/ 421859 w 1884093"/>
+              <a:gd name="connsiteY54" fmla="*/ 1000642 h 2896117"/>
+              <a:gd name="connsiteX55" fmla="*/ 336134 w 1884093"/>
+              <a:gd name="connsiteY55" fmla="*/ 943492 h 2896117"/>
+              <a:gd name="connsiteX56" fmla="*/ 250409 w 1884093"/>
+              <a:gd name="connsiteY56" fmla="*/ 876817 h 2896117"/>
+              <a:gd name="connsiteX57" fmla="*/ 193259 w 1884093"/>
+              <a:gd name="connsiteY57" fmla="*/ 857767 h 2896117"/>
+              <a:gd name="connsiteX58" fmla="*/ 164684 w 1884093"/>
+              <a:gd name="connsiteY58" fmla="*/ 838717 h 2896117"/>
+              <a:gd name="connsiteX59" fmla="*/ 107534 w 1884093"/>
+              <a:gd name="connsiteY59" fmla="*/ 819667 h 2896117"/>
+              <a:gd name="connsiteX60" fmla="*/ 12284 w 1884093"/>
+              <a:gd name="connsiteY60" fmla="*/ 752992 h 2896117"/>
+            </a:gdLst>
+            <a:ahLst/>
+            <a:cxnLst>
+              <a:cxn ang="0">
+                <a:pos x="connsiteX0" y="connsiteY0"/>
+              </a:cxn>
+              <a:cxn ang="0">
+                <a:pos x="connsiteX1" y="connsiteY1"/>
+              </a:cxn>
+              <a:cxn ang="0">
+                <a:pos x="connsiteX2" y="connsiteY2"/>
+              </a:cxn>
+              <a:cxn ang="0">
+                <a:pos x="connsiteX3" y="connsiteY3"/>
+              </a:cxn>
+              <a:cxn ang="0">
+                <a:pos x="connsiteX4" y="connsiteY4"/>
+              </a:cxn>
+              <a:cxn ang="0">
+                <a:pos x="connsiteX5" y="connsiteY5"/>
+              </a:cxn>
+              <a:cxn ang="0">
+                <a:pos x="connsiteX6" y="connsiteY6"/>
+              </a:cxn>
+              <a:cxn ang="0">
+                <a:pos x="connsiteX7" y="connsiteY7"/>
+              </a:cxn>
+              <a:cxn ang="0">
+                <a:pos x="connsiteX8" y="connsiteY8"/>
+              </a:cxn>
+              <a:cxn ang="0">
+                <a:pos x="connsiteX9" y="connsiteY9"/>
+              </a:cxn>
+              <a:cxn ang="0">
+                <a:pos x="connsiteX10" y="connsiteY10"/>
+              </a:cxn>
+              <a:cxn ang="0">
+                <a:pos x="connsiteX11" y="connsiteY11"/>
+              </a:cxn>
+              <a:cxn ang="0">
+                <a:pos x="connsiteX12" y="connsiteY12"/>
+              </a:cxn>
+              <a:cxn ang="0">
+                <a:pos x="connsiteX13" y="connsiteY13"/>
+              </a:cxn>
+              <a:cxn ang="0">
+                <a:pos x="connsiteX14" y="connsiteY14"/>
+              </a:cxn>
+              <a:cxn ang="0">
+                <a:pos x="connsiteX15" y="connsiteY15"/>
+              </a:cxn>
+              <a:cxn ang="0">
+                <a:pos x="connsiteX16" y="connsiteY16"/>
+              </a:cxn>
+              <a:cxn ang="0">
+                <a:pos x="connsiteX17" y="connsiteY17"/>
+              </a:cxn>
+              <a:cxn ang="0">
+                <a:pos x="connsiteX18" y="connsiteY18"/>
+              </a:cxn>
+              <a:cxn ang="0">
+                <a:pos x="connsiteX19" y="connsiteY19"/>
+              </a:cxn>
+              <a:cxn ang="0">
+                <a:pos x="connsiteX20" y="connsiteY20"/>
+              </a:cxn>
+              <a:cxn ang="0">
+                <a:pos x="connsiteX21" y="connsiteY21"/>
+              </a:cxn>
+              <a:cxn ang="0">
+                <a:pos x="connsiteX22" y="connsiteY22"/>
+              </a:cxn>
+              <a:cxn ang="0">
+                <a:pos x="connsiteX23" y="connsiteY23"/>
+              </a:cxn>
+              <a:cxn ang="0">
+                <a:pos x="connsiteX24" y="connsiteY24"/>
+              </a:cxn>
+              <a:cxn ang="0">
+                <a:pos x="connsiteX25" y="connsiteY25"/>
+              </a:cxn>
+              <a:cxn ang="0">
+                <a:pos x="connsiteX26" y="connsiteY26"/>
+              </a:cxn>
+              <a:cxn ang="0">
+                <a:pos x="connsiteX27" y="connsiteY27"/>
+              </a:cxn>
+              <a:cxn ang="0">
+                <a:pos x="connsiteX28" y="connsiteY28"/>
+              </a:cxn>
+              <a:cxn ang="0">
+                <a:pos x="connsiteX29" y="connsiteY29"/>
+              </a:cxn>
+              <a:cxn ang="0">
+                <a:pos x="connsiteX30" y="connsiteY30"/>
+              </a:cxn>
+              <a:cxn ang="0">
+                <a:pos x="connsiteX31" y="connsiteY31"/>
+              </a:cxn>
+              <a:cxn ang="0">
+                <a:pos x="connsiteX32" y="connsiteY32"/>
+              </a:cxn>
+              <a:cxn ang="0">
+                <a:pos x="connsiteX33" y="connsiteY33"/>
+              </a:cxn>
+              <a:cxn ang="0">
+                <a:pos x="connsiteX34" y="connsiteY34"/>
+              </a:cxn>
+              <a:cxn ang="0">
+                <a:pos x="connsiteX35" y="connsiteY35"/>
+              </a:cxn>
+              <a:cxn ang="0">
+                <a:pos x="connsiteX36" y="connsiteY36"/>
+              </a:cxn>
+              <a:cxn ang="0">
+                <a:pos x="connsiteX37" y="connsiteY37"/>
+              </a:cxn>
+              <a:cxn ang="0">
+                <a:pos x="connsiteX38" y="connsiteY38"/>
+              </a:cxn>
+              <a:cxn ang="0">
+                <a:pos x="connsiteX39" y="connsiteY39"/>
+              </a:cxn>
+              <a:cxn ang="0">
+                <a:pos x="connsiteX40" y="connsiteY40"/>
+              </a:cxn>
+              <a:cxn ang="0">
+                <a:pos x="connsiteX41" y="connsiteY41"/>
+              </a:cxn>
+              <a:cxn ang="0">
+                <a:pos x="connsiteX42" y="connsiteY42"/>
+              </a:cxn>
+              <a:cxn ang="0">
+                <a:pos x="connsiteX43" y="connsiteY43"/>
+              </a:cxn>
+              <a:cxn ang="0">
+                <a:pos x="connsiteX44" y="connsiteY44"/>
+              </a:cxn>
+              <a:cxn ang="0">
+                <a:pos x="connsiteX45" y="connsiteY45"/>
+              </a:cxn>
+              <a:cxn ang="0">
+                <a:pos x="connsiteX46" y="connsiteY46"/>
+              </a:cxn>
+              <a:cxn ang="0">
+                <a:pos x="connsiteX47" y="connsiteY47"/>
+              </a:cxn>
+              <a:cxn ang="0">
+                <a:pos x="connsiteX48" y="connsiteY48"/>
+              </a:cxn>
+              <a:cxn ang="0">
+                <a:pos x="connsiteX49" y="connsiteY49"/>
+              </a:cxn>
+              <a:cxn ang="0">
+                <a:pos x="connsiteX50" y="connsiteY50"/>
+              </a:cxn>
+              <a:cxn ang="0">
+                <a:pos x="connsiteX51" y="connsiteY51"/>
+              </a:cxn>
+              <a:cxn ang="0">
+                <a:pos x="connsiteX52" y="connsiteY52"/>
+              </a:cxn>
+              <a:cxn ang="0">
+                <a:pos x="connsiteX53" y="connsiteY53"/>
+              </a:cxn>
+              <a:cxn ang="0">
+                <a:pos x="connsiteX54" y="connsiteY54"/>
+              </a:cxn>
+              <a:cxn ang="0">
+                <a:pos x="connsiteX55" y="connsiteY55"/>
+              </a:cxn>
+              <a:cxn ang="0">
+                <a:pos x="connsiteX56" y="connsiteY56"/>
+              </a:cxn>
+              <a:cxn ang="0">
+                <a:pos x="connsiteX57" y="connsiteY57"/>
+              </a:cxn>
+              <a:cxn ang="0">
+                <a:pos x="connsiteX58" y="connsiteY58"/>
+              </a:cxn>
+              <a:cxn ang="0">
+                <a:pos x="connsiteX59" y="connsiteY59"/>
+              </a:cxn>
+              <a:cxn ang="0">
+                <a:pos x="connsiteX60" y="connsiteY60"/>
+              </a:cxn>
+            </a:cxnLst>
+            <a:rect l="l" t="t" r="r" b="b"/>
+            <a:pathLst>
+              <a:path w="1884093" h="2896117">
+                <a:moveTo>
+                  <a:pt x="12284" y="752992"/>
+                </a:moveTo>
+                <a:cubicBezTo>
+                  <a:pt x="-5179" y="726004"/>
+                  <a:pt x="373" y="689561"/>
+                  <a:pt x="2759" y="657742"/>
+                </a:cubicBezTo>
+                <a:cubicBezTo>
+                  <a:pt x="8773" y="577553"/>
+                  <a:pt x="11282" y="421621"/>
+                  <a:pt x="59909" y="324367"/>
+                </a:cubicBezTo>
+                <a:cubicBezTo>
+                  <a:pt x="66873" y="310439"/>
+                  <a:pt x="101062" y="266321"/>
+                  <a:pt x="107534" y="257692"/>
+                </a:cubicBezTo>
+                <a:cubicBezTo>
+                  <a:pt x="110709" y="244992"/>
+                  <a:pt x="109552" y="230316"/>
+                  <a:pt x="117059" y="219592"/>
+                </a:cubicBezTo>
+                <a:cubicBezTo>
+                  <a:pt x="152631" y="168775"/>
+                  <a:pt x="205118" y="139180"/>
+                  <a:pt x="259934" y="114817"/>
+                </a:cubicBezTo>
+                <a:cubicBezTo>
+                  <a:pt x="269109" y="110739"/>
+                  <a:pt x="278664" y="107261"/>
+                  <a:pt x="288509" y="105292"/>
+                </a:cubicBezTo>
+                <a:cubicBezTo>
+                  <a:pt x="310524" y="100889"/>
+                  <a:pt x="332959" y="98942"/>
+                  <a:pt x="355184" y="95767"/>
+                </a:cubicBezTo>
+                <a:cubicBezTo>
+                  <a:pt x="364709" y="89417"/>
+                  <a:pt x="373520" y="81837"/>
+                  <a:pt x="383759" y="76717"/>
+                </a:cubicBezTo>
+                <a:cubicBezTo>
+                  <a:pt x="406538" y="65328"/>
+                  <a:pt x="435228" y="56386"/>
+                  <a:pt x="459959" y="48142"/>
+                </a:cubicBezTo>
+                <a:cubicBezTo>
+                  <a:pt x="472659" y="38617"/>
+                  <a:pt x="483242" y="25266"/>
+                  <a:pt x="498059" y="19567"/>
+                </a:cubicBezTo>
+                <a:cubicBezTo>
+                  <a:pt x="605979" y="-21941"/>
+                  <a:pt x="679783" y="13039"/>
+                  <a:pt x="802859" y="29092"/>
+                </a:cubicBezTo>
+                <a:cubicBezTo>
+                  <a:pt x="831434" y="44967"/>
+                  <a:pt x="858904" y="63019"/>
+                  <a:pt x="888584" y="76717"/>
+                </a:cubicBezTo>
+                <a:cubicBezTo>
+                  <a:pt x="967409" y="113098"/>
+                  <a:pt x="885744" y="54994"/>
+                  <a:pt x="964784" y="105292"/>
+                </a:cubicBezTo>
+                <a:cubicBezTo>
+                  <a:pt x="1105872" y="195075"/>
+                  <a:pt x="953686" y="114030"/>
+                  <a:pt x="1107659" y="191017"/>
+                </a:cubicBezTo>
+                <a:cubicBezTo>
+                  <a:pt x="1240720" y="357343"/>
+                  <a:pt x="1019708" y="94716"/>
+                  <a:pt x="1221959" y="276742"/>
+                </a:cubicBezTo>
+                <a:cubicBezTo>
+                  <a:pt x="1234668" y="288180"/>
+                  <a:pt x="1230584" y="310815"/>
+                  <a:pt x="1241009" y="324367"/>
+                </a:cubicBezTo>
+                <a:cubicBezTo>
+                  <a:pt x="1262910" y="352839"/>
+                  <a:pt x="1297284" y="370679"/>
+                  <a:pt x="1317209" y="400567"/>
+                </a:cubicBezTo>
+                <a:cubicBezTo>
+                  <a:pt x="1329909" y="419617"/>
+                  <a:pt x="1344346" y="437617"/>
+                  <a:pt x="1355309" y="457717"/>
+                </a:cubicBezTo>
+                <a:cubicBezTo>
+                  <a:pt x="1363496" y="472727"/>
+                  <a:pt x="1366713" y="490049"/>
+                  <a:pt x="1374359" y="505342"/>
+                </a:cubicBezTo>
+                <a:cubicBezTo>
+                  <a:pt x="1382638" y="521901"/>
+                  <a:pt x="1393409" y="537092"/>
+                  <a:pt x="1402934" y="552967"/>
+                </a:cubicBezTo>
+                <a:cubicBezTo>
+                  <a:pt x="1421187" y="644231"/>
+                  <a:pt x="1401065" y="556884"/>
+                  <a:pt x="1441034" y="676792"/>
+                </a:cubicBezTo>
+                <a:cubicBezTo>
+                  <a:pt x="1499839" y="853207"/>
+                  <a:pt x="1424192" y="634963"/>
+                  <a:pt x="1469609" y="810142"/>
+                </a:cubicBezTo>
+                <a:cubicBezTo>
+                  <a:pt x="1486247" y="874316"/>
+                  <a:pt x="1510680" y="936325"/>
+                  <a:pt x="1526759" y="1000642"/>
+                </a:cubicBezTo>
+                <a:cubicBezTo>
+                  <a:pt x="1545809" y="1076842"/>
+                  <a:pt x="1552969" y="1157048"/>
+                  <a:pt x="1583909" y="1229242"/>
+                </a:cubicBezTo>
+                <a:cubicBezTo>
+                  <a:pt x="1593434" y="1251467"/>
+                  <a:pt x="1604838" y="1272978"/>
+                  <a:pt x="1612484" y="1295917"/>
+                </a:cubicBezTo>
+                <a:cubicBezTo>
+                  <a:pt x="1643665" y="1389459"/>
+                  <a:pt x="1605659" y="1354867"/>
+                  <a:pt x="1660109" y="1391167"/>
+                </a:cubicBezTo>
+                <a:cubicBezTo>
+                  <a:pt x="1666459" y="1410217"/>
+                  <a:pt x="1671436" y="1429781"/>
+                  <a:pt x="1679159" y="1448317"/>
+                </a:cubicBezTo>
+                <a:cubicBezTo>
+                  <a:pt x="1687351" y="1467977"/>
+                  <a:pt x="1700999" y="1485261"/>
+                  <a:pt x="1707734" y="1505467"/>
+                </a:cubicBezTo>
+                <a:cubicBezTo>
+                  <a:pt x="1720153" y="1542724"/>
+                  <a:pt x="1725798" y="1581927"/>
+                  <a:pt x="1736309" y="1619767"/>
+                </a:cubicBezTo>
+                <a:cubicBezTo>
+                  <a:pt x="1741683" y="1639115"/>
+                  <a:pt x="1749009" y="1657867"/>
+                  <a:pt x="1755359" y="1676917"/>
+                </a:cubicBezTo>
+                <a:cubicBezTo>
+                  <a:pt x="1764884" y="1756292"/>
+                  <a:pt x="1774018" y="1835715"/>
+                  <a:pt x="1783934" y="1915042"/>
+                </a:cubicBezTo>
+                <a:cubicBezTo>
+                  <a:pt x="1786719" y="1937319"/>
+                  <a:pt x="1788317" y="1959863"/>
+                  <a:pt x="1793459" y="1981717"/>
+                </a:cubicBezTo>
+                <a:cubicBezTo>
+                  <a:pt x="1810766" y="2055272"/>
+                  <a:pt x="1829655" y="2091449"/>
+                  <a:pt x="1850609" y="2162692"/>
+                </a:cubicBezTo>
+                <a:cubicBezTo>
+                  <a:pt x="1857997" y="2187810"/>
+                  <a:pt x="1863309" y="2213492"/>
+                  <a:pt x="1869659" y="2238892"/>
+                </a:cubicBezTo>
+                <a:cubicBezTo>
+                  <a:pt x="1872834" y="2324617"/>
+                  <a:pt x="1879184" y="2410283"/>
+                  <a:pt x="1879184" y="2496067"/>
+                </a:cubicBezTo>
+                <a:cubicBezTo>
+                  <a:pt x="1879184" y="2600890"/>
+                  <a:pt x="1895082" y="2708699"/>
+                  <a:pt x="1869659" y="2810392"/>
+                </a:cubicBezTo>
+                <a:cubicBezTo>
+                  <a:pt x="1863027" y="2836919"/>
+                  <a:pt x="1732115" y="2846016"/>
+                  <a:pt x="1717259" y="2848492"/>
+                </a:cubicBezTo>
+                <a:cubicBezTo>
+                  <a:pt x="1704346" y="2850644"/>
+                  <a:pt x="1692098" y="2856026"/>
+                  <a:pt x="1679159" y="2858017"/>
+                </a:cubicBezTo>
+                <a:cubicBezTo>
+                  <a:pt x="1595030" y="2870960"/>
+                  <a:pt x="1518076" y="2870655"/>
+                  <a:pt x="1431509" y="2877067"/>
+                </a:cubicBezTo>
+                <a:cubicBezTo>
+                  <a:pt x="1394352" y="2879819"/>
+                  <a:pt x="1289851" y="2891748"/>
+                  <a:pt x="1250534" y="2896117"/>
+                </a:cubicBezTo>
+                <a:cubicBezTo>
+                  <a:pt x="1196044" y="2868872"/>
+                  <a:pt x="1174188" y="2860270"/>
+                  <a:pt x="1117184" y="2810392"/>
+                </a:cubicBezTo>
+                <a:cubicBezTo>
+                  <a:pt x="1095155" y="2791116"/>
+                  <a:pt x="1080732" y="2764415"/>
+                  <a:pt x="1060034" y="2743717"/>
+                </a:cubicBezTo>
+                <a:cubicBezTo>
+                  <a:pt x="990673" y="2674356"/>
+                  <a:pt x="952121" y="2658944"/>
+                  <a:pt x="888584" y="2581792"/>
+                </a:cubicBezTo>
+                <a:cubicBezTo>
+                  <a:pt x="869543" y="2558670"/>
+                  <a:pt x="854857" y="2532125"/>
+                  <a:pt x="840959" y="2505592"/>
+                </a:cubicBezTo>
+                <a:cubicBezTo>
+                  <a:pt x="815396" y="2456791"/>
+                  <a:pt x="780514" y="2383700"/>
+                  <a:pt x="764759" y="2324617"/>
+                </a:cubicBezTo>
+                <a:cubicBezTo>
+                  <a:pt x="757217" y="2296333"/>
+                  <a:pt x="752059" y="2267467"/>
+                  <a:pt x="745709" y="2238892"/>
+                </a:cubicBezTo>
+                <a:cubicBezTo>
+                  <a:pt x="740290" y="2114245"/>
+                  <a:pt x="737709" y="2008012"/>
+                  <a:pt x="726659" y="1886467"/>
+                </a:cubicBezTo>
+                <a:cubicBezTo>
+                  <a:pt x="724341" y="1860974"/>
+                  <a:pt x="719681" y="1835738"/>
+                  <a:pt x="717134" y="1810267"/>
+                </a:cubicBezTo>
+                <a:cubicBezTo>
+                  <a:pt x="713330" y="1772225"/>
+                  <a:pt x="710784" y="1734067"/>
+                  <a:pt x="707609" y="1695967"/>
+                </a:cubicBezTo>
+                <a:cubicBezTo>
+                  <a:pt x="704434" y="1527692"/>
+                  <a:pt x="724333" y="1357387"/>
+                  <a:pt x="698084" y="1191142"/>
+                </a:cubicBezTo>
+                <a:cubicBezTo>
+                  <a:pt x="693655" y="1163091"/>
+                  <a:pt x="646235" y="1167653"/>
+                  <a:pt x="621884" y="1153042"/>
+                </a:cubicBezTo>
+                <a:cubicBezTo>
+                  <a:pt x="606009" y="1143517"/>
+                  <a:pt x="588249" y="1136592"/>
+                  <a:pt x="574259" y="1124467"/>
+                </a:cubicBezTo>
+                <a:cubicBezTo>
+                  <a:pt x="540328" y="1095060"/>
+                  <a:pt x="513858" y="1057531"/>
+                  <a:pt x="479009" y="1029217"/>
+                </a:cubicBezTo>
+                <a:cubicBezTo>
+                  <a:pt x="462479" y="1015786"/>
+                  <a:pt x="440122" y="1011600"/>
+                  <a:pt x="421859" y="1000642"/>
+                </a:cubicBezTo>
+                <a:cubicBezTo>
+                  <a:pt x="392410" y="982973"/>
+                  <a:pt x="363975" y="963599"/>
+                  <a:pt x="336134" y="943492"/>
+                </a:cubicBezTo>
+                <a:cubicBezTo>
+                  <a:pt x="306787" y="922297"/>
+                  <a:pt x="281451" y="895442"/>
+                  <a:pt x="250409" y="876817"/>
+                </a:cubicBezTo>
+                <a:cubicBezTo>
+                  <a:pt x="233190" y="866486"/>
+                  <a:pt x="211609" y="865922"/>
+                  <a:pt x="193259" y="857767"/>
+                </a:cubicBezTo>
+                <a:cubicBezTo>
+                  <a:pt x="182798" y="853118"/>
+                  <a:pt x="175145" y="843366"/>
+                  <a:pt x="164684" y="838717"/>
+                </a:cubicBezTo>
+                <a:cubicBezTo>
+                  <a:pt x="146334" y="830562"/>
+                  <a:pt x="125495" y="828647"/>
+                  <a:pt x="107534" y="819667"/>
+                </a:cubicBezTo>
+                <a:cubicBezTo>
+                  <a:pt x="51972" y="791886"/>
+                  <a:pt x="29747" y="779980"/>
+                  <a:pt x="12284" y="752992"/>
+                </a:cubicBezTo>
+                <a:close/>
+              </a:path>
+            </a:pathLst>
+          </a:custGeom>
+          <a:solidFill>
+            <a:srgbClr val="FF0000">
+              <a:alpha val="26000"/>
+            </a:srgbClr>
+          </a:solidFill>
+          <a:ln>
+            <a:solidFill>
+              <a:srgbClr val="FF0000"/>
+            </a:solidFill>
+          </a:ln>
+        </p:spPr>
+        <p:style>
+          <a:lnRef idx="2">
+            <a:schemeClr val="accent1">
+              <a:shade val="50000"/>
+            </a:schemeClr>
+          </a:lnRef>
+          <a:fillRef idx="1">
+            <a:schemeClr val="accent1"/>
+          </a:fillRef>
+          <a:effectRef idx="0">
+            <a:schemeClr val="accent1"/>
+          </a:effectRef>
+          <a:fontRef idx="minor">
+            <a:schemeClr val="lt1"/>
+          </a:fontRef>
+        </p:style>
+        <p:txBody>
+          <a:bodyPr rtlCol="0" anchor="ctr"/>
+          <a:lstStyle/>
+          <a:p>
+            <a:pPr algn="ctr"/>
+            <a:endParaRPr lang="en-US"/>
+          </a:p>
+        </p:txBody>
+      </p:sp>
+      <p:sp>
+        <p:nvSpPr>
+          <p:cNvPr id="18" name="Freeform: Shape 17">
+            <a:extLst>
+              <a:ext uri="{FF2B5EF4-FFF2-40B4-BE49-F238E27FC236}">
+                <a16:creationId xmlns:a16="http://schemas.microsoft.com/office/drawing/2014/main" id="{18D9C5F0-798A-4660-A908-7462B4A9AF60}"/>
+              </a:ext>
+            </a:extLst>
+          </p:cNvPr>
+          <p:cNvSpPr/>
+          <p:nvPr/>
+        </p:nvSpPr>
+        <p:spPr>
+          <a:xfrm>
+            <a:off x="8108829" y="4244975"/>
+            <a:ext cx="1124647" cy="864886"/>
+          </a:xfrm>
+          <a:custGeom>
+            <a:avLst/>
+            <a:gdLst>
+              <a:gd name="connsiteX0" fmla="*/ 177921 w 1124647"/>
+              <a:gd name="connsiteY0" fmla="*/ 346075 h 864886"/>
+              <a:gd name="connsiteX1" fmla="*/ 89021 w 1124647"/>
+              <a:gd name="connsiteY1" fmla="*/ 336550 h 864886"/>
+              <a:gd name="connsiteX2" fmla="*/ 38221 w 1124647"/>
+              <a:gd name="connsiteY2" fmla="*/ 330200 h 864886"/>
+              <a:gd name="connsiteX3" fmla="*/ 3296 w 1124647"/>
+              <a:gd name="connsiteY3" fmla="*/ 390525 h 864886"/>
+              <a:gd name="connsiteX4" fmla="*/ 121 w 1124647"/>
+              <a:gd name="connsiteY4" fmla="*/ 412750 h 864886"/>
+              <a:gd name="connsiteX5" fmla="*/ 6471 w 1124647"/>
+              <a:gd name="connsiteY5" fmla="*/ 450850 h 864886"/>
+              <a:gd name="connsiteX6" fmla="*/ 22346 w 1124647"/>
+              <a:gd name="connsiteY6" fmla="*/ 473075 h 864886"/>
+              <a:gd name="connsiteX7" fmla="*/ 60446 w 1124647"/>
+              <a:gd name="connsiteY7" fmla="*/ 514350 h 864886"/>
+              <a:gd name="connsiteX8" fmla="*/ 69971 w 1124647"/>
+              <a:gd name="connsiteY8" fmla="*/ 546100 h 864886"/>
+              <a:gd name="connsiteX9" fmla="*/ 76321 w 1124647"/>
+              <a:gd name="connsiteY9" fmla="*/ 568325 h 864886"/>
+              <a:gd name="connsiteX10" fmla="*/ 89021 w 1124647"/>
+              <a:gd name="connsiteY10" fmla="*/ 593725 h 864886"/>
+              <a:gd name="connsiteX11" fmla="*/ 101721 w 1124647"/>
+              <a:gd name="connsiteY11" fmla="*/ 628650 h 864886"/>
+              <a:gd name="connsiteX12" fmla="*/ 108071 w 1124647"/>
+              <a:gd name="connsiteY12" fmla="*/ 647700 h 864886"/>
+              <a:gd name="connsiteX13" fmla="*/ 114421 w 1124647"/>
+              <a:gd name="connsiteY13" fmla="*/ 673100 h 864886"/>
+              <a:gd name="connsiteX14" fmla="*/ 127121 w 1124647"/>
+              <a:gd name="connsiteY14" fmla="*/ 695325 h 864886"/>
+              <a:gd name="connsiteX15" fmla="*/ 139821 w 1124647"/>
+              <a:gd name="connsiteY15" fmla="*/ 704850 h 864886"/>
+              <a:gd name="connsiteX16" fmla="*/ 162046 w 1124647"/>
+              <a:gd name="connsiteY16" fmla="*/ 739775 h 864886"/>
+              <a:gd name="connsiteX17" fmla="*/ 181096 w 1124647"/>
+              <a:gd name="connsiteY17" fmla="*/ 758825 h 864886"/>
+              <a:gd name="connsiteX18" fmla="*/ 193796 w 1124647"/>
+              <a:gd name="connsiteY18" fmla="*/ 765175 h 864886"/>
+              <a:gd name="connsiteX19" fmla="*/ 247771 w 1124647"/>
+              <a:gd name="connsiteY19" fmla="*/ 825500 h 864886"/>
+              <a:gd name="connsiteX20" fmla="*/ 257296 w 1124647"/>
+              <a:gd name="connsiteY20" fmla="*/ 831850 h 864886"/>
+              <a:gd name="connsiteX21" fmla="*/ 266821 w 1124647"/>
+              <a:gd name="connsiteY21" fmla="*/ 841375 h 864886"/>
+              <a:gd name="connsiteX22" fmla="*/ 308096 w 1124647"/>
+              <a:gd name="connsiteY22" fmla="*/ 863600 h 864886"/>
+              <a:gd name="connsiteX23" fmla="*/ 400171 w 1124647"/>
+              <a:gd name="connsiteY23" fmla="*/ 860425 h 864886"/>
+              <a:gd name="connsiteX24" fmla="*/ 463671 w 1124647"/>
+              <a:gd name="connsiteY24" fmla="*/ 819150 h 864886"/>
+              <a:gd name="connsiteX25" fmla="*/ 492246 w 1124647"/>
+              <a:gd name="connsiteY25" fmla="*/ 809625 h 864886"/>
+              <a:gd name="connsiteX26" fmla="*/ 511296 w 1124647"/>
+              <a:gd name="connsiteY26" fmla="*/ 790575 h 864886"/>
+              <a:gd name="connsiteX27" fmla="*/ 549396 w 1124647"/>
+              <a:gd name="connsiteY27" fmla="*/ 746125 h 864886"/>
+              <a:gd name="connsiteX28" fmla="*/ 568446 w 1124647"/>
+              <a:gd name="connsiteY28" fmla="*/ 730250 h 864886"/>
+              <a:gd name="connsiteX29" fmla="*/ 593846 w 1124647"/>
+              <a:gd name="connsiteY29" fmla="*/ 704850 h 864886"/>
+              <a:gd name="connsiteX30" fmla="*/ 631946 w 1124647"/>
+              <a:gd name="connsiteY30" fmla="*/ 577850 h 864886"/>
+              <a:gd name="connsiteX31" fmla="*/ 647821 w 1124647"/>
+              <a:gd name="connsiteY31" fmla="*/ 568325 h 864886"/>
+              <a:gd name="connsiteX32" fmla="*/ 714496 w 1124647"/>
+              <a:gd name="connsiteY32" fmla="*/ 555625 h 864886"/>
+              <a:gd name="connsiteX33" fmla="*/ 739896 w 1124647"/>
+              <a:gd name="connsiteY33" fmla="*/ 546100 h 864886"/>
+              <a:gd name="connsiteX34" fmla="*/ 889121 w 1124647"/>
+              <a:gd name="connsiteY34" fmla="*/ 549275 h 864886"/>
+              <a:gd name="connsiteX35" fmla="*/ 943096 w 1124647"/>
+              <a:gd name="connsiteY35" fmla="*/ 469900 h 864886"/>
+              <a:gd name="connsiteX36" fmla="*/ 993896 w 1124647"/>
+              <a:gd name="connsiteY36" fmla="*/ 422275 h 864886"/>
+              <a:gd name="connsiteX37" fmla="*/ 1044696 w 1124647"/>
+              <a:gd name="connsiteY37" fmla="*/ 339725 h 864886"/>
+              <a:gd name="connsiteX38" fmla="*/ 1095496 w 1124647"/>
+              <a:gd name="connsiteY38" fmla="*/ 260350 h 864886"/>
+              <a:gd name="connsiteX39" fmla="*/ 1101846 w 1124647"/>
+              <a:gd name="connsiteY39" fmla="*/ 247650 h 864886"/>
+              <a:gd name="connsiteX40" fmla="*/ 1114546 w 1124647"/>
+              <a:gd name="connsiteY40" fmla="*/ 200025 h 864886"/>
+              <a:gd name="connsiteX41" fmla="*/ 1120896 w 1124647"/>
+              <a:gd name="connsiteY41" fmla="*/ 180975 h 864886"/>
+              <a:gd name="connsiteX42" fmla="*/ 1124071 w 1124647"/>
+              <a:gd name="connsiteY42" fmla="*/ 142875 h 864886"/>
+              <a:gd name="connsiteX43" fmla="*/ 1092321 w 1124647"/>
+              <a:gd name="connsiteY43" fmla="*/ 79375 h 864886"/>
+              <a:gd name="connsiteX44" fmla="*/ 1082796 w 1124647"/>
+              <a:gd name="connsiteY44" fmla="*/ 69850 h 864886"/>
+              <a:gd name="connsiteX45" fmla="*/ 1063746 w 1124647"/>
+              <a:gd name="connsiteY45" fmla="*/ 44450 h 864886"/>
+              <a:gd name="connsiteX46" fmla="*/ 1028821 w 1124647"/>
+              <a:gd name="connsiteY46" fmla="*/ 3175 h 864886"/>
+              <a:gd name="connsiteX47" fmla="*/ 955796 w 1124647"/>
+              <a:gd name="connsiteY47" fmla="*/ 0 h 864886"/>
+              <a:gd name="connsiteX48" fmla="*/ 927221 w 1124647"/>
+              <a:gd name="connsiteY48" fmla="*/ 12700 h 864886"/>
+              <a:gd name="connsiteX49" fmla="*/ 876421 w 1124647"/>
+              <a:gd name="connsiteY49" fmla="*/ 31750 h 864886"/>
+              <a:gd name="connsiteX50" fmla="*/ 752596 w 1124647"/>
+              <a:gd name="connsiteY50" fmla="*/ 111125 h 864886"/>
+              <a:gd name="connsiteX51" fmla="*/ 743071 w 1124647"/>
+              <a:gd name="connsiteY51" fmla="*/ 120650 h 864886"/>
+              <a:gd name="connsiteX52" fmla="*/ 711321 w 1124647"/>
+              <a:gd name="connsiteY52" fmla="*/ 165100 h 864886"/>
+              <a:gd name="connsiteX53" fmla="*/ 682746 w 1124647"/>
+              <a:gd name="connsiteY53" fmla="*/ 219075 h 864886"/>
+              <a:gd name="connsiteX54" fmla="*/ 676396 w 1124647"/>
+              <a:gd name="connsiteY54" fmla="*/ 285750 h 864886"/>
+              <a:gd name="connsiteX55" fmla="*/ 673221 w 1124647"/>
+              <a:gd name="connsiteY55" fmla="*/ 333375 h 864886"/>
+              <a:gd name="connsiteX56" fmla="*/ 666871 w 1124647"/>
+              <a:gd name="connsiteY56" fmla="*/ 352425 h 864886"/>
+              <a:gd name="connsiteX57" fmla="*/ 660521 w 1124647"/>
+              <a:gd name="connsiteY57" fmla="*/ 387350 h 864886"/>
+              <a:gd name="connsiteX58" fmla="*/ 603371 w 1124647"/>
+              <a:gd name="connsiteY58" fmla="*/ 454025 h 864886"/>
+              <a:gd name="connsiteX59" fmla="*/ 574796 w 1124647"/>
+              <a:gd name="connsiteY59" fmla="*/ 463550 h 864886"/>
+              <a:gd name="connsiteX60" fmla="*/ 533521 w 1124647"/>
+              <a:gd name="connsiteY60" fmla="*/ 469900 h 864886"/>
+              <a:gd name="connsiteX61" fmla="*/ 501771 w 1124647"/>
+              <a:gd name="connsiteY61" fmla="*/ 463550 h 864886"/>
+              <a:gd name="connsiteX62" fmla="*/ 463671 w 1124647"/>
+              <a:gd name="connsiteY62" fmla="*/ 450850 h 864886"/>
+              <a:gd name="connsiteX63" fmla="*/ 435096 w 1124647"/>
+              <a:gd name="connsiteY63" fmla="*/ 447675 h 864886"/>
+              <a:gd name="connsiteX64" fmla="*/ 374771 w 1124647"/>
+              <a:gd name="connsiteY64" fmla="*/ 438150 h 864886"/>
+              <a:gd name="connsiteX65" fmla="*/ 327146 w 1124647"/>
+              <a:gd name="connsiteY65" fmla="*/ 422275 h 864886"/>
+              <a:gd name="connsiteX66" fmla="*/ 301746 w 1124647"/>
+              <a:gd name="connsiteY66" fmla="*/ 412750 h 864886"/>
+              <a:gd name="connsiteX67" fmla="*/ 276346 w 1124647"/>
+              <a:gd name="connsiteY67" fmla="*/ 406400 h 864886"/>
+              <a:gd name="connsiteX68" fmla="*/ 260471 w 1124647"/>
+              <a:gd name="connsiteY68" fmla="*/ 400050 h 864886"/>
+              <a:gd name="connsiteX69" fmla="*/ 238246 w 1124647"/>
+              <a:gd name="connsiteY69" fmla="*/ 393700 h 864886"/>
+              <a:gd name="connsiteX70" fmla="*/ 225546 w 1124647"/>
+              <a:gd name="connsiteY70" fmla="*/ 384175 h 864886"/>
+              <a:gd name="connsiteX71" fmla="*/ 206496 w 1124647"/>
+              <a:gd name="connsiteY71" fmla="*/ 374650 h 864886"/>
+              <a:gd name="connsiteX72" fmla="*/ 177921 w 1124647"/>
+              <a:gd name="connsiteY72" fmla="*/ 346075 h 864886"/>
+            </a:gdLst>
+            <a:ahLst/>
+            <a:cxnLst>
+              <a:cxn ang="0">
+                <a:pos x="connsiteX0" y="connsiteY0"/>
+              </a:cxn>
+              <a:cxn ang="0">
+                <a:pos x="connsiteX1" y="connsiteY1"/>
+              </a:cxn>
+              <a:cxn ang="0">
+                <a:pos x="connsiteX2" y="connsiteY2"/>
+              </a:cxn>
+              <a:cxn ang="0">
+                <a:pos x="connsiteX3" y="connsiteY3"/>
+              </a:cxn>
+              <a:cxn ang="0">
+                <a:pos x="connsiteX4" y="connsiteY4"/>
+              </a:cxn>
+              <a:cxn ang="0">
+                <a:pos x="connsiteX5" y="connsiteY5"/>
+              </a:cxn>
+              <a:cxn ang="0">
+                <a:pos x="connsiteX6" y="connsiteY6"/>
+              </a:cxn>
+              <a:cxn ang="0">
+                <a:pos x="connsiteX7" y="connsiteY7"/>
+              </a:cxn>
+              <a:cxn ang="0">
+                <a:pos x="connsiteX8" y="connsiteY8"/>
+              </a:cxn>
+              <a:cxn ang="0">
+                <a:pos x="connsiteX9" y="connsiteY9"/>
+              </a:cxn>
+              <a:cxn ang="0">
+                <a:pos x="connsiteX10" y="connsiteY10"/>
+              </a:cxn>
+              <a:cxn ang="0">
+                <a:pos x="connsiteX11" y="connsiteY11"/>
+              </a:cxn>
+              <a:cxn ang="0">
+                <a:pos x="connsiteX12" y="connsiteY12"/>
+              </a:cxn>
+              <a:cxn ang="0">
+                <a:pos x="connsiteX13" y="connsiteY13"/>
+              </a:cxn>
+              <a:cxn ang="0">
+                <a:pos x="connsiteX14" y="connsiteY14"/>
+              </a:cxn>
+              <a:cxn ang="0">
+                <a:pos x="connsiteX15" y="connsiteY15"/>
+              </a:cxn>
+              <a:cxn ang="0">
+                <a:pos x="connsiteX16" y="connsiteY16"/>
+              </a:cxn>
+              <a:cxn ang="0">
+                <a:pos x="connsiteX17" y="connsiteY17"/>
+              </a:cxn>
+              <a:cxn ang="0">
+                <a:pos x="connsiteX18" y="connsiteY18"/>
+              </a:cxn>
+              <a:cxn ang="0">
+                <a:pos x="connsiteX19" y="connsiteY19"/>
+              </a:cxn>
+              <a:cxn ang="0">
+                <a:pos x="connsiteX20" y="connsiteY20"/>
+              </a:cxn>
+              <a:cxn ang="0">
+                <a:pos x="connsiteX21" y="connsiteY21"/>
+              </a:cxn>
+              <a:cxn ang="0">
+                <a:pos x="connsiteX22" y="connsiteY22"/>
+              </a:cxn>
+              <a:cxn ang="0">
+                <a:pos x="connsiteX23" y="connsiteY23"/>
+              </a:cxn>
+              <a:cxn ang="0">
+                <a:pos x="connsiteX24" y="connsiteY24"/>
+              </a:cxn>
+              <a:cxn ang="0">
+                <a:pos x="connsiteX25" y="connsiteY25"/>
+              </a:cxn>
+              <a:cxn ang="0">
+                <a:pos x="connsiteX26" y="connsiteY26"/>
+              </a:cxn>
+              <a:cxn ang="0">
+                <a:pos x="connsiteX27" y="connsiteY27"/>
+              </a:cxn>
+              <a:cxn ang="0">
+                <a:pos x="connsiteX28" y="connsiteY28"/>
+              </a:cxn>
+              <a:cxn ang="0">
+                <a:pos x="connsiteX29" y="connsiteY29"/>
+              </a:cxn>
+              <a:cxn ang="0">
+                <a:pos x="connsiteX30" y="connsiteY30"/>
+              </a:cxn>
+              <a:cxn ang="0">
+                <a:pos x="connsiteX31" y="connsiteY31"/>
+              </a:cxn>
+              <a:cxn ang="0">
+                <a:pos x="connsiteX32" y="connsiteY32"/>
+              </a:cxn>
+              <a:cxn ang="0">
+                <a:pos x="connsiteX33" y="connsiteY33"/>
+              </a:cxn>
+              <a:cxn ang="0">
+                <a:pos x="connsiteX34" y="connsiteY34"/>
+              </a:cxn>
+              <a:cxn ang="0">
+                <a:pos x="connsiteX35" y="connsiteY35"/>
+              </a:cxn>
+              <a:cxn ang="0">
+                <a:pos x="connsiteX36" y="connsiteY36"/>
+              </a:cxn>
+              <a:cxn ang="0">
+                <a:pos x="connsiteX37" y="connsiteY37"/>
+              </a:cxn>
+              <a:cxn ang="0">
+                <a:pos x="connsiteX38" y="connsiteY38"/>
+              </a:cxn>
+              <a:cxn ang="0">
+                <a:pos x="connsiteX39" y="connsiteY39"/>
+              </a:cxn>
+              <a:cxn ang="0">
+                <a:pos x="connsiteX40" y="connsiteY40"/>
+              </a:cxn>
+              <a:cxn ang="0">
+                <a:pos x="connsiteX41" y="connsiteY41"/>
+              </a:cxn>
+              <a:cxn ang="0">
+                <a:pos x="connsiteX42" y="connsiteY42"/>
+              </a:cxn>
+              <a:cxn ang="0">
+                <a:pos x="connsiteX43" y="connsiteY43"/>
+              </a:cxn>
+              <a:cxn ang="0">
+                <a:pos x="connsiteX44" y="connsiteY44"/>
+              </a:cxn>
+              <a:cxn ang="0">
+                <a:pos x="connsiteX45" y="connsiteY45"/>
+              </a:cxn>
+              <a:cxn ang="0">
+                <a:pos x="connsiteX46" y="connsiteY46"/>
+              </a:cxn>
+              <a:cxn ang="0">
+                <a:pos x="connsiteX47" y="connsiteY47"/>
+              </a:cxn>
+              <a:cxn ang="0">
+                <a:pos x="connsiteX48" y="connsiteY48"/>
+              </a:cxn>
+              <a:cxn ang="0">
+                <a:pos x="connsiteX49" y="connsiteY49"/>
+              </a:cxn>
+              <a:cxn ang="0">
+                <a:pos x="connsiteX50" y="connsiteY50"/>
+              </a:cxn>
+              <a:cxn ang="0">
+                <a:pos x="connsiteX51" y="connsiteY51"/>
+              </a:cxn>
+              <a:cxn ang="0">
+                <a:pos x="connsiteX52" y="connsiteY52"/>
+              </a:cxn>
+              <a:cxn ang="0">
+                <a:pos x="connsiteX53" y="connsiteY53"/>
+              </a:cxn>
+              <a:cxn ang="0">
+                <a:pos x="connsiteX54" y="connsiteY54"/>
+              </a:cxn>
+              <a:cxn ang="0">
+                <a:pos x="connsiteX55" y="connsiteY55"/>
+              </a:cxn>
+              <a:cxn ang="0">
+                <a:pos x="connsiteX56" y="connsiteY56"/>
+              </a:cxn>
+              <a:cxn ang="0">
+                <a:pos x="connsiteX57" y="connsiteY57"/>
+              </a:cxn>
+              <a:cxn ang="0">
+                <a:pos x="connsiteX58" y="connsiteY58"/>
+              </a:cxn>
+              <a:cxn ang="0">
+                <a:pos x="connsiteX59" y="connsiteY59"/>
+              </a:cxn>
+              <a:cxn ang="0">
+                <a:pos x="connsiteX60" y="connsiteY60"/>
+              </a:cxn>
+              <a:cxn ang="0">
+                <a:pos x="connsiteX61" y="connsiteY61"/>
+              </a:cxn>
+              <a:cxn ang="0">
+                <a:pos x="connsiteX62" y="connsiteY62"/>
+              </a:cxn>
+              <a:cxn ang="0">
+                <a:pos x="connsiteX63" y="connsiteY63"/>
+              </a:cxn>
+              <a:cxn ang="0">
+                <a:pos x="connsiteX64" y="connsiteY64"/>
+              </a:cxn>
+              <a:cxn ang="0">
+                <a:pos x="connsiteX65" y="connsiteY65"/>
+              </a:cxn>
+              <a:cxn ang="0">
+                <a:pos x="connsiteX66" y="connsiteY66"/>
+              </a:cxn>
+              <a:cxn ang="0">
+                <a:pos x="connsiteX67" y="connsiteY67"/>
+              </a:cxn>
+              <a:cxn ang="0">
+                <a:pos x="connsiteX68" y="connsiteY68"/>
+              </a:cxn>
+              <a:cxn ang="0">
+                <a:pos x="connsiteX69" y="connsiteY69"/>
+              </a:cxn>
+              <a:cxn ang="0">
+                <a:pos x="connsiteX70" y="connsiteY70"/>
+              </a:cxn>
+              <a:cxn ang="0">
+                <a:pos x="connsiteX71" y="connsiteY71"/>
+              </a:cxn>
+              <a:cxn ang="0">
+                <a:pos x="connsiteX72" y="connsiteY72"/>
+              </a:cxn>
+            </a:cxnLst>
+            <a:rect l="l" t="t" r="r" b="b"/>
+            <a:pathLst>
+              <a:path w="1124647" h="864886">
+                <a:moveTo>
+                  <a:pt x="177921" y="346075"/>
+                </a:moveTo>
+                <a:cubicBezTo>
+                  <a:pt x="158342" y="339725"/>
+                  <a:pt x="183109" y="346454"/>
+                  <a:pt x="89021" y="336550"/>
+                </a:cubicBezTo>
+                <a:cubicBezTo>
+                  <a:pt x="72050" y="334764"/>
+                  <a:pt x="55154" y="332317"/>
+                  <a:pt x="38221" y="330200"/>
+                </a:cubicBezTo>
+                <a:cubicBezTo>
+                  <a:pt x="26579" y="350308"/>
+                  <a:pt x="13033" y="369428"/>
+                  <a:pt x="3296" y="390525"/>
+                </a:cubicBezTo>
+                <a:cubicBezTo>
+                  <a:pt x="160" y="397320"/>
+                  <a:pt x="-272" y="405277"/>
+                  <a:pt x="121" y="412750"/>
+                </a:cubicBezTo>
+                <a:cubicBezTo>
+                  <a:pt x="798" y="425607"/>
+                  <a:pt x="3348" y="438359"/>
+                  <a:pt x="6471" y="450850"/>
+                </a:cubicBezTo>
+                <a:cubicBezTo>
+                  <a:pt x="9533" y="463097"/>
+                  <a:pt x="14499" y="464443"/>
+                  <a:pt x="22346" y="473075"/>
+                </a:cubicBezTo>
+                <a:cubicBezTo>
+                  <a:pt x="61136" y="515744"/>
+                  <a:pt x="28875" y="482779"/>
+                  <a:pt x="60446" y="514350"/>
+                </a:cubicBezTo>
+                <a:cubicBezTo>
+                  <a:pt x="66716" y="545701"/>
+                  <a:pt x="59528" y="514772"/>
+                  <a:pt x="69971" y="546100"/>
+                </a:cubicBezTo>
+                <a:cubicBezTo>
+                  <a:pt x="72407" y="553409"/>
+                  <a:pt x="73460" y="561171"/>
+                  <a:pt x="76321" y="568325"/>
+                </a:cubicBezTo>
+                <a:cubicBezTo>
+                  <a:pt x="79837" y="577114"/>
+                  <a:pt x="89021" y="593725"/>
+                  <a:pt x="89021" y="593725"/>
+                </a:cubicBezTo>
+                <a:cubicBezTo>
+                  <a:pt x="94984" y="623542"/>
+                  <a:pt x="87946" y="595590"/>
+                  <a:pt x="101721" y="628650"/>
+                </a:cubicBezTo>
+                <a:cubicBezTo>
+                  <a:pt x="104295" y="634829"/>
+                  <a:pt x="106232" y="641264"/>
+                  <a:pt x="108071" y="647700"/>
+                </a:cubicBezTo>
+                <a:cubicBezTo>
+                  <a:pt x="110469" y="656091"/>
+                  <a:pt x="111180" y="664997"/>
+                  <a:pt x="114421" y="673100"/>
+                </a:cubicBezTo>
+                <a:cubicBezTo>
+                  <a:pt x="117590" y="681022"/>
+                  <a:pt x="121791" y="688662"/>
+                  <a:pt x="127121" y="695325"/>
+                </a:cubicBezTo>
+                <a:cubicBezTo>
+                  <a:pt x="130427" y="699457"/>
+                  <a:pt x="135588" y="701675"/>
+                  <a:pt x="139821" y="704850"/>
+                </a:cubicBezTo>
+                <a:cubicBezTo>
+                  <a:pt x="144891" y="713301"/>
+                  <a:pt x="156288" y="732865"/>
+                  <a:pt x="162046" y="739775"/>
+                </a:cubicBezTo>
+                <a:cubicBezTo>
+                  <a:pt x="167795" y="746674"/>
+                  <a:pt x="174084" y="753215"/>
+                  <a:pt x="181096" y="758825"/>
+                </a:cubicBezTo>
+                <a:cubicBezTo>
+                  <a:pt x="184792" y="761782"/>
+                  <a:pt x="189563" y="763058"/>
+                  <a:pt x="193796" y="765175"/>
+                </a:cubicBezTo>
+                <a:cubicBezTo>
+                  <a:pt x="207722" y="783080"/>
+                  <a:pt x="229179" y="813105"/>
+                  <a:pt x="247771" y="825500"/>
+                </a:cubicBezTo>
+                <a:cubicBezTo>
+                  <a:pt x="250946" y="827617"/>
+                  <a:pt x="254365" y="829407"/>
+                  <a:pt x="257296" y="831850"/>
+                </a:cubicBezTo>
+                <a:cubicBezTo>
+                  <a:pt x="260745" y="834725"/>
+                  <a:pt x="263229" y="838681"/>
+                  <a:pt x="266821" y="841375"/>
+                </a:cubicBezTo>
+                <a:cubicBezTo>
+                  <a:pt x="276418" y="848573"/>
+                  <a:pt x="299258" y="859181"/>
+                  <a:pt x="308096" y="863600"/>
+                </a:cubicBezTo>
+                <a:cubicBezTo>
+                  <a:pt x="338788" y="862542"/>
+                  <a:pt x="370643" y="868862"/>
+                  <a:pt x="400171" y="860425"/>
+                </a:cubicBezTo>
+                <a:cubicBezTo>
+                  <a:pt x="424445" y="853490"/>
+                  <a:pt x="441567" y="831345"/>
+                  <a:pt x="463671" y="819150"/>
+                </a:cubicBezTo>
+                <a:cubicBezTo>
+                  <a:pt x="472462" y="814300"/>
+                  <a:pt x="482721" y="812800"/>
+                  <a:pt x="492246" y="809625"/>
+                </a:cubicBezTo>
+                <a:cubicBezTo>
+                  <a:pt x="498596" y="803275"/>
+                  <a:pt x="505289" y="797250"/>
+                  <a:pt x="511296" y="790575"/>
+                </a:cubicBezTo>
+                <a:cubicBezTo>
+                  <a:pt x="524351" y="776070"/>
+                  <a:pt x="535975" y="760292"/>
+                  <a:pt x="549396" y="746125"/>
+                </a:cubicBezTo>
+                <a:cubicBezTo>
+                  <a:pt x="555081" y="740124"/>
+                  <a:pt x="562389" y="735875"/>
+                  <a:pt x="568446" y="730250"/>
+                </a:cubicBezTo>
+                <a:cubicBezTo>
+                  <a:pt x="577220" y="722102"/>
+                  <a:pt x="593846" y="704850"/>
+                  <a:pt x="593846" y="704850"/>
+                </a:cubicBezTo>
+                <a:cubicBezTo>
+                  <a:pt x="606546" y="662517"/>
+                  <a:pt x="615696" y="618952"/>
+                  <a:pt x="631946" y="577850"/>
+                </a:cubicBezTo>
+                <a:cubicBezTo>
+                  <a:pt x="634215" y="572111"/>
+                  <a:pt x="641910" y="570098"/>
+                  <a:pt x="647821" y="568325"/>
+                </a:cubicBezTo>
+                <a:cubicBezTo>
+                  <a:pt x="661305" y="564280"/>
+                  <a:pt x="695563" y="558781"/>
+                  <a:pt x="714496" y="555625"/>
+                </a:cubicBezTo>
+                <a:cubicBezTo>
+                  <a:pt x="722963" y="552450"/>
+                  <a:pt x="730860" y="546429"/>
+                  <a:pt x="739896" y="546100"/>
+                </a:cubicBezTo>
+                <a:cubicBezTo>
+                  <a:pt x="789616" y="544292"/>
+                  <a:pt x="842536" y="566744"/>
+                  <a:pt x="889121" y="549275"/>
+                </a:cubicBezTo>
+                <a:cubicBezTo>
+                  <a:pt x="919080" y="538040"/>
+                  <a:pt x="922734" y="494581"/>
+                  <a:pt x="943096" y="469900"/>
+                </a:cubicBezTo>
+                <a:cubicBezTo>
+                  <a:pt x="957867" y="451996"/>
+                  <a:pt x="979615" y="440573"/>
+                  <a:pt x="993896" y="422275"/>
+                </a:cubicBezTo>
+                <a:cubicBezTo>
+                  <a:pt x="1013775" y="396805"/>
+                  <a:pt x="1024860" y="365229"/>
+                  <a:pt x="1044696" y="339725"/>
+                </a:cubicBezTo>
+                <a:cubicBezTo>
+                  <a:pt x="1072184" y="304383"/>
+                  <a:pt x="1071736" y="307871"/>
+                  <a:pt x="1095496" y="260350"/>
+                </a:cubicBezTo>
+                <a:cubicBezTo>
+                  <a:pt x="1097613" y="256117"/>
+                  <a:pt x="1100421" y="252163"/>
+                  <a:pt x="1101846" y="247650"/>
+                </a:cubicBezTo>
+                <a:cubicBezTo>
+                  <a:pt x="1106794" y="231983"/>
+                  <a:pt x="1109350" y="215612"/>
+                  <a:pt x="1114546" y="200025"/>
+                </a:cubicBezTo>
+                <a:lnTo>
+                  <a:pt x="1120896" y="180975"/>
+                </a:lnTo>
+                <a:cubicBezTo>
+                  <a:pt x="1121954" y="168275"/>
+                  <a:pt x="1126166" y="155446"/>
+                  <a:pt x="1124071" y="142875"/>
+                </a:cubicBezTo>
+                <a:cubicBezTo>
+                  <a:pt x="1121255" y="125978"/>
+                  <a:pt x="1103225" y="94367"/>
+                  <a:pt x="1092321" y="79375"/>
+                </a:cubicBezTo>
+                <a:cubicBezTo>
+                  <a:pt x="1089680" y="75744"/>
+                  <a:pt x="1085639" y="73325"/>
+                  <a:pt x="1082796" y="69850"/>
+                </a:cubicBezTo>
+                <a:cubicBezTo>
+                  <a:pt x="1076094" y="61659"/>
+                  <a:pt x="1069617" y="53256"/>
+                  <a:pt x="1063746" y="44450"/>
+                </a:cubicBezTo>
+                <a:cubicBezTo>
+                  <a:pt x="1054490" y="30566"/>
+                  <a:pt x="1051869" y="4177"/>
+                  <a:pt x="1028821" y="3175"/>
+                </a:cubicBezTo>
+                <a:lnTo>
+                  <a:pt x="955796" y="0"/>
+                </a:lnTo>
+                <a:cubicBezTo>
+                  <a:pt x="946271" y="4233"/>
+                  <a:pt x="936899" y="8829"/>
+                  <a:pt x="927221" y="12700"/>
+                </a:cubicBezTo>
+                <a:cubicBezTo>
+                  <a:pt x="910430" y="19417"/>
+                  <a:pt x="892521" y="23513"/>
+                  <a:pt x="876421" y="31750"/>
+                </a:cubicBezTo>
+                <a:cubicBezTo>
+                  <a:pt x="828404" y="56317"/>
+                  <a:pt x="792719" y="79027"/>
+                  <a:pt x="752596" y="111125"/>
+                </a:cubicBezTo>
+                <a:cubicBezTo>
+                  <a:pt x="749090" y="113930"/>
+                  <a:pt x="746028" y="117271"/>
+                  <a:pt x="743071" y="120650"/>
+                </a:cubicBezTo>
+                <a:cubicBezTo>
+                  <a:pt x="732157" y="133123"/>
+                  <a:pt x="719032" y="151734"/>
+                  <a:pt x="711321" y="165100"/>
+                </a:cubicBezTo>
+                <a:cubicBezTo>
+                  <a:pt x="701148" y="182733"/>
+                  <a:pt x="692271" y="201083"/>
+                  <a:pt x="682746" y="219075"/>
+                </a:cubicBezTo>
+                <a:cubicBezTo>
+                  <a:pt x="678254" y="255010"/>
+                  <a:pt x="679587" y="241073"/>
+                  <a:pt x="676396" y="285750"/>
+                </a:cubicBezTo>
+                <a:cubicBezTo>
+                  <a:pt x="675262" y="301620"/>
+                  <a:pt x="675471" y="317625"/>
+                  <a:pt x="673221" y="333375"/>
+                </a:cubicBezTo>
+                <a:cubicBezTo>
+                  <a:pt x="672274" y="340001"/>
+                  <a:pt x="668494" y="345931"/>
+                  <a:pt x="666871" y="352425"/>
+                </a:cubicBezTo>
+                <a:cubicBezTo>
+                  <a:pt x="666829" y="352594"/>
+                  <a:pt x="661589" y="385452"/>
+                  <a:pt x="660521" y="387350"/>
+                </a:cubicBezTo>
+                <a:cubicBezTo>
+                  <a:pt x="650560" y="405058"/>
+                  <a:pt x="620094" y="442583"/>
+                  <a:pt x="603371" y="454025"/>
+                </a:cubicBezTo>
+                <a:cubicBezTo>
+                  <a:pt x="595085" y="459695"/>
+                  <a:pt x="584641" y="461581"/>
+                  <a:pt x="574796" y="463550"/>
+                </a:cubicBezTo>
+                <a:cubicBezTo>
+                  <a:pt x="550554" y="468398"/>
+                  <a:pt x="564276" y="466056"/>
+                  <a:pt x="533521" y="469900"/>
+                </a:cubicBezTo>
+                <a:cubicBezTo>
+                  <a:pt x="522938" y="467783"/>
+                  <a:pt x="512184" y="466390"/>
+                  <a:pt x="501771" y="463550"/>
+                </a:cubicBezTo>
+                <a:cubicBezTo>
+                  <a:pt x="488856" y="460028"/>
+                  <a:pt x="476694" y="453951"/>
+                  <a:pt x="463671" y="450850"/>
+                </a:cubicBezTo>
+                <a:cubicBezTo>
+                  <a:pt x="454348" y="448630"/>
+                  <a:pt x="444614" y="448795"/>
+                  <a:pt x="435096" y="447675"/>
+                </a:cubicBezTo>
+                <a:cubicBezTo>
+                  <a:pt x="402211" y="443806"/>
+                  <a:pt x="412189" y="444953"/>
+                  <a:pt x="374771" y="438150"/>
+                </a:cubicBezTo>
+                <a:cubicBezTo>
+                  <a:pt x="328005" y="418107"/>
+                  <a:pt x="378253" y="438246"/>
+                  <a:pt x="327146" y="422275"/>
+                </a:cubicBezTo>
+                <a:cubicBezTo>
+                  <a:pt x="318515" y="419578"/>
+                  <a:pt x="310377" y="415447"/>
+                  <a:pt x="301746" y="412750"/>
+                </a:cubicBezTo>
+                <a:cubicBezTo>
+                  <a:pt x="293416" y="410147"/>
+                  <a:pt x="284687" y="408967"/>
+                  <a:pt x="276346" y="406400"/>
+                </a:cubicBezTo>
+                <a:cubicBezTo>
+                  <a:pt x="270899" y="404724"/>
+                  <a:pt x="265878" y="401852"/>
+                  <a:pt x="260471" y="400050"/>
+                </a:cubicBezTo>
+                <a:cubicBezTo>
+                  <a:pt x="253162" y="397614"/>
+                  <a:pt x="245654" y="395817"/>
+                  <a:pt x="238246" y="393700"/>
+                </a:cubicBezTo>
+                <a:cubicBezTo>
+                  <a:pt x="234013" y="390525"/>
+                  <a:pt x="230084" y="386898"/>
+                  <a:pt x="225546" y="384175"/>
+                </a:cubicBezTo>
+                <a:cubicBezTo>
+                  <a:pt x="219458" y="380522"/>
+                  <a:pt x="212403" y="378588"/>
+                  <a:pt x="206496" y="374650"/>
+                </a:cubicBezTo>
+                <a:cubicBezTo>
+                  <a:pt x="186658" y="361425"/>
+                  <a:pt x="197500" y="352425"/>
+                  <a:pt x="177921" y="346075"/>
+                </a:cubicBezTo>
+                <a:close/>
+              </a:path>
+            </a:pathLst>
+          </a:custGeom>
+          <a:solidFill>
+            <a:srgbClr val="FF0000">
+              <a:alpha val="16000"/>
+            </a:srgbClr>
+          </a:solidFill>
+          <a:ln>
+            <a:solidFill>
+              <a:srgbClr val="FF0000"/>
+            </a:solidFill>
+          </a:ln>
+        </p:spPr>
+        <p:style>
+          <a:lnRef idx="2">
+            <a:schemeClr val="accent1">
+              <a:shade val="50000"/>
+            </a:schemeClr>
+          </a:lnRef>
+          <a:fillRef idx="1">
+            <a:schemeClr val="accent1"/>
+          </a:fillRef>
+          <a:effectRef idx="0">
+            <a:schemeClr val="accent1"/>
+          </a:effectRef>
+          <a:fontRef idx="minor">
+            <a:schemeClr val="lt1"/>
+          </a:fontRef>
+        </p:style>
+        <p:txBody>
+          <a:bodyPr rtlCol="0" anchor="ctr"/>
+          <a:lstStyle/>
+          <a:p>
+            <a:pPr algn="ctr"/>
+            <a:endParaRPr lang="en-US"/>
+          </a:p>
+        </p:txBody>
+      </p:sp>
+    </p:spTree>
+    <p:extLst>
+      <p:ext uri="{BB962C8B-B14F-4D97-AF65-F5344CB8AC3E}">
+        <p14:creationId xmlns:p14="http://schemas.microsoft.com/office/powerpoint/2010/main" val="4902195"/>
+      </p:ext>
+    </p:extLst>
+  </p:cSld>
+  <p:clrMapOvr>
+    <a:masterClrMapping/>
+  </p:clrMapOvr>
+</p:sld>
+</file>
+
+<file path=ppt/slides/slide14.xml><?xml version="1.0" encoding="utf-8"?>
+<p:sld xmlns:a="http://schemas.openxmlformats.org/drawingml/2006/main" xmlns:r="http://schemas.openxmlformats.org/officeDocument/2006/relationships" xmlns:p="http://schemas.openxmlformats.org/presentationml/2006/main">
+  <p:cSld>
+    <p:spTree>
+      <p:nvGrpSpPr>
+        <p:cNvPr id="1" name=""/>
+        <p:cNvGrpSpPr/>
+        <p:nvPr/>
+      </p:nvGrpSpPr>
+      <p:grpSpPr>
+        <a:xfrm>
+          <a:off x="0" y="0"/>
+          <a:ext cx="0" cy="0"/>
+          <a:chOff x="0" y="0"/>
+          <a:chExt cx="0" cy="0"/>
+        </a:xfrm>
+      </p:grpSpPr>
+      <p:sp>
+        <p:nvSpPr>
+          <p:cNvPr id="2" name="Title 1">
+            <a:extLst>
+              <a:ext uri="{FF2B5EF4-FFF2-40B4-BE49-F238E27FC236}">
+                <a16:creationId xmlns:a16="http://schemas.microsoft.com/office/drawing/2014/main" id="{6970270A-D021-4CBE-83B5-1E6EB4496FE6}"/>
+              </a:ext>
+            </a:extLst>
+          </p:cNvPr>
+          <p:cNvSpPr>
+            <a:spLocks noGrp="1"/>
+          </p:cNvSpPr>
+          <p:nvPr>
+            <p:ph type="title"/>
+          </p:nvPr>
+        </p:nvSpPr>
+        <p:spPr/>
+        <p:txBody>
+          <a:bodyPr/>
+          <a:lstStyle/>
+          <a:p>
+            <a:r>
+              <a:rPr lang="en-US" dirty="0"/>
+              <a:t>Ideal case</a:t>
+            </a:r>
+          </a:p>
+        </p:txBody>
+      </p:sp>
+      <p:pic>
+        <p:nvPicPr>
+          <p:cNvPr id="4098" name="Picture 2" descr="Open balls over uniformly\_distributed\_data">
+            <a:extLst>
+              <a:ext uri="{FF2B5EF4-FFF2-40B4-BE49-F238E27FC236}">
+                <a16:creationId xmlns:a16="http://schemas.microsoft.com/office/drawing/2014/main" id="{0A864D66-9CE8-4E13-B9F2-1E78A13ED979}"/>
+              </a:ext>
+            </a:extLst>
+          </p:cNvPr>
+          <p:cNvPicPr>
+            <a:picLocks noChangeAspect="1" noChangeArrowheads="1"/>
+          </p:cNvPicPr>
+          <p:nvPr/>
+        </p:nvPicPr>
+        <p:blipFill>
+          <a:blip r:embed="rId2">
+            <a:extLst>
+              <a:ext uri="{28A0092B-C50C-407E-A947-70E740481C1C}">
+                <a14:useLocalDpi xmlns:a14="http://schemas.microsoft.com/office/drawing/2010/main" val="0"/>
+              </a:ext>
+            </a:extLst>
+          </a:blip>
+          <a:srcRect/>
+          <a:stretch>
+            <a:fillRect/>
+          </a:stretch>
+        </p:blipFill>
+        <p:spPr bwMode="auto">
+          <a:xfrm>
+            <a:off x="2838450" y="1662113"/>
+            <a:ext cx="6515100" cy="3533775"/>
+          </a:xfrm>
+          <a:prstGeom prst="rect">
+            <a:avLst/>
+          </a:prstGeom>
+          <a:noFill/>
+          <a:extLst>
+            <a:ext uri="{909E8E84-426E-40DD-AFC4-6F175D3DCCD1}">
+              <a14:hiddenFill xmlns:a14="http://schemas.microsoft.com/office/drawing/2010/main">
+                <a:solidFill>
+                  <a:srgbClr val="FFFFFF"/>
+                </a:solidFill>
+              </a14:hiddenFill>
+            </a:ext>
+          </a:extLst>
+        </p:spPr>
+      </p:pic>
+      <p:sp>
+        <p:nvSpPr>
+          <p:cNvPr id="3" name="TextBox 2">
+            <a:extLst>
+              <a:ext uri="{FF2B5EF4-FFF2-40B4-BE49-F238E27FC236}">
+                <a16:creationId xmlns:a16="http://schemas.microsoft.com/office/drawing/2014/main" id="{BD4536F3-9875-4DEB-AA40-6B7CEAC7F471}"/>
+              </a:ext>
+            </a:extLst>
+          </p:cNvPr>
+          <p:cNvSpPr txBox="1"/>
+          <p:nvPr/>
+        </p:nvSpPr>
+        <p:spPr>
+          <a:xfrm>
+            <a:off x="3459637" y="5740924"/>
+            <a:ext cx="4786695" cy="369332"/>
+          </a:xfrm>
+          <a:prstGeom prst="rect">
+            <a:avLst/>
+          </a:prstGeom>
+          <a:noFill/>
+          <a:ln>
+            <a:solidFill>
+              <a:schemeClr val="tx1"/>
+            </a:solidFill>
+          </a:ln>
+        </p:spPr>
+        <p:txBody>
+          <a:bodyPr wrap="none" rtlCol="0">
+            <a:spAutoFit/>
+          </a:bodyPr>
+          <a:lstStyle/>
+          <a:p>
+            <a:r>
+              <a:rPr lang="en-US" dirty="0"/>
+              <a:t>"Evenly" space data: fiddle with radius until done</a:t>
+            </a:r>
+          </a:p>
+        </p:txBody>
+      </p:sp>
+    </p:spTree>
+    <p:extLst>
+      <p:ext uri="{BB962C8B-B14F-4D97-AF65-F5344CB8AC3E}">
+        <p14:creationId xmlns:p14="http://schemas.microsoft.com/office/powerpoint/2010/main" val="3675372092"/>
       </p:ext>
     </p:extLst>
   </p:cSld>
@@ -14164,6 +18144,2545 @@
 </p:sld>
 </file>
 
+<file path=ppt/slides/slide9.xml><?xml version="1.0" encoding="utf-8"?>
+<p:sld xmlns:a="http://schemas.openxmlformats.org/drawingml/2006/main" xmlns:r="http://schemas.openxmlformats.org/officeDocument/2006/relationships" xmlns:p="http://schemas.openxmlformats.org/presentationml/2006/main">
+  <p:cSld>
+    <p:spTree>
+      <p:nvGrpSpPr>
+        <p:cNvPr id="1" name=""/>
+        <p:cNvGrpSpPr/>
+        <p:nvPr/>
+      </p:nvGrpSpPr>
+      <p:grpSpPr>
+        <a:xfrm>
+          <a:off x="0" y="0"/>
+          <a:ext cx="0" cy="0"/>
+          <a:chOff x="0" y="0"/>
+          <a:chExt cx="0" cy="0"/>
+        </a:xfrm>
+      </p:grpSpPr>
+      <p:sp>
+        <p:nvSpPr>
+          <p:cNvPr id="2" name="Title 1">
+            <a:extLst>
+              <a:ext uri="{FF2B5EF4-FFF2-40B4-BE49-F238E27FC236}">
+                <a16:creationId xmlns:a16="http://schemas.microsoft.com/office/drawing/2014/main" id="{BCC0EC48-9B0E-438F-B431-E6540B64B987}"/>
+              </a:ext>
+            </a:extLst>
+          </p:cNvPr>
+          <p:cNvSpPr>
+            <a:spLocks noGrp="1"/>
+          </p:cNvSpPr>
+          <p:nvPr>
+            <p:ph type="title"/>
+          </p:nvPr>
+        </p:nvSpPr>
+        <p:spPr/>
+        <p:txBody>
+          <a:bodyPr/>
+          <a:lstStyle/>
+          <a:p>
+            <a:r>
+              <a:rPr lang="en-US" dirty="0"/>
+              <a:t>Ideas from algebraic topology</a:t>
+            </a:r>
+          </a:p>
+        </p:txBody>
+      </p:sp>
+      <p:sp>
+        <p:nvSpPr>
+          <p:cNvPr id="3" name="Content Placeholder 2">
+            <a:extLst>
+              <a:ext uri="{FF2B5EF4-FFF2-40B4-BE49-F238E27FC236}">
+                <a16:creationId xmlns:a16="http://schemas.microsoft.com/office/drawing/2014/main" id="{1F95DAE3-8D09-4D01-983B-A51DD4399164}"/>
+              </a:ext>
+            </a:extLst>
+          </p:cNvPr>
+          <p:cNvSpPr>
+            <a:spLocks noGrp="1"/>
+          </p:cNvSpPr>
+          <p:nvPr>
+            <p:ph idx="1"/>
+          </p:nvPr>
+        </p:nvSpPr>
+        <p:spPr/>
+        <p:txBody>
+          <a:bodyPr/>
+          <a:lstStyle/>
+          <a:p>
+            <a:r>
+              <a:rPr lang="en-US" i="1" dirty="0"/>
+              <a:t>k</a:t>
+            </a:r>
+            <a:r>
+              <a:rPr lang="en-US" dirty="0"/>
+              <a:t>-simplices</a:t>
+            </a:r>
+          </a:p>
+          <a:p>
+            <a:endParaRPr lang="en-US" dirty="0"/>
+          </a:p>
+          <a:p>
+            <a:endParaRPr lang="en-US" dirty="0"/>
+          </a:p>
+          <a:p>
+            <a:endParaRPr lang="en-US" dirty="0"/>
+          </a:p>
+          <a:p>
+            <a:r>
+              <a:rPr lang="en-US" dirty="0"/>
+              <a:t>Simplicial complexes</a:t>
+            </a:r>
+          </a:p>
+        </p:txBody>
+      </p:sp>
+      <p:sp>
+        <p:nvSpPr>
+          <p:cNvPr id="4" name="Oval 3">
+            <a:extLst>
+              <a:ext uri="{FF2B5EF4-FFF2-40B4-BE49-F238E27FC236}">
+                <a16:creationId xmlns:a16="http://schemas.microsoft.com/office/drawing/2014/main" id="{E74AFE6B-057B-409F-8ABC-3D60169C9BB8}"/>
+              </a:ext>
+            </a:extLst>
+          </p:cNvPr>
+          <p:cNvSpPr/>
+          <p:nvPr/>
+        </p:nvSpPr>
+        <p:spPr>
+          <a:xfrm>
+            <a:off x="1785668" y="2829464"/>
+            <a:ext cx="77638" cy="77638"/>
+          </a:xfrm>
+          <a:prstGeom prst="ellipse">
+            <a:avLst/>
+          </a:prstGeom>
+        </p:spPr>
+        <p:style>
+          <a:lnRef idx="2">
+            <a:schemeClr val="accent1">
+              <a:shade val="50000"/>
+            </a:schemeClr>
+          </a:lnRef>
+          <a:fillRef idx="1">
+            <a:schemeClr val="accent1"/>
+          </a:fillRef>
+          <a:effectRef idx="0">
+            <a:schemeClr val="accent1"/>
+          </a:effectRef>
+          <a:fontRef idx="minor">
+            <a:schemeClr val="lt1"/>
+          </a:fontRef>
+        </p:style>
+        <p:txBody>
+          <a:bodyPr rtlCol="0" anchor="ctr"/>
+          <a:lstStyle/>
+          <a:p>
+            <a:pPr algn="ctr"/>
+            <a:endParaRPr lang="en-US"/>
+          </a:p>
+        </p:txBody>
+      </p:sp>
+      <p:grpSp>
+        <p:nvGrpSpPr>
+          <p:cNvPr id="32" name="Group 31">
+            <a:extLst>
+              <a:ext uri="{FF2B5EF4-FFF2-40B4-BE49-F238E27FC236}">
+                <a16:creationId xmlns:a16="http://schemas.microsoft.com/office/drawing/2014/main" id="{4175F8AB-D4D6-4D29-9455-F318540AC112}"/>
+              </a:ext>
+            </a:extLst>
+          </p:cNvPr>
+          <p:cNvGrpSpPr/>
+          <p:nvPr/>
+        </p:nvGrpSpPr>
+        <p:grpSpPr>
+          <a:xfrm>
+            <a:off x="3037936" y="2829464"/>
+            <a:ext cx="501774" cy="77638"/>
+            <a:chOff x="3037936" y="2829464"/>
+            <a:chExt cx="501774" cy="77638"/>
+          </a:xfrm>
+        </p:grpSpPr>
+        <p:sp>
+          <p:nvSpPr>
+            <p:cNvPr id="5" name="Oval 4">
+              <a:extLst>
+                <a:ext uri="{FF2B5EF4-FFF2-40B4-BE49-F238E27FC236}">
+                  <a16:creationId xmlns:a16="http://schemas.microsoft.com/office/drawing/2014/main" id="{F9528F25-BFB0-4FA6-8A7E-C66531D85F55}"/>
+                </a:ext>
+              </a:extLst>
+            </p:cNvPr>
+            <p:cNvSpPr/>
+            <p:nvPr/>
+          </p:nvSpPr>
+          <p:spPr>
+            <a:xfrm>
+              <a:off x="3037936" y="2829464"/>
+              <a:ext cx="77638" cy="77638"/>
+            </a:xfrm>
+            <a:prstGeom prst="ellipse">
+              <a:avLst/>
+            </a:prstGeom>
+          </p:spPr>
+          <p:style>
+            <a:lnRef idx="2">
+              <a:schemeClr val="accent1">
+                <a:shade val="50000"/>
+              </a:schemeClr>
+            </a:lnRef>
+            <a:fillRef idx="1">
+              <a:schemeClr val="accent1"/>
+            </a:fillRef>
+            <a:effectRef idx="0">
+              <a:schemeClr val="accent1"/>
+            </a:effectRef>
+            <a:fontRef idx="minor">
+              <a:schemeClr val="lt1"/>
+            </a:fontRef>
+          </p:style>
+          <p:txBody>
+            <a:bodyPr rtlCol="0" anchor="ctr"/>
+            <a:lstStyle/>
+            <a:p>
+              <a:pPr algn="ctr"/>
+              <a:endParaRPr lang="en-US"/>
+            </a:p>
+          </p:txBody>
+        </p:sp>
+        <p:sp>
+          <p:nvSpPr>
+            <p:cNvPr id="6" name="Oval 5">
+              <a:extLst>
+                <a:ext uri="{FF2B5EF4-FFF2-40B4-BE49-F238E27FC236}">
+                  <a16:creationId xmlns:a16="http://schemas.microsoft.com/office/drawing/2014/main" id="{054F0093-53E9-423C-B766-961839680388}"/>
+                </a:ext>
+              </a:extLst>
+            </p:cNvPr>
+            <p:cNvSpPr/>
+            <p:nvPr/>
+          </p:nvSpPr>
+          <p:spPr>
+            <a:xfrm>
+              <a:off x="3462072" y="2829464"/>
+              <a:ext cx="77638" cy="77638"/>
+            </a:xfrm>
+            <a:prstGeom prst="ellipse">
+              <a:avLst/>
+            </a:prstGeom>
+          </p:spPr>
+          <p:style>
+            <a:lnRef idx="2">
+              <a:schemeClr val="accent1">
+                <a:shade val="50000"/>
+              </a:schemeClr>
+            </a:lnRef>
+            <a:fillRef idx="1">
+              <a:schemeClr val="accent1"/>
+            </a:fillRef>
+            <a:effectRef idx="0">
+              <a:schemeClr val="accent1"/>
+            </a:effectRef>
+            <a:fontRef idx="minor">
+              <a:schemeClr val="lt1"/>
+            </a:fontRef>
+          </p:style>
+          <p:txBody>
+            <a:bodyPr rtlCol="0" anchor="ctr"/>
+            <a:lstStyle/>
+            <a:p>
+              <a:pPr algn="ctr"/>
+              <a:endParaRPr lang="en-US"/>
+            </a:p>
+          </p:txBody>
+        </p:sp>
+        <p:cxnSp>
+          <p:nvCxnSpPr>
+            <p:cNvPr id="8" name="Straight Connector 7">
+              <a:extLst>
+                <a:ext uri="{FF2B5EF4-FFF2-40B4-BE49-F238E27FC236}">
+                  <a16:creationId xmlns:a16="http://schemas.microsoft.com/office/drawing/2014/main" id="{D6316EE9-1C49-4360-B978-9B3D4066DE11}"/>
+                </a:ext>
+              </a:extLst>
+            </p:cNvPr>
+            <p:cNvCxnSpPr>
+              <a:cxnSpLocks/>
+              <a:stCxn id="5" idx="6"/>
+            </p:cNvCxnSpPr>
+            <p:nvPr/>
+          </p:nvCxnSpPr>
+          <p:spPr>
+            <a:xfrm>
+              <a:off x="3115574" y="2868283"/>
+              <a:ext cx="385317" cy="0"/>
+            </a:xfrm>
+            <a:prstGeom prst="line">
+              <a:avLst/>
+            </a:prstGeom>
+          </p:spPr>
+          <p:style>
+            <a:lnRef idx="1">
+              <a:schemeClr val="accent1"/>
+            </a:lnRef>
+            <a:fillRef idx="0">
+              <a:schemeClr val="accent1"/>
+            </a:fillRef>
+            <a:effectRef idx="0">
+              <a:schemeClr val="accent1"/>
+            </a:effectRef>
+            <a:fontRef idx="minor">
+              <a:schemeClr val="tx1"/>
+            </a:fontRef>
+          </p:style>
+        </p:cxnSp>
+      </p:grpSp>
+      <p:grpSp>
+        <p:nvGrpSpPr>
+          <p:cNvPr id="33" name="Group 32">
+            <a:extLst>
+              <a:ext uri="{FF2B5EF4-FFF2-40B4-BE49-F238E27FC236}">
+                <a16:creationId xmlns:a16="http://schemas.microsoft.com/office/drawing/2014/main" id="{B2321C59-EF94-4AAF-9E5C-CA4C311A44DC}"/>
+              </a:ext>
+            </a:extLst>
+          </p:cNvPr>
+          <p:cNvGrpSpPr/>
+          <p:nvPr/>
+        </p:nvGrpSpPr>
+        <p:grpSpPr>
+          <a:xfrm>
+            <a:off x="4509982" y="2546230"/>
+            <a:ext cx="501774" cy="365185"/>
+            <a:chOff x="4509982" y="2546230"/>
+            <a:chExt cx="501774" cy="365185"/>
+          </a:xfrm>
+        </p:grpSpPr>
+        <p:sp>
+          <p:nvSpPr>
+            <p:cNvPr id="11" name="Oval 10">
+              <a:extLst>
+                <a:ext uri="{FF2B5EF4-FFF2-40B4-BE49-F238E27FC236}">
+                  <a16:creationId xmlns:a16="http://schemas.microsoft.com/office/drawing/2014/main" id="{9695A2DE-4DB9-4F71-9CC3-F18D9C92C7FA}"/>
+                </a:ext>
+              </a:extLst>
+            </p:cNvPr>
+            <p:cNvSpPr/>
+            <p:nvPr/>
+          </p:nvSpPr>
+          <p:spPr>
+            <a:xfrm>
+              <a:off x="4509982" y="2833777"/>
+              <a:ext cx="77638" cy="77638"/>
+            </a:xfrm>
+            <a:prstGeom prst="ellipse">
+              <a:avLst/>
+            </a:prstGeom>
+          </p:spPr>
+          <p:style>
+            <a:lnRef idx="2">
+              <a:schemeClr val="accent1">
+                <a:shade val="50000"/>
+              </a:schemeClr>
+            </a:lnRef>
+            <a:fillRef idx="1">
+              <a:schemeClr val="accent1"/>
+            </a:fillRef>
+            <a:effectRef idx="0">
+              <a:schemeClr val="accent1"/>
+            </a:effectRef>
+            <a:fontRef idx="minor">
+              <a:schemeClr val="lt1"/>
+            </a:fontRef>
+          </p:style>
+          <p:txBody>
+            <a:bodyPr rtlCol="0" anchor="ctr"/>
+            <a:lstStyle/>
+            <a:p>
+              <a:pPr algn="ctr"/>
+              <a:endParaRPr lang="en-US"/>
+            </a:p>
+          </p:txBody>
+        </p:sp>
+        <p:sp>
+          <p:nvSpPr>
+            <p:cNvPr id="12" name="Oval 11">
+              <a:extLst>
+                <a:ext uri="{FF2B5EF4-FFF2-40B4-BE49-F238E27FC236}">
+                  <a16:creationId xmlns:a16="http://schemas.microsoft.com/office/drawing/2014/main" id="{1074E097-27A9-499C-A0C8-5632A50B9A59}"/>
+                </a:ext>
+              </a:extLst>
+            </p:cNvPr>
+            <p:cNvSpPr/>
+            <p:nvPr/>
+          </p:nvSpPr>
+          <p:spPr>
+            <a:xfrm>
+              <a:off x="4934118" y="2833777"/>
+              <a:ext cx="77638" cy="77638"/>
+            </a:xfrm>
+            <a:prstGeom prst="ellipse">
+              <a:avLst/>
+            </a:prstGeom>
+          </p:spPr>
+          <p:style>
+            <a:lnRef idx="2">
+              <a:schemeClr val="accent1">
+                <a:shade val="50000"/>
+              </a:schemeClr>
+            </a:lnRef>
+            <a:fillRef idx="1">
+              <a:schemeClr val="accent1"/>
+            </a:fillRef>
+            <a:effectRef idx="0">
+              <a:schemeClr val="accent1"/>
+            </a:effectRef>
+            <a:fontRef idx="minor">
+              <a:schemeClr val="lt1"/>
+            </a:fontRef>
+          </p:style>
+          <p:txBody>
+            <a:bodyPr rtlCol="0" anchor="ctr"/>
+            <a:lstStyle/>
+            <a:p>
+              <a:pPr algn="ctr"/>
+              <a:endParaRPr lang="en-US"/>
+            </a:p>
+          </p:txBody>
+        </p:sp>
+        <p:cxnSp>
+          <p:nvCxnSpPr>
+            <p:cNvPr id="13" name="Straight Connector 12">
+              <a:extLst>
+                <a:ext uri="{FF2B5EF4-FFF2-40B4-BE49-F238E27FC236}">
+                  <a16:creationId xmlns:a16="http://schemas.microsoft.com/office/drawing/2014/main" id="{10684DE9-5819-4DA7-A4B2-29DC1298EB6D}"/>
+                </a:ext>
+              </a:extLst>
+            </p:cNvPr>
+            <p:cNvCxnSpPr>
+              <a:cxnSpLocks/>
+              <a:stCxn id="11" idx="6"/>
+            </p:cNvCxnSpPr>
+            <p:nvPr/>
+          </p:nvCxnSpPr>
+          <p:spPr>
+            <a:xfrm>
+              <a:off x="4587620" y="2872596"/>
+              <a:ext cx="385317" cy="0"/>
+            </a:xfrm>
+            <a:prstGeom prst="line">
+              <a:avLst/>
+            </a:prstGeom>
+          </p:spPr>
+          <p:style>
+            <a:lnRef idx="1">
+              <a:schemeClr val="accent1"/>
+            </a:lnRef>
+            <a:fillRef idx="0">
+              <a:schemeClr val="accent1"/>
+            </a:fillRef>
+            <a:effectRef idx="0">
+              <a:schemeClr val="accent1"/>
+            </a:effectRef>
+            <a:fontRef idx="minor">
+              <a:schemeClr val="tx1"/>
+            </a:fontRef>
+          </p:style>
+        </p:cxnSp>
+        <p:sp>
+          <p:nvSpPr>
+            <p:cNvPr id="14" name="Oval 13">
+              <a:extLst>
+                <a:ext uri="{FF2B5EF4-FFF2-40B4-BE49-F238E27FC236}">
+                  <a16:creationId xmlns:a16="http://schemas.microsoft.com/office/drawing/2014/main" id="{0B339D69-6ACE-4E77-A8D0-0D95FDC6391F}"/>
+                </a:ext>
+              </a:extLst>
+            </p:cNvPr>
+            <p:cNvSpPr/>
+            <p:nvPr/>
+          </p:nvSpPr>
+          <p:spPr>
+            <a:xfrm>
+              <a:off x="4688261" y="2546230"/>
+              <a:ext cx="77638" cy="77638"/>
+            </a:xfrm>
+            <a:prstGeom prst="ellipse">
+              <a:avLst/>
+            </a:prstGeom>
+          </p:spPr>
+          <p:style>
+            <a:lnRef idx="2">
+              <a:schemeClr val="accent1">
+                <a:shade val="50000"/>
+              </a:schemeClr>
+            </a:lnRef>
+            <a:fillRef idx="1">
+              <a:schemeClr val="accent1"/>
+            </a:fillRef>
+            <a:effectRef idx="0">
+              <a:schemeClr val="accent1"/>
+            </a:effectRef>
+            <a:fontRef idx="minor">
+              <a:schemeClr val="lt1"/>
+            </a:fontRef>
+          </p:style>
+          <p:txBody>
+            <a:bodyPr rtlCol="0" anchor="ctr"/>
+            <a:lstStyle/>
+            <a:p>
+              <a:pPr algn="ctr"/>
+              <a:endParaRPr lang="en-US"/>
+            </a:p>
+          </p:txBody>
+        </p:sp>
+        <p:cxnSp>
+          <p:nvCxnSpPr>
+            <p:cNvPr id="15" name="Straight Connector 14">
+              <a:extLst>
+                <a:ext uri="{FF2B5EF4-FFF2-40B4-BE49-F238E27FC236}">
+                  <a16:creationId xmlns:a16="http://schemas.microsoft.com/office/drawing/2014/main" id="{E0268371-4332-4347-9E91-2E0D5BE4AA63}"/>
+                </a:ext>
+              </a:extLst>
+            </p:cNvPr>
+            <p:cNvCxnSpPr>
+              <a:cxnSpLocks/>
+              <a:stCxn id="14" idx="5"/>
+              <a:endCxn id="12" idx="1"/>
+            </p:cNvCxnSpPr>
+            <p:nvPr/>
+          </p:nvCxnSpPr>
+          <p:spPr>
+            <a:xfrm>
+              <a:off x="4754529" y="2612498"/>
+              <a:ext cx="190959" cy="232649"/>
+            </a:xfrm>
+            <a:prstGeom prst="line">
+              <a:avLst/>
+            </a:prstGeom>
+          </p:spPr>
+          <p:style>
+            <a:lnRef idx="1">
+              <a:schemeClr val="accent1"/>
+            </a:lnRef>
+            <a:fillRef idx="0">
+              <a:schemeClr val="accent1"/>
+            </a:fillRef>
+            <a:effectRef idx="0">
+              <a:schemeClr val="accent1"/>
+            </a:effectRef>
+            <a:fontRef idx="minor">
+              <a:schemeClr val="tx1"/>
+            </a:fontRef>
+          </p:style>
+        </p:cxnSp>
+        <p:cxnSp>
+          <p:nvCxnSpPr>
+            <p:cNvPr id="19" name="Straight Connector 18">
+              <a:extLst>
+                <a:ext uri="{FF2B5EF4-FFF2-40B4-BE49-F238E27FC236}">
+                  <a16:creationId xmlns:a16="http://schemas.microsoft.com/office/drawing/2014/main" id="{A84C96ED-9DA8-4930-B03C-898D4DD5EE18}"/>
+                </a:ext>
+              </a:extLst>
+            </p:cNvPr>
+            <p:cNvCxnSpPr>
+              <a:cxnSpLocks/>
+              <a:stCxn id="14" idx="3"/>
+              <a:endCxn id="11" idx="7"/>
+            </p:cNvCxnSpPr>
+            <p:nvPr/>
+          </p:nvCxnSpPr>
+          <p:spPr>
+            <a:xfrm flipH="1">
+              <a:off x="4576250" y="2612498"/>
+              <a:ext cx="123381" cy="232649"/>
+            </a:xfrm>
+            <a:prstGeom prst="line">
+              <a:avLst/>
+            </a:prstGeom>
+          </p:spPr>
+          <p:style>
+            <a:lnRef idx="1">
+              <a:schemeClr val="accent1"/>
+            </a:lnRef>
+            <a:fillRef idx="0">
+              <a:schemeClr val="accent1"/>
+            </a:fillRef>
+            <a:effectRef idx="0">
+              <a:schemeClr val="accent1"/>
+            </a:effectRef>
+            <a:fontRef idx="minor">
+              <a:schemeClr val="tx1"/>
+            </a:fontRef>
+          </p:style>
+        </p:cxnSp>
+      </p:grpSp>
+      <p:sp>
+        <p:nvSpPr>
+          <p:cNvPr id="22" name="TextBox 21">
+            <a:extLst>
+              <a:ext uri="{FF2B5EF4-FFF2-40B4-BE49-F238E27FC236}">
+                <a16:creationId xmlns:a16="http://schemas.microsoft.com/office/drawing/2014/main" id="{91156104-1E29-4656-8925-E93F7434ACC2}"/>
+              </a:ext>
+            </a:extLst>
+          </p:cNvPr>
+          <p:cNvSpPr txBox="1"/>
+          <p:nvPr/>
+        </p:nvSpPr>
+        <p:spPr>
+          <a:xfrm>
+            <a:off x="1243019" y="3140952"/>
+            <a:ext cx="1085297" cy="369332"/>
+          </a:xfrm>
+          <a:prstGeom prst="rect">
+            <a:avLst/>
+          </a:prstGeom>
+          <a:noFill/>
+        </p:spPr>
+        <p:txBody>
+          <a:bodyPr wrap="none" rtlCol="0">
+            <a:spAutoFit/>
+          </a:bodyPr>
+          <a:lstStyle/>
+          <a:p>
+            <a:r>
+              <a:rPr lang="en-US" dirty="0"/>
+              <a:t>0-simplex</a:t>
+            </a:r>
+          </a:p>
+        </p:txBody>
+      </p:sp>
+      <p:sp>
+        <p:nvSpPr>
+          <p:cNvPr id="23" name="TextBox 22">
+            <a:extLst>
+              <a:ext uri="{FF2B5EF4-FFF2-40B4-BE49-F238E27FC236}">
+                <a16:creationId xmlns:a16="http://schemas.microsoft.com/office/drawing/2014/main" id="{7DB7C308-4899-49CC-8272-7AEA094880AE}"/>
+              </a:ext>
+            </a:extLst>
+          </p:cNvPr>
+          <p:cNvSpPr txBox="1"/>
+          <p:nvPr/>
+        </p:nvSpPr>
+        <p:spPr>
+          <a:xfrm>
+            <a:off x="2733135" y="3140952"/>
+            <a:ext cx="1085297" cy="369332"/>
+          </a:xfrm>
+          <a:prstGeom prst="rect">
+            <a:avLst/>
+          </a:prstGeom>
+          <a:noFill/>
+        </p:spPr>
+        <p:txBody>
+          <a:bodyPr wrap="none" rtlCol="0">
+            <a:spAutoFit/>
+          </a:bodyPr>
+          <a:lstStyle/>
+          <a:p>
+            <a:r>
+              <a:rPr lang="en-US" dirty="0"/>
+              <a:t>1-simplex</a:t>
+            </a:r>
+          </a:p>
+        </p:txBody>
+      </p:sp>
+      <p:sp>
+        <p:nvSpPr>
+          <p:cNvPr id="24" name="TextBox 23">
+            <a:extLst>
+              <a:ext uri="{FF2B5EF4-FFF2-40B4-BE49-F238E27FC236}">
+                <a16:creationId xmlns:a16="http://schemas.microsoft.com/office/drawing/2014/main" id="{06F8F4B9-520F-4CC2-A746-CF8958E6A867}"/>
+              </a:ext>
+            </a:extLst>
+          </p:cNvPr>
+          <p:cNvSpPr txBox="1"/>
+          <p:nvPr/>
+        </p:nvSpPr>
+        <p:spPr>
+          <a:xfrm>
+            <a:off x="4223251" y="3140952"/>
+            <a:ext cx="1085297" cy="369332"/>
+          </a:xfrm>
+          <a:prstGeom prst="rect">
+            <a:avLst/>
+          </a:prstGeom>
+          <a:noFill/>
+        </p:spPr>
+        <p:txBody>
+          <a:bodyPr wrap="none" rtlCol="0">
+            <a:spAutoFit/>
+          </a:bodyPr>
+          <a:lstStyle/>
+          <a:p>
+            <a:r>
+              <a:rPr lang="en-US" dirty="0"/>
+              <a:t>2-simplex</a:t>
+            </a:r>
+          </a:p>
+        </p:txBody>
+      </p:sp>
+      <p:sp>
+        <p:nvSpPr>
+          <p:cNvPr id="25" name="TextBox 24">
+            <a:extLst>
+              <a:ext uri="{FF2B5EF4-FFF2-40B4-BE49-F238E27FC236}">
+                <a16:creationId xmlns:a16="http://schemas.microsoft.com/office/drawing/2014/main" id="{96484C79-65CF-411D-98AD-F28A829CA435}"/>
+              </a:ext>
+            </a:extLst>
+          </p:cNvPr>
+          <p:cNvSpPr txBox="1"/>
+          <p:nvPr/>
+        </p:nvSpPr>
+        <p:spPr>
+          <a:xfrm>
+            <a:off x="5896828" y="3140952"/>
+            <a:ext cx="1085297" cy="369332"/>
+          </a:xfrm>
+          <a:prstGeom prst="rect">
+            <a:avLst/>
+          </a:prstGeom>
+          <a:noFill/>
+        </p:spPr>
+        <p:txBody>
+          <a:bodyPr wrap="none" rtlCol="0">
+            <a:spAutoFit/>
+          </a:bodyPr>
+          <a:lstStyle/>
+          <a:p>
+            <a:r>
+              <a:rPr lang="en-US" dirty="0"/>
+              <a:t>3-simplex</a:t>
+            </a:r>
+          </a:p>
+        </p:txBody>
+      </p:sp>
+      <p:grpSp>
+        <p:nvGrpSpPr>
+          <p:cNvPr id="46" name="Group 45">
+            <a:extLst>
+              <a:ext uri="{FF2B5EF4-FFF2-40B4-BE49-F238E27FC236}">
+                <a16:creationId xmlns:a16="http://schemas.microsoft.com/office/drawing/2014/main" id="{3A9968D4-4809-4DE7-9027-83F0B177133A}"/>
+              </a:ext>
+            </a:extLst>
+          </p:cNvPr>
+          <p:cNvGrpSpPr/>
+          <p:nvPr/>
+        </p:nvGrpSpPr>
+        <p:grpSpPr>
+          <a:xfrm>
+            <a:off x="6152678" y="2541917"/>
+            <a:ext cx="501774" cy="365185"/>
+            <a:chOff x="6351850" y="2541917"/>
+            <a:chExt cx="501774" cy="365185"/>
+          </a:xfrm>
+        </p:grpSpPr>
+        <p:sp>
+          <p:nvSpPr>
+            <p:cNvPr id="26" name="Oval 25">
+              <a:extLst>
+                <a:ext uri="{FF2B5EF4-FFF2-40B4-BE49-F238E27FC236}">
+                  <a16:creationId xmlns:a16="http://schemas.microsoft.com/office/drawing/2014/main" id="{AA779C96-F220-4BCA-A495-5CC3193234C9}"/>
+                </a:ext>
+              </a:extLst>
+            </p:cNvPr>
+            <p:cNvSpPr/>
+            <p:nvPr/>
+          </p:nvSpPr>
+          <p:spPr>
+            <a:xfrm>
+              <a:off x="6351850" y="2829464"/>
+              <a:ext cx="77638" cy="77638"/>
+            </a:xfrm>
+            <a:prstGeom prst="ellipse">
+              <a:avLst/>
+            </a:prstGeom>
+          </p:spPr>
+          <p:style>
+            <a:lnRef idx="2">
+              <a:schemeClr val="accent1">
+                <a:shade val="50000"/>
+              </a:schemeClr>
+            </a:lnRef>
+            <a:fillRef idx="1">
+              <a:schemeClr val="accent1"/>
+            </a:fillRef>
+            <a:effectRef idx="0">
+              <a:schemeClr val="accent1"/>
+            </a:effectRef>
+            <a:fontRef idx="minor">
+              <a:schemeClr val="lt1"/>
+            </a:fontRef>
+          </p:style>
+          <p:txBody>
+            <a:bodyPr rtlCol="0" anchor="ctr"/>
+            <a:lstStyle/>
+            <a:p>
+              <a:pPr algn="ctr"/>
+              <a:endParaRPr lang="en-US"/>
+            </a:p>
+          </p:txBody>
+        </p:sp>
+        <p:sp>
+          <p:nvSpPr>
+            <p:cNvPr id="27" name="Oval 26">
+              <a:extLst>
+                <a:ext uri="{FF2B5EF4-FFF2-40B4-BE49-F238E27FC236}">
+                  <a16:creationId xmlns:a16="http://schemas.microsoft.com/office/drawing/2014/main" id="{4477D633-ACC8-4313-B853-3143BB6F9305}"/>
+                </a:ext>
+              </a:extLst>
+            </p:cNvPr>
+            <p:cNvSpPr/>
+            <p:nvPr/>
+          </p:nvSpPr>
+          <p:spPr>
+            <a:xfrm>
+              <a:off x="6775986" y="2829464"/>
+              <a:ext cx="77638" cy="77638"/>
+            </a:xfrm>
+            <a:prstGeom prst="ellipse">
+              <a:avLst/>
+            </a:prstGeom>
+          </p:spPr>
+          <p:style>
+            <a:lnRef idx="2">
+              <a:schemeClr val="accent1">
+                <a:shade val="50000"/>
+              </a:schemeClr>
+            </a:lnRef>
+            <a:fillRef idx="1">
+              <a:schemeClr val="accent1"/>
+            </a:fillRef>
+            <a:effectRef idx="0">
+              <a:schemeClr val="accent1"/>
+            </a:effectRef>
+            <a:fontRef idx="minor">
+              <a:schemeClr val="lt1"/>
+            </a:fontRef>
+          </p:style>
+          <p:txBody>
+            <a:bodyPr rtlCol="0" anchor="ctr"/>
+            <a:lstStyle/>
+            <a:p>
+              <a:pPr algn="ctr"/>
+              <a:endParaRPr lang="en-US"/>
+            </a:p>
+          </p:txBody>
+        </p:sp>
+        <p:cxnSp>
+          <p:nvCxnSpPr>
+            <p:cNvPr id="28" name="Straight Connector 27">
+              <a:extLst>
+                <a:ext uri="{FF2B5EF4-FFF2-40B4-BE49-F238E27FC236}">
+                  <a16:creationId xmlns:a16="http://schemas.microsoft.com/office/drawing/2014/main" id="{49AF0C5B-7B77-41A6-9DD0-CE4CD979123B}"/>
+                </a:ext>
+              </a:extLst>
+            </p:cNvPr>
+            <p:cNvCxnSpPr>
+              <a:cxnSpLocks/>
+              <a:stCxn id="26" idx="6"/>
+            </p:cNvCxnSpPr>
+            <p:nvPr/>
+          </p:nvCxnSpPr>
+          <p:spPr>
+            <a:xfrm>
+              <a:off x="6429488" y="2868283"/>
+              <a:ext cx="385317" cy="0"/>
+            </a:xfrm>
+            <a:prstGeom prst="line">
+              <a:avLst/>
+            </a:prstGeom>
+          </p:spPr>
+          <p:style>
+            <a:lnRef idx="1">
+              <a:schemeClr val="accent1"/>
+            </a:lnRef>
+            <a:fillRef idx="0">
+              <a:schemeClr val="accent1"/>
+            </a:fillRef>
+            <a:effectRef idx="0">
+              <a:schemeClr val="accent1"/>
+            </a:effectRef>
+            <a:fontRef idx="minor">
+              <a:schemeClr val="tx1"/>
+            </a:fontRef>
+          </p:style>
+        </p:cxnSp>
+        <p:sp>
+          <p:nvSpPr>
+            <p:cNvPr id="29" name="Oval 28">
+              <a:extLst>
+                <a:ext uri="{FF2B5EF4-FFF2-40B4-BE49-F238E27FC236}">
+                  <a16:creationId xmlns:a16="http://schemas.microsoft.com/office/drawing/2014/main" id="{DF18724D-931F-4AA5-A1B2-F06F8C56C3AF}"/>
+                </a:ext>
+              </a:extLst>
+            </p:cNvPr>
+            <p:cNvSpPr/>
+            <p:nvPr/>
+          </p:nvSpPr>
+          <p:spPr>
+            <a:xfrm>
+              <a:off x="6530129" y="2541917"/>
+              <a:ext cx="77638" cy="77638"/>
+            </a:xfrm>
+            <a:prstGeom prst="ellipse">
+              <a:avLst/>
+            </a:prstGeom>
+          </p:spPr>
+          <p:style>
+            <a:lnRef idx="2">
+              <a:schemeClr val="accent1">
+                <a:shade val="50000"/>
+              </a:schemeClr>
+            </a:lnRef>
+            <a:fillRef idx="1">
+              <a:schemeClr val="accent1"/>
+            </a:fillRef>
+            <a:effectRef idx="0">
+              <a:schemeClr val="accent1"/>
+            </a:effectRef>
+            <a:fontRef idx="minor">
+              <a:schemeClr val="lt1"/>
+            </a:fontRef>
+          </p:style>
+          <p:txBody>
+            <a:bodyPr rtlCol="0" anchor="ctr"/>
+            <a:lstStyle/>
+            <a:p>
+              <a:pPr algn="ctr"/>
+              <a:endParaRPr lang="en-US"/>
+            </a:p>
+          </p:txBody>
+        </p:sp>
+        <p:cxnSp>
+          <p:nvCxnSpPr>
+            <p:cNvPr id="30" name="Straight Connector 29">
+              <a:extLst>
+                <a:ext uri="{FF2B5EF4-FFF2-40B4-BE49-F238E27FC236}">
+                  <a16:creationId xmlns:a16="http://schemas.microsoft.com/office/drawing/2014/main" id="{D0AD58F0-3FAD-4DC6-8763-D5BC35079AC1}"/>
+                </a:ext>
+              </a:extLst>
+            </p:cNvPr>
+            <p:cNvCxnSpPr>
+              <a:cxnSpLocks/>
+              <a:stCxn id="29" idx="4"/>
+              <a:endCxn id="27" idx="1"/>
+            </p:cNvCxnSpPr>
+            <p:nvPr/>
+          </p:nvCxnSpPr>
+          <p:spPr>
+            <a:xfrm>
+              <a:off x="6568948" y="2619555"/>
+              <a:ext cx="218408" cy="221279"/>
+            </a:xfrm>
+            <a:prstGeom prst="line">
+              <a:avLst/>
+            </a:prstGeom>
+          </p:spPr>
+          <p:style>
+            <a:lnRef idx="1">
+              <a:schemeClr val="accent1"/>
+            </a:lnRef>
+            <a:fillRef idx="0">
+              <a:schemeClr val="accent1"/>
+            </a:fillRef>
+            <a:effectRef idx="0">
+              <a:schemeClr val="accent1"/>
+            </a:effectRef>
+            <a:fontRef idx="minor">
+              <a:schemeClr val="tx1"/>
+            </a:fontRef>
+          </p:style>
+        </p:cxnSp>
+        <p:cxnSp>
+          <p:nvCxnSpPr>
+            <p:cNvPr id="31" name="Straight Connector 30">
+              <a:extLst>
+                <a:ext uri="{FF2B5EF4-FFF2-40B4-BE49-F238E27FC236}">
+                  <a16:creationId xmlns:a16="http://schemas.microsoft.com/office/drawing/2014/main" id="{477BE370-99CA-4721-9593-5A7010BF7C77}"/>
+                </a:ext>
+              </a:extLst>
+            </p:cNvPr>
+            <p:cNvCxnSpPr>
+              <a:cxnSpLocks/>
+              <a:stCxn id="29" idx="3"/>
+              <a:endCxn id="26" idx="7"/>
+            </p:cNvCxnSpPr>
+            <p:nvPr/>
+          </p:nvCxnSpPr>
+          <p:spPr>
+            <a:xfrm flipH="1">
+              <a:off x="6418118" y="2608185"/>
+              <a:ext cx="123381" cy="232649"/>
+            </a:xfrm>
+            <a:prstGeom prst="line">
+              <a:avLst/>
+            </a:prstGeom>
+          </p:spPr>
+          <p:style>
+            <a:lnRef idx="1">
+              <a:schemeClr val="accent1"/>
+            </a:lnRef>
+            <a:fillRef idx="0">
+              <a:schemeClr val="accent1"/>
+            </a:fillRef>
+            <a:effectRef idx="0">
+              <a:schemeClr val="accent1"/>
+            </a:effectRef>
+            <a:fontRef idx="minor">
+              <a:schemeClr val="tx1"/>
+            </a:fontRef>
+          </p:style>
+        </p:cxnSp>
+        <p:sp>
+          <p:nvSpPr>
+            <p:cNvPr id="34" name="Oval 33">
+              <a:extLst>
+                <a:ext uri="{FF2B5EF4-FFF2-40B4-BE49-F238E27FC236}">
+                  <a16:creationId xmlns:a16="http://schemas.microsoft.com/office/drawing/2014/main" id="{C28E0868-9F81-438C-931F-5F48561980C7}"/>
+                </a:ext>
+              </a:extLst>
+            </p:cNvPr>
+            <p:cNvSpPr/>
+            <p:nvPr/>
+          </p:nvSpPr>
+          <p:spPr>
+            <a:xfrm>
+              <a:off x="6748537" y="2675844"/>
+              <a:ext cx="77638" cy="77638"/>
+            </a:xfrm>
+            <a:prstGeom prst="ellipse">
+              <a:avLst/>
+            </a:prstGeom>
+          </p:spPr>
+          <p:style>
+            <a:lnRef idx="2">
+              <a:schemeClr val="accent1">
+                <a:shade val="50000"/>
+              </a:schemeClr>
+            </a:lnRef>
+            <a:fillRef idx="1">
+              <a:schemeClr val="accent1"/>
+            </a:fillRef>
+            <a:effectRef idx="0">
+              <a:schemeClr val="accent1"/>
+            </a:effectRef>
+            <a:fontRef idx="minor">
+              <a:schemeClr val="lt1"/>
+            </a:fontRef>
+          </p:style>
+          <p:txBody>
+            <a:bodyPr rtlCol="0" anchor="ctr"/>
+            <a:lstStyle/>
+            <a:p>
+              <a:pPr algn="ctr"/>
+              <a:endParaRPr lang="en-US"/>
+            </a:p>
+          </p:txBody>
+        </p:sp>
+        <p:cxnSp>
+          <p:nvCxnSpPr>
+            <p:cNvPr id="36" name="Straight Connector 35">
+              <a:extLst>
+                <a:ext uri="{FF2B5EF4-FFF2-40B4-BE49-F238E27FC236}">
+                  <a16:creationId xmlns:a16="http://schemas.microsoft.com/office/drawing/2014/main" id="{3F8C9A33-27E9-4BCE-8BB9-E96F96F1396E}"/>
+                </a:ext>
+              </a:extLst>
+            </p:cNvPr>
+            <p:cNvCxnSpPr>
+              <a:cxnSpLocks/>
+              <a:stCxn id="29" idx="5"/>
+              <a:endCxn id="34" idx="1"/>
+            </p:cNvCxnSpPr>
+            <p:nvPr/>
+          </p:nvCxnSpPr>
+          <p:spPr>
+            <a:xfrm>
+              <a:off x="6596397" y="2608185"/>
+              <a:ext cx="163510" cy="79029"/>
+            </a:xfrm>
+            <a:prstGeom prst="line">
+              <a:avLst/>
+            </a:prstGeom>
+          </p:spPr>
+          <p:style>
+            <a:lnRef idx="1">
+              <a:schemeClr val="accent1"/>
+            </a:lnRef>
+            <a:fillRef idx="0">
+              <a:schemeClr val="accent1"/>
+            </a:fillRef>
+            <a:effectRef idx="0">
+              <a:schemeClr val="accent1"/>
+            </a:effectRef>
+            <a:fontRef idx="minor">
+              <a:schemeClr val="tx1"/>
+            </a:fontRef>
+          </p:style>
+        </p:cxnSp>
+        <p:cxnSp>
+          <p:nvCxnSpPr>
+            <p:cNvPr id="40" name="Straight Connector 39">
+              <a:extLst>
+                <a:ext uri="{FF2B5EF4-FFF2-40B4-BE49-F238E27FC236}">
+                  <a16:creationId xmlns:a16="http://schemas.microsoft.com/office/drawing/2014/main" id="{58C60BBB-4B4A-4677-99A2-90FF7A421FC7}"/>
+                </a:ext>
+              </a:extLst>
+            </p:cNvPr>
+            <p:cNvCxnSpPr>
+              <a:cxnSpLocks/>
+              <a:stCxn id="27" idx="0"/>
+              <a:endCxn id="34" idx="4"/>
+            </p:cNvCxnSpPr>
+            <p:nvPr/>
+          </p:nvCxnSpPr>
+          <p:spPr>
+            <a:xfrm flipH="1" flipV="1">
+              <a:off x="6787356" y="2753482"/>
+              <a:ext cx="27449" cy="75982"/>
+            </a:xfrm>
+            <a:prstGeom prst="line">
+              <a:avLst/>
+            </a:prstGeom>
+          </p:spPr>
+          <p:style>
+            <a:lnRef idx="1">
+              <a:schemeClr val="accent1"/>
+            </a:lnRef>
+            <a:fillRef idx="0">
+              <a:schemeClr val="accent1"/>
+            </a:fillRef>
+            <a:effectRef idx="0">
+              <a:schemeClr val="accent1"/>
+            </a:effectRef>
+            <a:fontRef idx="minor">
+              <a:schemeClr val="tx1"/>
+            </a:fontRef>
+          </p:style>
+        </p:cxnSp>
+        <p:cxnSp>
+          <p:nvCxnSpPr>
+            <p:cNvPr id="45" name="Straight Connector 44">
+              <a:extLst>
+                <a:ext uri="{FF2B5EF4-FFF2-40B4-BE49-F238E27FC236}">
+                  <a16:creationId xmlns:a16="http://schemas.microsoft.com/office/drawing/2014/main" id="{5EA860E6-67C2-49A8-AA12-95DE51720CBF}"/>
+                </a:ext>
+              </a:extLst>
+            </p:cNvPr>
+            <p:cNvCxnSpPr>
+              <a:stCxn id="26" idx="7"/>
+              <a:endCxn id="34" idx="2"/>
+            </p:cNvCxnSpPr>
+            <p:nvPr/>
+          </p:nvCxnSpPr>
+          <p:spPr>
+            <a:xfrm flipV="1">
+              <a:off x="6418118" y="2714663"/>
+              <a:ext cx="330419" cy="126171"/>
+            </a:xfrm>
+            <a:prstGeom prst="line">
+              <a:avLst/>
+            </a:prstGeom>
+            <a:ln>
+              <a:prstDash val="dash"/>
+            </a:ln>
+          </p:spPr>
+          <p:style>
+            <a:lnRef idx="1">
+              <a:schemeClr val="accent1"/>
+            </a:lnRef>
+            <a:fillRef idx="0">
+              <a:schemeClr val="accent1"/>
+            </a:fillRef>
+            <a:effectRef idx="0">
+              <a:schemeClr val="accent1"/>
+            </a:effectRef>
+            <a:fontRef idx="minor">
+              <a:schemeClr val="tx1"/>
+            </a:fontRef>
+          </p:style>
+        </p:cxnSp>
+      </p:grpSp>
+      <p:grpSp>
+        <p:nvGrpSpPr>
+          <p:cNvPr id="48" name="Group 47">
+            <a:extLst>
+              <a:ext uri="{FF2B5EF4-FFF2-40B4-BE49-F238E27FC236}">
+                <a16:creationId xmlns:a16="http://schemas.microsoft.com/office/drawing/2014/main" id="{5FD8B431-7824-4AD4-9943-1A3E8B0B603D}"/>
+              </a:ext>
+            </a:extLst>
+          </p:cNvPr>
+          <p:cNvGrpSpPr/>
+          <p:nvPr/>
+        </p:nvGrpSpPr>
+        <p:grpSpPr>
+          <a:xfrm>
+            <a:off x="2445198" y="4841849"/>
+            <a:ext cx="856281" cy="365185"/>
+            <a:chOff x="5997343" y="2541917"/>
+            <a:chExt cx="856281" cy="365185"/>
+          </a:xfrm>
+        </p:grpSpPr>
+        <p:sp>
+          <p:nvSpPr>
+            <p:cNvPr id="49" name="Oval 48">
+              <a:extLst>
+                <a:ext uri="{FF2B5EF4-FFF2-40B4-BE49-F238E27FC236}">
+                  <a16:creationId xmlns:a16="http://schemas.microsoft.com/office/drawing/2014/main" id="{F1E877E2-1998-4F6C-AE6A-3FCF36F0AF5F}"/>
+                </a:ext>
+              </a:extLst>
+            </p:cNvPr>
+            <p:cNvSpPr/>
+            <p:nvPr/>
+          </p:nvSpPr>
+          <p:spPr>
+            <a:xfrm>
+              <a:off x="6351850" y="2829464"/>
+              <a:ext cx="77638" cy="77638"/>
+            </a:xfrm>
+            <a:prstGeom prst="ellipse">
+              <a:avLst/>
+            </a:prstGeom>
+          </p:spPr>
+          <p:style>
+            <a:lnRef idx="2">
+              <a:schemeClr val="accent1">
+                <a:shade val="50000"/>
+              </a:schemeClr>
+            </a:lnRef>
+            <a:fillRef idx="1">
+              <a:schemeClr val="accent1"/>
+            </a:fillRef>
+            <a:effectRef idx="0">
+              <a:schemeClr val="accent1"/>
+            </a:effectRef>
+            <a:fontRef idx="minor">
+              <a:schemeClr val="lt1"/>
+            </a:fontRef>
+          </p:style>
+          <p:txBody>
+            <a:bodyPr rtlCol="0" anchor="ctr"/>
+            <a:lstStyle/>
+            <a:p>
+              <a:pPr algn="ctr"/>
+              <a:endParaRPr lang="en-US"/>
+            </a:p>
+          </p:txBody>
+        </p:sp>
+        <p:sp>
+          <p:nvSpPr>
+            <p:cNvPr id="50" name="Oval 49">
+              <a:extLst>
+                <a:ext uri="{FF2B5EF4-FFF2-40B4-BE49-F238E27FC236}">
+                  <a16:creationId xmlns:a16="http://schemas.microsoft.com/office/drawing/2014/main" id="{B5B6277A-B82A-41E7-BF90-FB836B5F0DE6}"/>
+                </a:ext>
+              </a:extLst>
+            </p:cNvPr>
+            <p:cNvSpPr/>
+            <p:nvPr/>
+          </p:nvSpPr>
+          <p:spPr>
+            <a:xfrm>
+              <a:off x="6775986" y="2829464"/>
+              <a:ext cx="77638" cy="77638"/>
+            </a:xfrm>
+            <a:prstGeom prst="ellipse">
+              <a:avLst/>
+            </a:prstGeom>
+          </p:spPr>
+          <p:style>
+            <a:lnRef idx="2">
+              <a:schemeClr val="accent1">
+                <a:shade val="50000"/>
+              </a:schemeClr>
+            </a:lnRef>
+            <a:fillRef idx="1">
+              <a:schemeClr val="accent1"/>
+            </a:fillRef>
+            <a:effectRef idx="0">
+              <a:schemeClr val="accent1"/>
+            </a:effectRef>
+            <a:fontRef idx="minor">
+              <a:schemeClr val="lt1"/>
+            </a:fontRef>
+          </p:style>
+          <p:txBody>
+            <a:bodyPr rtlCol="0" anchor="ctr"/>
+            <a:lstStyle/>
+            <a:p>
+              <a:pPr algn="ctr"/>
+              <a:endParaRPr lang="en-US"/>
+            </a:p>
+          </p:txBody>
+        </p:sp>
+        <p:cxnSp>
+          <p:nvCxnSpPr>
+            <p:cNvPr id="51" name="Straight Connector 50">
+              <a:extLst>
+                <a:ext uri="{FF2B5EF4-FFF2-40B4-BE49-F238E27FC236}">
+                  <a16:creationId xmlns:a16="http://schemas.microsoft.com/office/drawing/2014/main" id="{F7AEE998-DAB7-4DBF-8090-6FFA4C23DA13}"/>
+                </a:ext>
+              </a:extLst>
+            </p:cNvPr>
+            <p:cNvCxnSpPr>
+              <a:cxnSpLocks/>
+              <a:stCxn id="49" idx="6"/>
+            </p:cNvCxnSpPr>
+            <p:nvPr/>
+          </p:nvCxnSpPr>
+          <p:spPr>
+            <a:xfrm>
+              <a:off x="6429488" y="2868283"/>
+              <a:ext cx="385317" cy="0"/>
+            </a:xfrm>
+            <a:prstGeom prst="line">
+              <a:avLst/>
+            </a:prstGeom>
+          </p:spPr>
+          <p:style>
+            <a:lnRef idx="1">
+              <a:schemeClr val="accent1"/>
+            </a:lnRef>
+            <a:fillRef idx="0">
+              <a:schemeClr val="accent1"/>
+            </a:fillRef>
+            <a:effectRef idx="0">
+              <a:schemeClr val="accent1"/>
+            </a:effectRef>
+            <a:fontRef idx="minor">
+              <a:schemeClr val="tx1"/>
+            </a:fontRef>
+          </p:style>
+        </p:cxnSp>
+        <p:sp>
+          <p:nvSpPr>
+            <p:cNvPr id="52" name="Oval 51">
+              <a:extLst>
+                <a:ext uri="{FF2B5EF4-FFF2-40B4-BE49-F238E27FC236}">
+                  <a16:creationId xmlns:a16="http://schemas.microsoft.com/office/drawing/2014/main" id="{4524A7DC-D190-4998-9414-ACD5F2D1B113}"/>
+                </a:ext>
+              </a:extLst>
+            </p:cNvPr>
+            <p:cNvSpPr/>
+            <p:nvPr/>
+          </p:nvSpPr>
+          <p:spPr>
+            <a:xfrm>
+              <a:off x="6530129" y="2541917"/>
+              <a:ext cx="77638" cy="77638"/>
+            </a:xfrm>
+            <a:prstGeom prst="ellipse">
+              <a:avLst/>
+            </a:prstGeom>
+          </p:spPr>
+          <p:style>
+            <a:lnRef idx="2">
+              <a:schemeClr val="accent1">
+                <a:shade val="50000"/>
+              </a:schemeClr>
+            </a:lnRef>
+            <a:fillRef idx="1">
+              <a:schemeClr val="accent1"/>
+            </a:fillRef>
+            <a:effectRef idx="0">
+              <a:schemeClr val="accent1"/>
+            </a:effectRef>
+            <a:fontRef idx="minor">
+              <a:schemeClr val="lt1"/>
+            </a:fontRef>
+          </p:style>
+          <p:txBody>
+            <a:bodyPr rtlCol="0" anchor="ctr"/>
+            <a:lstStyle/>
+            <a:p>
+              <a:pPr algn="ctr"/>
+              <a:endParaRPr lang="en-US"/>
+            </a:p>
+          </p:txBody>
+        </p:sp>
+        <p:cxnSp>
+          <p:nvCxnSpPr>
+            <p:cNvPr id="53" name="Straight Connector 52">
+              <a:extLst>
+                <a:ext uri="{FF2B5EF4-FFF2-40B4-BE49-F238E27FC236}">
+                  <a16:creationId xmlns:a16="http://schemas.microsoft.com/office/drawing/2014/main" id="{45EC7E7E-013B-4441-A6C2-5E4481BB0B94}"/>
+                </a:ext>
+              </a:extLst>
+            </p:cNvPr>
+            <p:cNvCxnSpPr>
+              <a:cxnSpLocks/>
+              <a:stCxn id="52" idx="4"/>
+              <a:endCxn id="50" idx="1"/>
+            </p:cNvCxnSpPr>
+            <p:nvPr/>
+          </p:nvCxnSpPr>
+          <p:spPr>
+            <a:xfrm>
+              <a:off x="6568948" y="2619555"/>
+              <a:ext cx="218408" cy="221279"/>
+            </a:xfrm>
+            <a:prstGeom prst="line">
+              <a:avLst/>
+            </a:prstGeom>
+          </p:spPr>
+          <p:style>
+            <a:lnRef idx="1">
+              <a:schemeClr val="accent1"/>
+            </a:lnRef>
+            <a:fillRef idx="0">
+              <a:schemeClr val="accent1"/>
+            </a:fillRef>
+            <a:effectRef idx="0">
+              <a:schemeClr val="accent1"/>
+            </a:effectRef>
+            <a:fontRef idx="minor">
+              <a:schemeClr val="tx1"/>
+            </a:fontRef>
+          </p:style>
+        </p:cxnSp>
+        <p:cxnSp>
+          <p:nvCxnSpPr>
+            <p:cNvPr id="54" name="Straight Connector 53">
+              <a:extLst>
+                <a:ext uri="{FF2B5EF4-FFF2-40B4-BE49-F238E27FC236}">
+                  <a16:creationId xmlns:a16="http://schemas.microsoft.com/office/drawing/2014/main" id="{266A7646-830D-4180-9210-A84A53E2AFA3}"/>
+                </a:ext>
+              </a:extLst>
+            </p:cNvPr>
+            <p:cNvCxnSpPr>
+              <a:cxnSpLocks/>
+              <a:stCxn id="52" idx="3"/>
+              <a:endCxn id="49" idx="7"/>
+            </p:cNvCxnSpPr>
+            <p:nvPr/>
+          </p:nvCxnSpPr>
+          <p:spPr>
+            <a:xfrm flipH="1">
+              <a:off x="6418118" y="2608185"/>
+              <a:ext cx="123381" cy="232649"/>
+            </a:xfrm>
+            <a:prstGeom prst="line">
+              <a:avLst/>
+            </a:prstGeom>
+          </p:spPr>
+          <p:style>
+            <a:lnRef idx="1">
+              <a:schemeClr val="accent1"/>
+            </a:lnRef>
+            <a:fillRef idx="0">
+              <a:schemeClr val="accent1"/>
+            </a:fillRef>
+            <a:effectRef idx="0">
+              <a:schemeClr val="accent1"/>
+            </a:effectRef>
+            <a:fontRef idx="minor">
+              <a:schemeClr val="tx1"/>
+            </a:fontRef>
+          </p:style>
+        </p:cxnSp>
+        <p:sp>
+          <p:nvSpPr>
+            <p:cNvPr id="55" name="Oval 54">
+              <a:extLst>
+                <a:ext uri="{FF2B5EF4-FFF2-40B4-BE49-F238E27FC236}">
+                  <a16:creationId xmlns:a16="http://schemas.microsoft.com/office/drawing/2014/main" id="{47CC88D3-451A-4F18-BF78-13F3570BAD38}"/>
+                </a:ext>
+              </a:extLst>
+            </p:cNvPr>
+            <p:cNvSpPr/>
+            <p:nvPr/>
+          </p:nvSpPr>
+          <p:spPr>
+            <a:xfrm>
+              <a:off x="6748537" y="2675844"/>
+              <a:ext cx="77638" cy="77638"/>
+            </a:xfrm>
+            <a:prstGeom prst="ellipse">
+              <a:avLst/>
+            </a:prstGeom>
+          </p:spPr>
+          <p:style>
+            <a:lnRef idx="2">
+              <a:schemeClr val="accent1">
+                <a:shade val="50000"/>
+              </a:schemeClr>
+            </a:lnRef>
+            <a:fillRef idx="1">
+              <a:schemeClr val="accent1"/>
+            </a:fillRef>
+            <a:effectRef idx="0">
+              <a:schemeClr val="accent1"/>
+            </a:effectRef>
+            <a:fontRef idx="minor">
+              <a:schemeClr val="lt1"/>
+            </a:fontRef>
+          </p:style>
+          <p:txBody>
+            <a:bodyPr rtlCol="0" anchor="ctr"/>
+            <a:lstStyle/>
+            <a:p>
+              <a:pPr algn="ctr"/>
+              <a:endParaRPr lang="en-US"/>
+            </a:p>
+          </p:txBody>
+        </p:sp>
+        <p:cxnSp>
+          <p:nvCxnSpPr>
+            <p:cNvPr id="56" name="Straight Connector 55">
+              <a:extLst>
+                <a:ext uri="{FF2B5EF4-FFF2-40B4-BE49-F238E27FC236}">
+                  <a16:creationId xmlns:a16="http://schemas.microsoft.com/office/drawing/2014/main" id="{405EB149-16FA-4EFE-8586-69FDF06D387C}"/>
+                </a:ext>
+              </a:extLst>
+            </p:cNvPr>
+            <p:cNvCxnSpPr>
+              <a:cxnSpLocks/>
+              <a:stCxn id="52" idx="5"/>
+              <a:endCxn id="55" idx="1"/>
+            </p:cNvCxnSpPr>
+            <p:nvPr/>
+          </p:nvCxnSpPr>
+          <p:spPr>
+            <a:xfrm>
+              <a:off x="6596397" y="2608185"/>
+              <a:ext cx="163510" cy="79029"/>
+            </a:xfrm>
+            <a:prstGeom prst="line">
+              <a:avLst/>
+            </a:prstGeom>
+          </p:spPr>
+          <p:style>
+            <a:lnRef idx="1">
+              <a:schemeClr val="accent1"/>
+            </a:lnRef>
+            <a:fillRef idx="0">
+              <a:schemeClr val="accent1"/>
+            </a:fillRef>
+            <a:effectRef idx="0">
+              <a:schemeClr val="accent1"/>
+            </a:effectRef>
+            <a:fontRef idx="minor">
+              <a:schemeClr val="tx1"/>
+            </a:fontRef>
+          </p:style>
+        </p:cxnSp>
+        <p:cxnSp>
+          <p:nvCxnSpPr>
+            <p:cNvPr id="57" name="Straight Connector 56">
+              <a:extLst>
+                <a:ext uri="{FF2B5EF4-FFF2-40B4-BE49-F238E27FC236}">
+                  <a16:creationId xmlns:a16="http://schemas.microsoft.com/office/drawing/2014/main" id="{860272AD-6DAC-4A94-8E00-F5135FA485CC}"/>
+                </a:ext>
+              </a:extLst>
+            </p:cNvPr>
+            <p:cNvCxnSpPr>
+              <a:cxnSpLocks/>
+              <a:stCxn id="50" idx="0"/>
+              <a:endCxn id="55" idx="4"/>
+            </p:cNvCxnSpPr>
+            <p:nvPr/>
+          </p:nvCxnSpPr>
+          <p:spPr>
+            <a:xfrm flipH="1" flipV="1">
+              <a:off x="6787356" y="2753482"/>
+              <a:ext cx="27449" cy="75982"/>
+            </a:xfrm>
+            <a:prstGeom prst="line">
+              <a:avLst/>
+            </a:prstGeom>
+          </p:spPr>
+          <p:style>
+            <a:lnRef idx="1">
+              <a:schemeClr val="accent1"/>
+            </a:lnRef>
+            <a:fillRef idx="0">
+              <a:schemeClr val="accent1"/>
+            </a:fillRef>
+            <a:effectRef idx="0">
+              <a:schemeClr val="accent1"/>
+            </a:effectRef>
+            <a:fontRef idx="minor">
+              <a:schemeClr val="tx1"/>
+            </a:fontRef>
+          </p:style>
+        </p:cxnSp>
+        <p:cxnSp>
+          <p:nvCxnSpPr>
+            <p:cNvPr id="58" name="Straight Connector 57">
+              <a:extLst>
+                <a:ext uri="{FF2B5EF4-FFF2-40B4-BE49-F238E27FC236}">
+                  <a16:creationId xmlns:a16="http://schemas.microsoft.com/office/drawing/2014/main" id="{ECBC4B6D-773D-4943-974D-B4E0A9C21B77}"/>
+                </a:ext>
+              </a:extLst>
+            </p:cNvPr>
+            <p:cNvCxnSpPr>
+              <a:stCxn id="49" idx="7"/>
+              <a:endCxn id="55" idx="2"/>
+            </p:cNvCxnSpPr>
+            <p:nvPr/>
+          </p:nvCxnSpPr>
+          <p:spPr>
+            <a:xfrm flipV="1">
+              <a:off x="6418118" y="2714663"/>
+              <a:ext cx="330419" cy="126171"/>
+            </a:xfrm>
+            <a:prstGeom prst="line">
+              <a:avLst/>
+            </a:prstGeom>
+            <a:ln>
+              <a:prstDash val="dash"/>
+            </a:ln>
+          </p:spPr>
+          <p:style>
+            <a:lnRef idx="1">
+              <a:schemeClr val="accent1"/>
+            </a:lnRef>
+            <a:fillRef idx="0">
+              <a:schemeClr val="accent1"/>
+            </a:fillRef>
+            <a:effectRef idx="0">
+              <a:schemeClr val="accent1"/>
+            </a:effectRef>
+            <a:fontRef idx="minor">
+              <a:schemeClr val="tx1"/>
+            </a:fontRef>
+          </p:style>
+        </p:cxnSp>
+        <p:sp>
+          <p:nvSpPr>
+            <p:cNvPr id="90" name="Oval 89">
+              <a:extLst>
+                <a:ext uri="{FF2B5EF4-FFF2-40B4-BE49-F238E27FC236}">
+                  <a16:creationId xmlns:a16="http://schemas.microsoft.com/office/drawing/2014/main" id="{07AE5496-8646-4FAB-A06F-6D60DFE5FF80}"/>
+                </a:ext>
+              </a:extLst>
+            </p:cNvPr>
+            <p:cNvSpPr/>
+            <p:nvPr/>
+          </p:nvSpPr>
+          <p:spPr>
+            <a:xfrm>
+              <a:off x="5997343" y="2626147"/>
+              <a:ext cx="77638" cy="77638"/>
+            </a:xfrm>
+            <a:prstGeom prst="ellipse">
+              <a:avLst/>
+            </a:prstGeom>
+          </p:spPr>
+          <p:style>
+            <a:lnRef idx="2">
+              <a:schemeClr val="accent1">
+                <a:shade val="50000"/>
+              </a:schemeClr>
+            </a:lnRef>
+            <a:fillRef idx="1">
+              <a:schemeClr val="accent1"/>
+            </a:fillRef>
+            <a:effectRef idx="0">
+              <a:schemeClr val="accent1"/>
+            </a:effectRef>
+            <a:fontRef idx="minor">
+              <a:schemeClr val="lt1"/>
+            </a:fontRef>
+          </p:style>
+          <p:txBody>
+            <a:bodyPr rtlCol="0" anchor="ctr"/>
+            <a:lstStyle/>
+            <a:p>
+              <a:pPr algn="ctr"/>
+              <a:endParaRPr lang="en-US"/>
+            </a:p>
+          </p:txBody>
+        </p:sp>
+      </p:grpSp>
+      <p:grpSp>
+        <p:nvGrpSpPr>
+          <p:cNvPr id="59" name="Group 58">
+            <a:extLst>
+              <a:ext uri="{FF2B5EF4-FFF2-40B4-BE49-F238E27FC236}">
+                <a16:creationId xmlns:a16="http://schemas.microsoft.com/office/drawing/2014/main" id="{9EDB7CFD-4A65-45DC-A589-2BE8F8F40FDE}"/>
+              </a:ext>
+            </a:extLst>
+          </p:cNvPr>
+          <p:cNvGrpSpPr/>
+          <p:nvPr/>
+        </p:nvGrpSpPr>
+        <p:grpSpPr>
+          <a:xfrm>
+            <a:off x="3493971" y="4634132"/>
+            <a:ext cx="501774" cy="392895"/>
+            <a:chOff x="6351850" y="2514207"/>
+            <a:chExt cx="501774" cy="392895"/>
+          </a:xfrm>
+        </p:grpSpPr>
+        <p:sp>
+          <p:nvSpPr>
+            <p:cNvPr id="60" name="Oval 59">
+              <a:extLst>
+                <a:ext uri="{FF2B5EF4-FFF2-40B4-BE49-F238E27FC236}">
+                  <a16:creationId xmlns:a16="http://schemas.microsoft.com/office/drawing/2014/main" id="{E05ED45C-04B9-4F1A-A891-F148813E6EEB}"/>
+                </a:ext>
+              </a:extLst>
+            </p:cNvPr>
+            <p:cNvSpPr/>
+            <p:nvPr/>
+          </p:nvSpPr>
+          <p:spPr>
+            <a:xfrm>
+              <a:off x="6351850" y="2829464"/>
+              <a:ext cx="77638" cy="77638"/>
+            </a:xfrm>
+            <a:prstGeom prst="ellipse">
+              <a:avLst/>
+            </a:prstGeom>
+          </p:spPr>
+          <p:style>
+            <a:lnRef idx="2">
+              <a:schemeClr val="accent1">
+                <a:shade val="50000"/>
+              </a:schemeClr>
+            </a:lnRef>
+            <a:fillRef idx="1">
+              <a:schemeClr val="accent1"/>
+            </a:fillRef>
+            <a:effectRef idx="0">
+              <a:schemeClr val="accent1"/>
+            </a:effectRef>
+            <a:fontRef idx="minor">
+              <a:schemeClr val="lt1"/>
+            </a:fontRef>
+          </p:style>
+          <p:txBody>
+            <a:bodyPr rtlCol="0" anchor="ctr"/>
+            <a:lstStyle/>
+            <a:p>
+              <a:pPr algn="ctr"/>
+              <a:endParaRPr lang="en-US"/>
+            </a:p>
+          </p:txBody>
+        </p:sp>
+        <p:sp>
+          <p:nvSpPr>
+            <p:cNvPr id="61" name="Oval 60">
+              <a:extLst>
+                <a:ext uri="{FF2B5EF4-FFF2-40B4-BE49-F238E27FC236}">
+                  <a16:creationId xmlns:a16="http://schemas.microsoft.com/office/drawing/2014/main" id="{A7E63A29-850B-418D-BEC3-04316547771D}"/>
+                </a:ext>
+              </a:extLst>
+            </p:cNvPr>
+            <p:cNvSpPr/>
+            <p:nvPr/>
+          </p:nvSpPr>
+          <p:spPr>
+            <a:xfrm>
+              <a:off x="6775986" y="2829464"/>
+              <a:ext cx="77638" cy="77638"/>
+            </a:xfrm>
+            <a:prstGeom prst="ellipse">
+              <a:avLst/>
+            </a:prstGeom>
+          </p:spPr>
+          <p:style>
+            <a:lnRef idx="2">
+              <a:schemeClr val="accent1">
+                <a:shade val="50000"/>
+              </a:schemeClr>
+            </a:lnRef>
+            <a:fillRef idx="1">
+              <a:schemeClr val="accent1"/>
+            </a:fillRef>
+            <a:effectRef idx="0">
+              <a:schemeClr val="accent1"/>
+            </a:effectRef>
+            <a:fontRef idx="minor">
+              <a:schemeClr val="lt1"/>
+            </a:fontRef>
+          </p:style>
+          <p:txBody>
+            <a:bodyPr rtlCol="0" anchor="ctr"/>
+            <a:lstStyle/>
+            <a:p>
+              <a:pPr algn="ctr"/>
+              <a:endParaRPr lang="en-US"/>
+            </a:p>
+          </p:txBody>
+        </p:sp>
+        <p:cxnSp>
+          <p:nvCxnSpPr>
+            <p:cNvPr id="62" name="Straight Connector 61">
+              <a:extLst>
+                <a:ext uri="{FF2B5EF4-FFF2-40B4-BE49-F238E27FC236}">
+                  <a16:creationId xmlns:a16="http://schemas.microsoft.com/office/drawing/2014/main" id="{82297466-4124-44C0-A3F4-465A78D38397}"/>
+                </a:ext>
+              </a:extLst>
+            </p:cNvPr>
+            <p:cNvCxnSpPr>
+              <a:cxnSpLocks/>
+              <a:stCxn id="60" idx="6"/>
+            </p:cNvCxnSpPr>
+            <p:nvPr/>
+          </p:nvCxnSpPr>
+          <p:spPr>
+            <a:xfrm>
+              <a:off x="6429488" y="2868283"/>
+              <a:ext cx="385317" cy="0"/>
+            </a:xfrm>
+            <a:prstGeom prst="line">
+              <a:avLst/>
+            </a:prstGeom>
+          </p:spPr>
+          <p:style>
+            <a:lnRef idx="1">
+              <a:schemeClr val="accent1"/>
+            </a:lnRef>
+            <a:fillRef idx="0">
+              <a:schemeClr val="accent1"/>
+            </a:fillRef>
+            <a:effectRef idx="0">
+              <a:schemeClr val="accent1"/>
+            </a:effectRef>
+            <a:fontRef idx="minor">
+              <a:schemeClr val="tx1"/>
+            </a:fontRef>
+          </p:style>
+        </p:cxnSp>
+        <p:sp>
+          <p:nvSpPr>
+            <p:cNvPr id="63" name="Oval 62">
+              <a:extLst>
+                <a:ext uri="{FF2B5EF4-FFF2-40B4-BE49-F238E27FC236}">
+                  <a16:creationId xmlns:a16="http://schemas.microsoft.com/office/drawing/2014/main" id="{8526B801-8320-4618-ACD5-CA588BF0D7E3}"/>
+                </a:ext>
+              </a:extLst>
+            </p:cNvPr>
+            <p:cNvSpPr/>
+            <p:nvPr/>
+          </p:nvSpPr>
+          <p:spPr>
+            <a:xfrm>
+              <a:off x="6630831" y="2514207"/>
+              <a:ext cx="77638" cy="77638"/>
+            </a:xfrm>
+            <a:prstGeom prst="ellipse">
+              <a:avLst/>
+            </a:prstGeom>
+          </p:spPr>
+          <p:style>
+            <a:lnRef idx="2">
+              <a:schemeClr val="accent1">
+                <a:shade val="50000"/>
+              </a:schemeClr>
+            </a:lnRef>
+            <a:fillRef idx="1">
+              <a:schemeClr val="accent1"/>
+            </a:fillRef>
+            <a:effectRef idx="0">
+              <a:schemeClr val="accent1"/>
+            </a:effectRef>
+            <a:fontRef idx="minor">
+              <a:schemeClr val="lt1"/>
+            </a:fontRef>
+          </p:style>
+          <p:txBody>
+            <a:bodyPr rtlCol="0" anchor="ctr"/>
+            <a:lstStyle/>
+            <a:p>
+              <a:pPr algn="ctr"/>
+              <a:endParaRPr lang="en-US"/>
+            </a:p>
+          </p:txBody>
+        </p:sp>
+        <p:cxnSp>
+          <p:nvCxnSpPr>
+            <p:cNvPr id="64" name="Straight Connector 63">
+              <a:extLst>
+                <a:ext uri="{FF2B5EF4-FFF2-40B4-BE49-F238E27FC236}">
+                  <a16:creationId xmlns:a16="http://schemas.microsoft.com/office/drawing/2014/main" id="{DA62F5B7-2FFE-457D-A555-D3213E1C6652}"/>
+                </a:ext>
+              </a:extLst>
+            </p:cNvPr>
+            <p:cNvCxnSpPr>
+              <a:cxnSpLocks/>
+              <a:stCxn id="63" idx="4"/>
+              <a:endCxn id="61" idx="1"/>
+            </p:cNvCxnSpPr>
+            <p:nvPr/>
+          </p:nvCxnSpPr>
+          <p:spPr>
+            <a:xfrm>
+              <a:off x="6669650" y="2591845"/>
+              <a:ext cx="117706" cy="248989"/>
+            </a:xfrm>
+            <a:prstGeom prst="line">
+              <a:avLst/>
+            </a:prstGeom>
+          </p:spPr>
+          <p:style>
+            <a:lnRef idx="1">
+              <a:schemeClr val="accent1"/>
+            </a:lnRef>
+            <a:fillRef idx="0">
+              <a:schemeClr val="accent1"/>
+            </a:fillRef>
+            <a:effectRef idx="0">
+              <a:schemeClr val="accent1"/>
+            </a:effectRef>
+            <a:fontRef idx="minor">
+              <a:schemeClr val="tx1"/>
+            </a:fontRef>
+          </p:style>
+        </p:cxnSp>
+        <p:cxnSp>
+          <p:nvCxnSpPr>
+            <p:cNvPr id="65" name="Straight Connector 64">
+              <a:extLst>
+                <a:ext uri="{FF2B5EF4-FFF2-40B4-BE49-F238E27FC236}">
+                  <a16:creationId xmlns:a16="http://schemas.microsoft.com/office/drawing/2014/main" id="{D1C43FB4-6685-49F6-B3FF-46AF8CC7E19C}"/>
+                </a:ext>
+              </a:extLst>
+            </p:cNvPr>
+            <p:cNvCxnSpPr>
+              <a:cxnSpLocks/>
+              <a:stCxn id="63" idx="3"/>
+              <a:endCxn id="60" idx="7"/>
+            </p:cNvCxnSpPr>
+            <p:nvPr/>
+          </p:nvCxnSpPr>
+          <p:spPr>
+            <a:xfrm flipH="1">
+              <a:off x="6418118" y="2580475"/>
+              <a:ext cx="224083" cy="260359"/>
+            </a:xfrm>
+            <a:prstGeom prst="line">
+              <a:avLst/>
+            </a:prstGeom>
+          </p:spPr>
+          <p:style>
+            <a:lnRef idx="1">
+              <a:schemeClr val="accent1"/>
+            </a:lnRef>
+            <a:fillRef idx="0">
+              <a:schemeClr val="accent1"/>
+            </a:fillRef>
+            <a:effectRef idx="0">
+              <a:schemeClr val="accent1"/>
+            </a:effectRef>
+            <a:fontRef idx="minor">
+              <a:schemeClr val="tx1"/>
+            </a:fontRef>
+          </p:style>
+        </p:cxnSp>
+        <p:sp>
+          <p:nvSpPr>
+            <p:cNvPr id="66" name="Oval 65">
+              <a:extLst>
+                <a:ext uri="{FF2B5EF4-FFF2-40B4-BE49-F238E27FC236}">
+                  <a16:creationId xmlns:a16="http://schemas.microsoft.com/office/drawing/2014/main" id="{4DA003BB-E560-44C8-BCF1-ECC908D125EF}"/>
+                </a:ext>
+              </a:extLst>
+            </p:cNvPr>
+            <p:cNvSpPr/>
+            <p:nvPr/>
+          </p:nvSpPr>
+          <p:spPr>
+            <a:xfrm>
+              <a:off x="6748537" y="2675844"/>
+              <a:ext cx="77638" cy="77638"/>
+            </a:xfrm>
+            <a:prstGeom prst="ellipse">
+              <a:avLst/>
+            </a:prstGeom>
+          </p:spPr>
+          <p:style>
+            <a:lnRef idx="2">
+              <a:schemeClr val="accent1">
+                <a:shade val="50000"/>
+              </a:schemeClr>
+            </a:lnRef>
+            <a:fillRef idx="1">
+              <a:schemeClr val="accent1"/>
+            </a:fillRef>
+            <a:effectRef idx="0">
+              <a:schemeClr val="accent1"/>
+            </a:effectRef>
+            <a:fontRef idx="minor">
+              <a:schemeClr val="lt1"/>
+            </a:fontRef>
+          </p:style>
+          <p:txBody>
+            <a:bodyPr rtlCol="0" anchor="ctr"/>
+            <a:lstStyle/>
+            <a:p>
+              <a:pPr algn="ctr"/>
+              <a:endParaRPr lang="en-US"/>
+            </a:p>
+          </p:txBody>
+        </p:sp>
+        <p:cxnSp>
+          <p:nvCxnSpPr>
+            <p:cNvPr id="67" name="Straight Connector 66">
+              <a:extLst>
+                <a:ext uri="{FF2B5EF4-FFF2-40B4-BE49-F238E27FC236}">
+                  <a16:creationId xmlns:a16="http://schemas.microsoft.com/office/drawing/2014/main" id="{2AC7BB46-172D-418C-955D-A9BFFE308BF7}"/>
+                </a:ext>
+              </a:extLst>
+            </p:cNvPr>
+            <p:cNvCxnSpPr>
+              <a:cxnSpLocks/>
+              <a:stCxn id="63" idx="5"/>
+              <a:endCxn id="66" idx="1"/>
+            </p:cNvCxnSpPr>
+            <p:nvPr/>
+          </p:nvCxnSpPr>
+          <p:spPr>
+            <a:xfrm>
+              <a:off x="6697099" y="2580475"/>
+              <a:ext cx="62808" cy="106739"/>
+            </a:xfrm>
+            <a:prstGeom prst="line">
+              <a:avLst/>
+            </a:prstGeom>
+          </p:spPr>
+          <p:style>
+            <a:lnRef idx="1">
+              <a:schemeClr val="accent1"/>
+            </a:lnRef>
+            <a:fillRef idx="0">
+              <a:schemeClr val="accent1"/>
+            </a:fillRef>
+            <a:effectRef idx="0">
+              <a:schemeClr val="accent1"/>
+            </a:effectRef>
+            <a:fontRef idx="minor">
+              <a:schemeClr val="tx1"/>
+            </a:fontRef>
+          </p:style>
+        </p:cxnSp>
+        <p:cxnSp>
+          <p:nvCxnSpPr>
+            <p:cNvPr id="68" name="Straight Connector 67">
+              <a:extLst>
+                <a:ext uri="{FF2B5EF4-FFF2-40B4-BE49-F238E27FC236}">
+                  <a16:creationId xmlns:a16="http://schemas.microsoft.com/office/drawing/2014/main" id="{A9A218E3-F8EB-447D-9299-813762154649}"/>
+                </a:ext>
+              </a:extLst>
+            </p:cNvPr>
+            <p:cNvCxnSpPr>
+              <a:cxnSpLocks/>
+              <a:stCxn id="61" idx="0"/>
+              <a:endCxn id="66" idx="4"/>
+            </p:cNvCxnSpPr>
+            <p:nvPr/>
+          </p:nvCxnSpPr>
+          <p:spPr>
+            <a:xfrm flipH="1" flipV="1">
+              <a:off x="6787356" y="2753482"/>
+              <a:ext cx="27449" cy="75982"/>
+            </a:xfrm>
+            <a:prstGeom prst="line">
+              <a:avLst/>
+            </a:prstGeom>
+          </p:spPr>
+          <p:style>
+            <a:lnRef idx="1">
+              <a:schemeClr val="accent1"/>
+            </a:lnRef>
+            <a:fillRef idx="0">
+              <a:schemeClr val="accent1"/>
+            </a:fillRef>
+            <a:effectRef idx="0">
+              <a:schemeClr val="accent1"/>
+            </a:effectRef>
+            <a:fontRef idx="minor">
+              <a:schemeClr val="tx1"/>
+            </a:fontRef>
+          </p:style>
+        </p:cxnSp>
+        <p:cxnSp>
+          <p:nvCxnSpPr>
+            <p:cNvPr id="69" name="Straight Connector 68">
+              <a:extLst>
+                <a:ext uri="{FF2B5EF4-FFF2-40B4-BE49-F238E27FC236}">
+                  <a16:creationId xmlns:a16="http://schemas.microsoft.com/office/drawing/2014/main" id="{C8E2B228-6117-4BF9-A222-0C310AA51D68}"/>
+                </a:ext>
+              </a:extLst>
+            </p:cNvPr>
+            <p:cNvCxnSpPr>
+              <a:stCxn id="60" idx="7"/>
+              <a:endCxn id="66" idx="2"/>
+            </p:cNvCxnSpPr>
+            <p:nvPr/>
+          </p:nvCxnSpPr>
+          <p:spPr>
+            <a:xfrm flipV="1">
+              <a:off x="6418118" y="2714663"/>
+              <a:ext cx="330419" cy="126171"/>
+            </a:xfrm>
+            <a:prstGeom prst="line">
+              <a:avLst/>
+            </a:prstGeom>
+            <a:ln>
+              <a:prstDash val="dash"/>
+            </a:ln>
+          </p:spPr>
+          <p:style>
+            <a:lnRef idx="1">
+              <a:schemeClr val="accent1"/>
+            </a:lnRef>
+            <a:fillRef idx="0">
+              <a:schemeClr val="accent1"/>
+            </a:fillRef>
+            <a:effectRef idx="0">
+              <a:schemeClr val="accent1"/>
+            </a:effectRef>
+            <a:fontRef idx="minor">
+              <a:schemeClr val="tx1"/>
+            </a:fontRef>
+          </p:style>
+        </p:cxnSp>
+      </p:grpSp>
+      <p:cxnSp>
+        <p:nvCxnSpPr>
+          <p:cNvPr id="71" name="Straight Connector 70">
+            <a:extLst>
+              <a:ext uri="{FF2B5EF4-FFF2-40B4-BE49-F238E27FC236}">
+                <a16:creationId xmlns:a16="http://schemas.microsoft.com/office/drawing/2014/main" id="{ADB330B3-FDD6-4026-B638-532A68287D14}"/>
+              </a:ext>
+            </a:extLst>
+          </p:cNvPr>
+          <p:cNvCxnSpPr>
+            <a:stCxn id="50" idx="6"/>
+            <a:endCxn id="60" idx="3"/>
+          </p:cNvCxnSpPr>
+          <p:nvPr/>
+        </p:nvCxnSpPr>
+        <p:spPr>
+          <a:xfrm flipV="1">
+            <a:off x="3301479" y="5015657"/>
+            <a:ext cx="203862" cy="152558"/>
+          </a:xfrm>
+          <a:prstGeom prst="line">
+            <a:avLst/>
+          </a:prstGeom>
+        </p:spPr>
+        <p:style>
+          <a:lnRef idx="1">
+            <a:schemeClr val="accent1"/>
+          </a:lnRef>
+          <a:fillRef idx="0">
+            <a:schemeClr val="accent1"/>
+          </a:fillRef>
+          <a:effectRef idx="0">
+            <a:schemeClr val="accent1"/>
+          </a:effectRef>
+          <a:fontRef idx="minor">
+            <a:schemeClr val="tx1"/>
+          </a:fontRef>
+        </p:style>
+      </p:cxnSp>
+      <p:cxnSp>
+        <p:nvCxnSpPr>
+          <p:cNvPr id="73" name="Straight Connector 72">
+            <a:extLst>
+              <a:ext uri="{FF2B5EF4-FFF2-40B4-BE49-F238E27FC236}">
+                <a16:creationId xmlns:a16="http://schemas.microsoft.com/office/drawing/2014/main" id="{68DC4B47-4DBD-4090-9389-5873D504EEB1}"/>
+              </a:ext>
+            </a:extLst>
+          </p:cNvPr>
+          <p:cNvCxnSpPr>
+            <a:stCxn id="55" idx="6"/>
+            <a:endCxn id="60" idx="2"/>
+          </p:cNvCxnSpPr>
+          <p:nvPr/>
+        </p:nvCxnSpPr>
+        <p:spPr>
+          <a:xfrm flipV="1">
+            <a:off x="3274030" y="4988208"/>
+            <a:ext cx="219941" cy="26387"/>
+          </a:xfrm>
+          <a:prstGeom prst="line">
+            <a:avLst/>
+          </a:prstGeom>
+        </p:spPr>
+        <p:style>
+          <a:lnRef idx="1">
+            <a:schemeClr val="accent1"/>
+          </a:lnRef>
+          <a:fillRef idx="0">
+            <a:schemeClr val="accent1"/>
+          </a:fillRef>
+          <a:effectRef idx="0">
+            <a:schemeClr val="accent1"/>
+          </a:effectRef>
+          <a:fontRef idx="minor">
+            <a:schemeClr val="tx1"/>
+          </a:fontRef>
+        </p:style>
+      </p:cxnSp>
+      <p:grpSp>
+        <p:nvGrpSpPr>
+          <p:cNvPr id="77" name="Group 76">
+            <a:extLst>
+              <a:ext uri="{FF2B5EF4-FFF2-40B4-BE49-F238E27FC236}">
+                <a16:creationId xmlns:a16="http://schemas.microsoft.com/office/drawing/2014/main" id="{71BBACE5-4388-4458-A924-263578D867D3}"/>
+              </a:ext>
+            </a:extLst>
+          </p:cNvPr>
+          <p:cNvGrpSpPr/>
+          <p:nvPr/>
+        </p:nvGrpSpPr>
+        <p:grpSpPr>
+          <a:xfrm>
+            <a:off x="4174773" y="4791760"/>
+            <a:ext cx="501774" cy="271500"/>
+            <a:chOff x="4509982" y="2639915"/>
+            <a:chExt cx="501774" cy="271500"/>
+          </a:xfrm>
+        </p:grpSpPr>
+        <p:sp>
+          <p:nvSpPr>
+            <p:cNvPr id="78" name="Oval 77">
+              <a:extLst>
+                <a:ext uri="{FF2B5EF4-FFF2-40B4-BE49-F238E27FC236}">
+                  <a16:creationId xmlns:a16="http://schemas.microsoft.com/office/drawing/2014/main" id="{9CCA78B8-68C1-4543-AC76-1F704B4AFFB1}"/>
+                </a:ext>
+              </a:extLst>
+            </p:cNvPr>
+            <p:cNvSpPr/>
+            <p:nvPr/>
+          </p:nvSpPr>
+          <p:spPr>
+            <a:xfrm>
+              <a:off x="4509982" y="2833777"/>
+              <a:ext cx="77638" cy="77638"/>
+            </a:xfrm>
+            <a:prstGeom prst="ellipse">
+              <a:avLst/>
+            </a:prstGeom>
+          </p:spPr>
+          <p:style>
+            <a:lnRef idx="2">
+              <a:schemeClr val="accent1">
+                <a:shade val="50000"/>
+              </a:schemeClr>
+            </a:lnRef>
+            <a:fillRef idx="1">
+              <a:schemeClr val="accent1"/>
+            </a:fillRef>
+            <a:effectRef idx="0">
+              <a:schemeClr val="accent1"/>
+            </a:effectRef>
+            <a:fontRef idx="minor">
+              <a:schemeClr val="lt1"/>
+            </a:fontRef>
+          </p:style>
+          <p:txBody>
+            <a:bodyPr rtlCol="0" anchor="ctr"/>
+            <a:lstStyle/>
+            <a:p>
+              <a:pPr algn="ctr"/>
+              <a:endParaRPr lang="en-US"/>
+            </a:p>
+          </p:txBody>
+        </p:sp>
+        <p:sp>
+          <p:nvSpPr>
+            <p:cNvPr id="79" name="Oval 78">
+              <a:extLst>
+                <a:ext uri="{FF2B5EF4-FFF2-40B4-BE49-F238E27FC236}">
+                  <a16:creationId xmlns:a16="http://schemas.microsoft.com/office/drawing/2014/main" id="{E4245B01-A565-4A3F-AE62-7C99F04B45A1}"/>
+                </a:ext>
+              </a:extLst>
+            </p:cNvPr>
+            <p:cNvSpPr/>
+            <p:nvPr/>
+          </p:nvSpPr>
+          <p:spPr>
+            <a:xfrm>
+              <a:off x="4934118" y="2833777"/>
+              <a:ext cx="77638" cy="77638"/>
+            </a:xfrm>
+            <a:prstGeom prst="ellipse">
+              <a:avLst/>
+            </a:prstGeom>
+          </p:spPr>
+          <p:style>
+            <a:lnRef idx="2">
+              <a:schemeClr val="accent1">
+                <a:shade val="50000"/>
+              </a:schemeClr>
+            </a:lnRef>
+            <a:fillRef idx="1">
+              <a:schemeClr val="accent1"/>
+            </a:fillRef>
+            <a:effectRef idx="0">
+              <a:schemeClr val="accent1"/>
+            </a:effectRef>
+            <a:fontRef idx="minor">
+              <a:schemeClr val="lt1"/>
+            </a:fontRef>
+          </p:style>
+          <p:txBody>
+            <a:bodyPr rtlCol="0" anchor="ctr"/>
+            <a:lstStyle/>
+            <a:p>
+              <a:pPr algn="ctr"/>
+              <a:endParaRPr lang="en-US"/>
+            </a:p>
+          </p:txBody>
+        </p:sp>
+        <p:cxnSp>
+          <p:nvCxnSpPr>
+            <p:cNvPr id="80" name="Straight Connector 79">
+              <a:extLst>
+                <a:ext uri="{FF2B5EF4-FFF2-40B4-BE49-F238E27FC236}">
+                  <a16:creationId xmlns:a16="http://schemas.microsoft.com/office/drawing/2014/main" id="{8254CC3A-3E7D-4E6E-B693-7F8784D55419}"/>
+                </a:ext>
+              </a:extLst>
+            </p:cNvPr>
+            <p:cNvCxnSpPr>
+              <a:cxnSpLocks/>
+              <a:stCxn id="78" idx="6"/>
+            </p:cNvCxnSpPr>
+            <p:nvPr/>
+          </p:nvCxnSpPr>
+          <p:spPr>
+            <a:xfrm>
+              <a:off x="4587620" y="2872596"/>
+              <a:ext cx="385317" cy="0"/>
+            </a:xfrm>
+            <a:prstGeom prst="line">
+              <a:avLst/>
+            </a:prstGeom>
+          </p:spPr>
+          <p:style>
+            <a:lnRef idx="1">
+              <a:schemeClr val="accent1"/>
+            </a:lnRef>
+            <a:fillRef idx="0">
+              <a:schemeClr val="accent1"/>
+            </a:fillRef>
+            <a:effectRef idx="0">
+              <a:schemeClr val="accent1"/>
+            </a:effectRef>
+            <a:fontRef idx="minor">
+              <a:schemeClr val="tx1"/>
+            </a:fontRef>
+          </p:style>
+        </p:cxnSp>
+        <p:sp>
+          <p:nvSpPr>
+            <p:cNvPr id="81" name="Oval 80">
+              <a:extLst>
+                <a:ext uri="{FF2B5EF4-FFF2-40B4-BE49-F238E27FC236}">
+                  <a16:creationId xmlns:a16="http://schemas.microsoft.com/office/drawing/2014/main" id="{8CFEAAAA-41D2-4845-8850-06720CCD360E}"/>
+                </a:ext>
+              </a:extLst>
+            </p:cNvPr>
+            <p:cNvSpPr/>
+            <p:nvPr/>
+          </p:nvSpPr>
+          <p:spPr>
+            <a:xfrm>
+              <a:off x="4856480" y="2639915"/>
+              <a:ext cx="77638" cy="77638"/>
+            </a:xfrm>
+            <a:prstGeom prst="ellipse">
+              <a:avLst/>
+            </a:prstGeom>
+          </p:spPr>
+          <p:style>
+            <a:lnRef idx="2">
+              <a:schemeClr val="accent1">
+                <a:shade val="50000"/>
+              </a:schemeClr>
+            </a:lnRef>
+            <a:fillRef idx="1">
+              <a:schemeClr val="accent1"/>
+            </a:fillRef>
+            <a:effectRef idx="0">
+              <a:schemeClr val="accent1"/>
+            </a:effectRef>
+            <a:fontRef idx="minor">
+              <a:schemeClr val="lt1"/>
+            </a:fontRef>
+          </p:style>
+          <p:txBody>
+            <a:bodyPr rtlCol="0" anchor="ctr"/>
+            <a:lstStyle/>
+            <a:p>
+              <a:pPr algn="ctr"/>
+              <a:endParaRPr lang="en-US"/>
+            </a:p>
+          </p:txBody>
+        </p:sp>
+        <p:cxnSp>
+          <p:nvCxnSpPr>
+            <p:cNvPr id="82" name="Straight Connector 81">
+              <a:extLst>
+                <a:ext uri="{FF2B5EF4-FFF2-40B4-BE49-F238E27FC236}">
+                  <a16:creationId xmlns:a16="http://schemas.microsoft.com/office/drawing/2014/main" id="{0EB6F99A-A2FE-4B20-88F5-215ED7A4B34D}"/>
+                </a:ext>
+              </a:extLst>
+            </p:cNvPr>
+            <p:cNvCxnSpPr>
+              <a:cxnSpLocks/>
+              <a:stCxn id="81" idx="4"/>
+              <a:endCxn id="79" idx="1"/>
+            </p:cNvCxnSpPr>
+            <p:nvPr/>
+          </p:nvCxnSpPr>
+          <p:spPr>
+            <a:xfrm>
+              <a:off x="4895299" y="2717553"/>
+              <a:ext cx="50189" cy="127594"/>
+            </a:xfrm>
+            <a:prstGeom prst="line">
+              <a:avLst/>
+            </a:prstGeom>
+          </p:spPr>
+          <p:style>
+            <a:lnRef idx="1">
+              <a:schemeClr val="accent1"/>
+            </a:lnRef>
+            <a:fillRef idx="0">
+              <a:schemeClr val="accent1"/>
+            </a:fillRef>
+            <a:effectRef idx="0">
+              <a:schemeClr val="accent1"/>
+            </a:effectRef>
+            <a:fontRef idx="minor">
+              <a:schemeClr val="tx1"/>
+            </a:fontRef>
+          </p:style>
+        </p:cxnSp>
+        <p:cxnSp>
+          <p:nvCxnSpPr>
+            <p:cNvPr id="83" name="Straight Connector 82">
+              <a:extLst>
+                <a:ext uri="{FF2B5EF4-FFF2-40B4-BE49-F238E27FC236}">
+                  <a16:creationId xmlns:a16="http://schemas.microsoft.com/office/drawing/2014/main" id="{2DE840F4-E69E-4466-8F16-AB32B56FE894}"/>
+                </a:ext>
+              </a:extLst>
+            </p:cNvPr>
+            <p:cNvCxnSpPr>
+              <a:cxnSpLocks/>
+              <a:stCxn id="81" idx="3"/>
+              <a:endCxn id="78" idx="7"/>
+            </p:cNvCxnSpPr>
+            <p:nvPr/>
+          </p:nvCxnSpPr>
+          <p:spPr>
+            <a:xfrm flipH="1">
+              <a:off x="4576250" y="2706183"/>
+              <a:ext cx="291600" cy="138964"/>
+            </a:xfrm>
+            <a:prstGeom prst="line">
+              <a:avLst/>
+            </a:prstGeom>
+          </p:spPr>
+          <p:style>
+            <a:lnRef idx="1">
+              <a:schemeClr val="accent1"/>
+            </a:lnRef>
+            <a:fillRef idx="0">
+              <a:schemeClr val="accent1"/>
+            </a:fillRef>
+            <a:effectRef idx="0">
+              <a:schemeClr val="accent1"/>
+            </a:effectRef>
+            <a:fontRef idx="minor">
+              <a:schemeClr val="tx1"/>
+            </a:fontRef>
+          </p:style>
+        </p:cxnSp>
+      </p:grpSp>
+      <p:cxnSp>
+        <p:nvCxnSpPr>
+          <p:cNvPr id="88" name="Straight Connector 87">
+            <a:extLst>
+              <a:ext uri="{FF2B5EF4-FFF2-40B4-BE49-F238E27FC236}">
+                <a16:creationId xmlns:a16="http://schemas.microsoft.com/office/drawing/2014/main" id="{8B71B93E-6FC3-478B-AA4F-7946FAC41BD7}"/>
+              </a:ext>
+            </a:extLst>
+          </p:cNvPr>
+          <p:cNvCxnSpPr>
+            <a:stCxn id="66" idx="6"/>
+            <a:endCxn id="78" idx="1"/>
+          </p:cNvCxnSpPr>
+          <p:nvPr/>
+        </p:nvCxnSpPr>
+        <p:spPr>
+          <a:xfrm>
+            <a:off x="3968296" y="4834588"/>
+            <a:ext cx="217847" cy="162404"/>
+          </a:xfrm>
+          <a:prstGeom prst="line">
+            <a:avLst/>
+          </a:prstGeom>
+        </p:spPr>
+        <p:style>
+          <a:lnRef idx="1">
+            <a:schemeClr val="accent1"/>
+          </a:lnRef>
+          <a:fillRef idx="0">
+            <a:schemeClr val="accent1"/>
+          </a:fillRef>
+          <a:effectRef idx="0">
+            <a:schemeClr val="accent1"/>
+          </a:effectRef>
+          <a:fontRef idx="minor">
+            <a:schemeClr val="tx1"/>
+          </a:fontRef>
+        </p:style>
+      </p:cxnSp>
+      <p:cxnSp>
+        <p:nvCxnSpPr>
+          <p:cNvPr id="92" name="Straight Connector 91">
+            <a:extLst>
+              <a:ext uri="{FF2B5EF4-FFF2-40B4-BE49-F238E27FC236}">
+                <a16:creationId xmlns:a16="http://schemas.microsoft.com/office/drawing/2014/main" id="{44D57C23-9B38-406F-AA08-0560D9947BD2}"/>
+              </a:ext>
+            </a:extLst>
+          </p:cNvPr>
+          <p:cNvCxnSpPr>
+            <a:stCxn id="90" idx="6"/>
+            <a:endCxn id="49" idx="1"/>
+          </p:cNvCxnSpPr>
+          <p:nvPr/>
+        </p:nvCxnSpPr>
+        <p:spPr>
+          <a:xfrm>
+            <a:off x="2522836" y="4964898"/>
+            <a:ext cx="288239" cy="175868"/>
+          </a:xfrm>
+          <a:prstGeom prst="line">
+            <a:avLst/>
+          </a:prstGeom>
+        </p:spPr>
+        <p:style>
+          <a:lnRef idx="1">
+            <a:schemeClr val="accent1"/>
+          </a:lnRef>
+          <a:fillRef idx="0">
+            <a:schemeClr val="accent1"/>
+          </a:fillRef>
+          <a:effectRef idx="0">
+            <a:schemeClr val="accent1"/>
+          </a:effectRef>
+          <a:fontRef idx="minor">
+            <a:schemeClr val="tx1"/>
+          </a:fontRef>
+        </p:style>
+      </p:cxnSp>
+    </p:spTree>
+    <p:extLst>
+      <p:ext uri="{BB962C8B-B14F-4D97-AF65-F5344CB8AC3E}">
+        <p14:creationId xmlns:p14="http://schemas.microsoft.com/office/powerpoint/2010/main" val="2214235576"/>
+      </p:ext>
+    </p:extLst>
+  </p:cSld>
+  <p:clrMapOvr>
+    <a:masterClrMapping/>
+  </p:clrMapOvr>
+</p:sld>
+</file>
+
 <file path=ppt/theme/theme1.xml><?xml version="1.0" encoding="utf-8"?>
 <a:theme xmlns:a="http://schemas.openxmlformats.org/drawingml/2006/main" name="Office Theme">
   <a:themeElements>

--- a/dimensionality_reduction.pptx
+++ b/dimensionality_reduction.pptx
@@ -19,6 +19,11 @@
     <p:sldId id="267" r:id="rId13"/>
     <p:sldId id="268" r:id="rId14"/>
     <p:sldId id="269" r:id="rId15"/>
+    <p:sldId id="270" r:id="rId16"/>
+    <p:sldId id="271" r:id="rId17"/>
+    <p:sldId id="272" r:id="rId18"/>
+    <p:sldId id="273" r:id="rId19"/>
+    <p:sldId id="274" r:id="rId20"/>
   </p:sldIdLst>
   <p:sldSz cx="12192000" cy="6858000"/>
   <p:notesSz cx="6858000" cy="9144000"/>
@@ -398,7 +403,7 @@
           <a:p>
             <a:fld id="{FD4ECF9F-6433-47AA-8792-63EFAF83C877}" type="datetimeFigureOut">
               <a:rPr lang="en-US" smtClean="0"/>
-              <a:t>2022-02-12</a:t>
+              <a:t>2022-02-17</a:t>
             </a:fld>
             <a:endParaRPr lang="en-US"/>
           </a:p>
@@ -596,7 +601,7 @@
           <a:p>
             <a:fld id="{FD4ECF9F-6433-47AA-8792-63EFAF83C877}" type="datetimeFigureOut">
               <a:rPr lang="en-US" smtClean="0"/>
-              <a:t>2022-02-12</a:t>
+              <a:t>2022-02-17</a:t>
             </a:fld>
             <a:endParaRPr lang="en-US"/>
           </a:p>
@@ -804,7 +809,7 @@
           <a:p>
             <a:fld id="{FD4ECF9F-6433-47AA-8792-63EFAF83C877}" type="datetimeFigureOut">
               <a:rPr lang="en-US" smtClean="0"/>
-              <a:t>2022-02-12</a:t>
+              <a:t>2022-02-17</a:t>
             </a:fld>
             <a:endParaRPr lang="en-US"/>
           </a:p>
@@ -1002,7 +1007,7 @@
           <a:p>
             <a:fld id="{FD4ECF9F-6433-47AA-8792-63EFAF83C877}" type="datetimeFigureOut">
               <a:rPr lang="en-US" smtClean="0"/>
-              <a:t>2022-02-12</a:t>
+              <a:t>2022-02-17</a:t>
             </a:fld>
             <a:endParaRPr lang="en-US"/>
           </a:p>
@@ -1277,7 +1282,7 @@
           <a:p>
             <a:fld id="{FD4ECF9F-6433-47AA-8792-63EFAF83C877}" type="datetimeFigureOut">
               <a:rPr lang="en-US" smtClean="0"/>
-              <a:t>2022-02-12</a:t>
+              <a:t>2022-02-17</a:t>
             </a:fld>
             <a:endParaRPr lang="en-US"/>
           </a:p>
@@ -1542,7 +1547,7 @@
           <a:p>
             <a:fld id="{FD4ECF9F-6433-47AA-8792-63EFAF83C877}" type="datetimeFigureOut">
               <a:rPr lang="en-US" smtClean="0"/>
-              <a:t>2022-02-12</a:t>
+              <a:t>2022-02-17</a:t>
             </a:fld>
             <a:endParaRPr lang="en-US"/>
           </a:p>
@@ -1954,7 +1959,7 @@
           <a:p>
             <a:fld id="{FD4ECF9F-6433-47AA-8792-63EFAF83C877}" type="datetimeFigureOut">
               <a:rPr lang="en-US" smtClean="0"/>
-              <a:t>2022-02-12</a:t>
+              <a:t>2022-02-17</a:t>
             </a:fld>
             <a:endParaRPr lang="en-US"/>
           </a:p>
@@ -2095,7 +2100,7 @@
           <a:p>
             <a:fld id="{FD4ECF9F-6433-47AA-8792-63EFAF83C877}" type="datetimeFigureOut">
               <a:rPr lang="en-US" smtClean="0"/>
-              <a:t>2022-02-12</a:t>
+              <a:t>2022-02-17</a:t>
             </a:fld>
             <a:endParaRPr lang="en-US"/>
           </a:p>
@@ -2208,7 +2213,7 @@
           <a:p>
             <a:fld id="{FD4ECF9F-6433-47AA-8792-63EFAF83C877}" type="datetimeFigureOut">
               <a:rPr lang="en-US" smtClean="0"/>
-              <a:t>2022-02-12</a:t>
+              <a:t>2022-02-17</a:t>
             </a:fld>
             <a:endParaRPr lang="en-US"/>
           </a:p>
@@ -2519,7 +2524,7 @@
           <a:p>
             <a:fld id="{FD4ECF9F-6433-47AA-8792-63EFAF83C877}" type="datetimeFigureOut">
               <a:rPr lang="en-US" smtClean="0"/>
-              <a:t>2022-02-12</a:t>
+              <a:t>2022-02-17</a:t>
             </a:fld>
             <a:endParaRPr lang="en-US"/>
           </a:p>
@@ -2807,7 +2812,7 @@
           <a:p>
             <a:fld id="{FD4ECF9F-6433-47AA-8792-63EFAF83C877}" type="datetimeFigureOut">
               <a:rPr lang="en-US" smtClean="0"/>
-              <a:t>2022-02-12</a:t>
+              <a:t>2022-02-17</a:t>
             </a:fld>
             <a:endParaRPr lang="en-US"/>
           </a:p>
@@ -3048,7 +3053,7 @@
           <a:p>
             <a:fld id="{FD4ECF9F-6433-47AA-8792-63EFAF83C877}" type="datetimeFigureOut">
               <a:rPr lang="en-US" smtClean="0"/>
-              <a:t>2022-02-12</a:t>
+              <a:t>2022-02-17</a:t>
             </a:fld>
             <a:endParaRPr lang="en-US"/>
           </a:p>
@@ -7521,6 +7526,1412 @@
   <p:clrMapOvr>
     <a:masterClrMapping/>
   </p:clrMapOvr>
+</p:sld>
+</file>
+
+<file path=ppt/slides/slide15.xml><?xml version="1.0" encoding="utf-8"?>
+<p:sld xmlns:a="http://schemas.openxmlformats.org/drawingml/2006/main" xmlns:r="http://schemas.openxmlformats.org/officeDocument/2006/relationships" xmlns:p="http://schemas.openxmlformats.org/presentationml/2006/main">
+  <p:cSld>
+    <p:spTree>
+      <p:nvGrpSpPr>
+        <p:cNvPr id="1" name=""/>
+        <p:cNvGrpSpPr/>
+        <p:nvPr/>
+      </p:nvGrpSpPr>
+      <p:grpSpPr>
+        <a:xfrm>
+          <a:off x="0" y="0"/>
+          <a:ext cx="0" cy="0"/>
+          <a:chOff x="0" y="0"/>
+          <a:chExt cx="0" cy="0"/>
+        </a:xfrm>
+      </p:grpSpPr>
+      <p:sp>
+        <p:nvSpPr>
+          <p:cNvPr id="2" name="Title 1">
+            <a:extLst>
+              <a:ext uri="{FF2B5EF4-FFF2-40B4-BE49-F238E27FC236}">
+                <a16:creationId xmlns:a16="http://schemas.microsoft.com/office/drawing/2014/main" id="{D02F6F99-B77A-4229-809A-2521D66ABDDB}"/>
+              </a:ext>
+            </a:extLst>
+          </p:cNvPr>
+          <p:cNvSpPr>
+            <a:spLocks noGrp="1"/>
+          </p:cNvSpPr>
+          <p:nvPr>
+            <p:ph type="title"/>
+          </p:nvPr>
+        </p:nvSpPr>
+        <p:spPr/>
+        <p:txBody>
+          <a:bodyPr/>
+          <a:lstStyle/>
+          <a:p>
+            <a:r>
+              <a:rPr lang="en-US" dirty="0"/>
+              <a:t>Local metrics</a:t>
+            </a:r>
+          </a:p>
+        </p:txBody>
+      </p:sp>
+      <p:pic>
+        <p:nvPicPr>
+          <p:cNvPr id="1026" name="Picture 2" descr="Open balls of radius one with a locally varying metric">
+            <a:extLst>
+              <a:ext uri="{FF2B5EF4-FFF2-40B4-BE49-F238E27FC236}">
+                <a16:creationId xmlns:a16="http://schemas.microsoft.com/office/drawing/2014/main" id="{0970ABC0-1146-47C6-BE3F-768ACADA9D1F}"/>
+              </a:ext>
+            </a:extLst>
+          </p:cNvPr>
+          <p:cNvPicPr>
+            <a:picLocks noChangeAspect="1" noChangeArrowheads="1"/>
+          </p:cNvPicPr>
+          <p:nvPr/>
+        </p:nvPicPr>
+        <p:blipFill>
+          <a:blip r:embed="rId2">
+            <a:extLst>
+              <a:ext uri="{28A0092B-C50C-407E-A947-70E740481C1C}">
+                <a14:useLocalDpi xmlns:a14="http://schemas.microsoft.com/office/drawing/2010/main" val="0"/>
+              </a:ext>
+            </a:extLst>
+          </a:blip>
+          <a:srcRect/>
+          <a:stretch>
+            <a:fillRect/>
+          </a:stretch>
+        </p:blipFill>
+        <p:spPr bwMode="auto">
+          <a:xfrm>
+            <a:off x="2843213" y="1562100"/>
+            <a:ext cx="6505575" cy="3733800"/>
+          </a:xfrm>
+          <a:prstGeom prst="rect">
+            <a:avLst/>
+          </a:prstGeom>
+          <a:noFill/>
+          <a:extLst>
+            <a:ext uri="{909E8E84-426E-40DD-AFC4-6F175D3DCCD1}">
+              <a14:hiddenFill xmlns:a14="http://schemas.microsoft.com/office/drawing/2010/main">
+                <a:solidFill>
+                  <a:srgbClr val="FFFFFF"/>
+                </a:solidFill>
+              </a14:hiddenFill>
+            </a:ext>
+          </a:extLst>
+        </p:spPr>
+      </p:pic>
+      <p:sp>
+        <p:nvSpPr>
+          <p:cNvPr id="4" name="TextBox 3">
+            <a:extLst>
+              <a:ext uri="{FF2B5EF4-FFF2-40B4-BE49-F238E27FC236}">
+                <a16:creationId xmlns:a16="http://schemas.microsoft.com/office/drawing/2014/main" id="{5BBD7D95-6498-442F-A6A2-3E24E8E29A0B}"/>
+              </a:ext>
+            </a:extLst>
+          </p:cNvPr>
+          <p:cNvSpPr txBox="1"/>
+          <p:nvPr/>
+        </p:nvSpPr>
+        <p:spPr>
+          <a:xfrm>
+            <a:off x="3459637" y="5740924"/>
+            <a:ext cx="6312562" cy="369332"/>
+          </a:xfrm>
+          <a:prstGeom prst="rect">
+            <a:avLst/>
+          </a:prstGeom>
+          <a:noFill/>
+          <a:ln>
+            <a:solidFill>
+              <a:schemeClr val="tx1"/>
+            </a:solidFill>
+          </a:ln>
+        </p:spPr>
+        <p:txBody>
+          <a:bodyPr wrap="none" rtlCol="0">
+            <a:spAutoFit/>
+          </a:bodyPr>
+          <a:lstStyle/>
+          <a:p>
+            <a:r>
+              <a:rPr lang="en-US" dirty="0"/>
+              <a:t>Local geometry/metric: sphere extends to </a:t>
+            </a:r>
+            <a:r>
+              <a:rPr lang="en-US" i="1" dirty="0"/>
+              <a:t>n</a:t>
+            </a:r>
+            <a:r>
+              <a:rPr lang="en-US" dirty="0"/>
+              <a:t>-</a:t>
+            </a:r>
+            <a:r>
+              <a:rPr lang="en-US" dirty="0" err="1"/>
+              <a:t>th</a:t>
+            </a:r>
+            <a:r>
+              <a:rPr lang="en-US" dirty="0"/>
+              <a:t> nearest </a:t>
+            </a:r>
+            <a:r>
+              <a:rPr lang="en-US" dirty="0" err="1"/>
+              <a:t>neighbout</a:t>
+            </a:r>
+            <a:endParaRPr lang="en-US" dirty="0"/>
+          </a:p>
+        </p:txBody>
+      </p:sp>
+      <p:sp>
+        <p:nvSpPr>
+          <p:cNvPr id="3" name="TextBox 2">
+            <a:extLst>
+              <a:ext uri="{FF2B5EF4-FFF2-40B4-BE49-F238E27FC236}">
+                <a16:creationId xmlns:a16="http://schemas.microsoft.com/office/drawing/2014/main" id="{2CCA159B-6BC4-44B3-B3DC-85EF27F58ABF}"/>
+              </a:ext>
+            </a:extLst>
+          </p:cNvPr>
+          <p:cNvSpPr txBox="1"/>
+          <p:nvPr/>
+        </p:nvSpPr>
+        <p:spPr>
+          <a:xfrm>
+            <a:off x="923026" y="6308209"/>
+            <a:ext cx="3417987" cy="369332"/>
+          </a:xfrm>
+          <a:prstGeom prst="rect">
+            <a:avLst/>
+          </a:prstGeom>
+          <a:noFill/>
+          <a:ln>
+            <a:solidFill>
+              <a:schemeClr val="tx1"/>
+            </a:solidFill>
+          </a:ln>
+        </p:spPr>
+        <p:txBody>
+          <a:bodyPr wrap="none" rtlCol="0">
+            <a:spAutoFit/>
+          </a:bodyPr>
+          <a:lstStyle/>
+          <a:p>
+            <a:r>
+              <a:rPr lang="en-US" dirty="0" err="1">
+                <a:latin typeface="Courier New" panose="02070309020205020404" pitchFamily="49" charset="0"/>
+                <a:cs typeface="Courier New" panose="02070309020205020404" pitchFamily="49" charset="0"/>
+              </a:rPr>
+              <a:t>n_neighbours</a:t>
+            </a:r>
+            <a:r>
+              <a:rPr lang="en-US" dirty="0"/>
+              <a:t> hyperparameter</a:t>
+            </a:r>
+          </a:p>
+        </p:txBody>
+      </p:sp>
+    </p:spTree>
+    <p:extLst>
+      <p:ext uri="{BB962C8B-B14F-4D97-AF65-F5344CB8AC3E}">
+        <p14:creationId xmlns:p14="http://schemas.microsoft.com/office/powerpoint/2010/main" val="2794569241"/>
+      </p:ext>
+    </p:extLst>
+  </p:cSld>
+  <p:clrMapOvr>
+    <a:masterClrMapping/>
+  </p:clrMapOvr>
+  <p:timing>
+    <p:tnLst>
+      <p:par>
+        <p:cTn id="1" dur="indefinite" restart="never" nodeType="tmRoot">
+          <p:childTnLst>
+            <p:seq concurrent="1" nextAc="seek">
+              <p:cTn id="2" dur="indefinite" nodeType="mainSeq">
+                <p:childTnLst>
+                  <p:par>
+                    <p:cTn id="3" fill="hold">
+                      <p:stCondLst>
+                        <p:cond delay="indefinite"/>
+                      </p:stCondLst>
+                      <p:childTnLst>
+                        <p:par>
+                          <p:cTn id="4" fill="hold">
+                            <p:stCondLst>
+                              <p:cond delay="0"/>
+                            </p:stCondLst>
+                            <p:childTnLst>
+                              <p:par>
+                                <p:cTn id="5" presetID="1" presetClass="entr" presetSubtype="0" fill="hold" grpId="0" nodeType="clickEffect">
+                                  <p:stCondLst>
+                                    <p:cond delay="0"/>
+                                  </p:stCondLst>
+                                  <p:childTnLst>
+                                    <p:set>
+                                      <p:cBhvr>
+                                        <p:cTn id="6" dur="1" fill="hold">
+                                          <p:stCondLst>
+                                            <p:cond delay="0"/>
+                                          </p:stCondLst>
+                                        </p:cTn>
+                                        <p:tgtEl>
+                                          <p:spTgt spid="3"/>
+                                        </p:tgtEl>
+                                        <p:attrNameLst>
+                                          <p:attrName>style.visibility</p:attrName>
+                                        </p:attrNameLst>
+                                      </p:cBhvr>
+                                      <p:to>
+                                        <p:strVal val="visible"/>
+                                      </p:to>
+                                    </p:set>
+                                  </p:childTnLst>
+                                </p:cTn>
+                              </p:par>
+                            </p:childTnLst>
+                          </p:cTn>
+                        </p:par>
+                      </p:childTnLst>
+                    </p:cTn>
+                  </p:par>
+                </p:childTnLst>
+              </p:cTn>
+              <p:prevCondLst>
+                <p:cond evt="onPrev" delay="0">
+                  <p:tgtEl>
+                    <p:sldTgt/>
+                  </p:tgtEl>
+                </p:cond>
+              </p:prevCondLst>
+              <p:nextCondLst>
+                <p:cond evt="onNext" delay="0">
+                  <p:tgtEl>
+                    <p:sldTgt/>
+                  </p:tgtEl>
+                </p:cond>
+              </p:nextCondLst>
+            </p:seq>
+          </p:childTnLst>
+        </p:cTn>
+      </p:par>
+    </p:tnLst>
+    <p:bldLst>
+      <p:bldP spid="3" grpId="0" animBg="1"/>
+    </p:bldLst>
+  </p:timing>
+</p:sld>
+</file>
+
+<file path=ppt/slides/slide16.xml><?xml version="1.0" encoding="utf-8"?>
+<p:sld xmlns:a="http://schemas.openxmlformats.org/drawingml/2006/main" xmlns:r="http://schemas.openxmlformats.org/officeDocument/2006/relationships" xmlns:p="http://schemas.openxmlformats.org/presentationml/2006/main">
+  <p:cSld>
+    <p:spTree>
+      <p:nvGrpSpPr>
+        <p:cNvPr id="1" name=""/>
+        <p:cNvGrpSpPr/>
+        <p:nvPr/>
+      </p:nvGrpSpPr>
+      <p:grpSpPr>
+        <a:xfrm>
+          <a:off x="0" y="0"/>
+          <a:ext cx="0" cy="0"/>
+          <a:chOff x="0" y="0"/>
+          <a:chExt cx="0" cy="0"/>
+        </a:xfrm>
+      </p:grpSpPr>
+      <p:sp>
+        <p:nvSpPr>
+          <p:cNvPr id="2" name="Title 1">
+            <a:extLst>
+              <a:ext uri="{FF2B5EF4-FFF2-40B4-BE49-F238E27FC236}">
+                <a16:creationId xmlns:a16="http://schemas.microsoft.com/office/drawing/2014/main" id="{17B2D57D-924F-40D6-B94C-8A98D2BA41A7}"/>
+              </a:ext>
+            </a:extLst>
+          </p:cNvPr>
+          <p:cNvSpPr>
+            <a:spLocks noGrp="1"/>
+          </p:cNvSpPr>
+          <p:nvPr>
+            <p:ph type="title"/>
+          </p:nvPr>
+        </p:nvSpPr>
+        <p:spPr/>
+        <p:txBody>
+          <a:bodyPr/>
+          <a:lstStyle/>
+          <a:p>
+            <a:r>
+              <a:rPr lang="en-US" dirty="0"/>
+              <a:t>Curse of dimensionality</a:t>
+            </a:r>
+          </a:p>
+        </p:txBody>
+      </p:sp>
+      <p:pic>
+        <p:nvPicPr>
+          <p:cNvPr id="2050" name="Picture 2" descr="Local connectivity and fuzzy open sets">
+            <a:extLst>
+              <a:ext uri="{FF2B5EF4-FFF2-40B4-BE49-F238E27FC236}">
+                <a16:creationId xmlns:a16="http://schemas.microsoft.com/office/drawing/2014/main" id="{AD6BB573-01CB-448B-BB3D-AAB9993EAF3A}"/>
+              </a:ext>
+            </a:extLst>
+          </p:cNvPr>
+          <p:cNvPicPr>
+            <a:picLocks noChangeAspect="1" noChangeArrowheads="1"/>
+          </p:cNvPicPr>
+          <p:nvPr/>
+        </p:nvPicPr>
+        <p:blipFill>
+          <a:blip r:embed="rId2">
+            <a:extLst>
+              <a:ext uri="{28A0092B-C50C-407E-A947-70E740481C1C}">
+                <a14:useLocalDpi xmlns:a14="http://schemas.microsoft.com/office/drawing/2010/main" val="0"/>
+              </a:ext>
+            </a:extLst>
+          </a:blip>
+          <a:srcRect/>
+          <a:stretch>
+            <a:fillRect/>
+          </a:stretch>
+        </p:blipFill>
+        <p:spPr bwMode="auto">
+          <a:xfrm>
+            <a:off x="2843213" y="1562100"/>
+            <a:ext cx="6505575" cy="3733800"/>
+          </a:xfrm>
+          <a:prstGeom prst="rect">
+            <a:avLst/>
+          </a:prstGeom>
+          <a:noFill/>
+          <a:extLst>
+            <a:ext uri="{909E8E84-426E-40DD-AFC4-6F175D3DCCD1}">
+              <a14:hiddenFill xmlns:a14="http://schemas.microsoft.com/office/drawing/2010/main">
+                <a:solidFill>
+                  <a:srgbClr val="FFFFFF"/>
+                </a:solidFill>
+              </a14:hiddenFill>
+            </a:ext>
+          </a:extLst>
+        </p:spPr>
+      </p:pic>
+      <p:sp>
+        <p:nvSpPr>
+          <p:cNvPr id="3" name="TextBox 2">
+            <a:extLst>
+              <a:ext uri="{FF2B5EF4-FFF2-40B4-BE49-F238E27FC236}">
+                <a16:creationId xmlns:a16="http://schemas.microsoft.com/office/drawing/2014/main" id="{7F664E42-7B4C-435D-88FE-512BEF9E72B7}"/>
+              </a:ext>
+            </a:extLst>
+          </p:cNvPr>
+          <p:cNvSpPr txBox="1"/>
+          <p:nvPr/>
+        </p:nvSpPr>
+        <p:spPr>
+          <a:xfrm>
+            <a:off x="629729" y="2329132"/>
+            <a:ext cx="1940944" cy="923330"/>
+          </a:xfrm>
+          <a:prstGeom prst="rect">
+            <a:avLst/>
+          </a:prstGeom>
+          <a:noFill/>
+        </p:spPr>
+        <p:txBody>
+          <a:bodyPr wrap="square" rtlCol="0">
+            <a:spAutoFit/>
+          </a:bodyPr>
+          <a:lstStyle/>
+          <a:p>
+            <a:r>
+              <a:rPr lang="en-US" dirty="0"/>
+              <a:t>Distances in high-dimensional spaces are similar</a:t>
+            </a:r>
+          </a:p>
+        </p:txBody>
+      </p:sp>
+      <p:sp>
+        <p:nvSpPr>
+          <p:cNvPr id="5" name="TextBox 4">
+            <a:extLst>
+              <a:ext uri="{FF2B5EF4-FFF2-40B4-BE49-F238E27FC236}">
+                <a16:creationId xmlns:a16="http://schemas.microsoft.com/office/drawing/2014/main" id="{D0E126F3-53B8-427D-A592-FD7345011212}"/>
+              </a:ext>
+            </a:extLst>
+          </p:cNvPr>
+          <p:cNvSpPr txBox="1"/>
+          <p:nvPr/>
+        </p:nvSpPr>
+        <p:spPr>
+          <a:xfrm>
+            <a:off x="3459637" y="5740924"/>
+            <a:ext cx="3530903" cy="369332"/>
+          </a:xfrm>
+          <a:prstGeom prst="rect">
+            <a:avLst/>
+          </a:prstGeom>
+          <a:noFill/>
+          <a:ln>
+            <a:solidFill>
+              <a:schemeClr val="tx1"/>
+            </a:solidFill>
+          </a:ln>
+        </p:spPr>
+        <p:txBody>
+          <a:bodyPr wrap="none" rtlCol="0">
+            <a:spAutoFit/>
+          </a:bodyPr>
+          <a:lstStyle/>
+          <a:p>
+            <a:r>
+              <a:rPr lang="en-US" dirty="0"/>
+              <a:t>Relax to connected components &gt; 1</a:t>
+            </a:r>
+          </a:p>
+        </p:txBody>
+      </p:sp>
+    </p:spTree>
+    <p:extLst>
+      <p:ext uri="{BB962C8B-B14F-4D97-AF65-F5344CB8AC3E}">
+        <p14:creationId xmlns:p14="http://schemas.microsoft.com/office/powerpoint/2010/main" val="4267399799"/>
+      </p:ext>
+    </p:extLst>
+  </p:cSld>
+  <p:clrMapOvr>
+    <a:masterClrMapping/>
+  </p:clrMapOvr>
+</p:sld>
+</file>
+
+<file path=ppt/slides/slide17.xml><?xml version="1.0" encoding="utf-8"?>
+<p:sld xmlns:a="http://schemas.openxmlformats.org/drawingml/2006/main" xmlns:r="http://schemas.openxmlformats.org/officeDocument/2006/relationships" xmlns:p="http://schemas.openxmlformats.org/presentationml/2006/main">
+  <p:cSld>
+    <p:spTree>
+      <p:nvGrpSpPr>
+        <p:cNvPr id="1" name=""/>
+        <p:cNvGrpSpPr/>
+        <p:nvPr/>
+      </p:nvGrpSpPr>
+      <p:grpSpPr>
+        <a:xfrm>
+          <a:off x="0" y="0"/>
+          <a:ext cx="0" cy="0"/>
+          <a:chOff x="0" y="0"/>
+          <a:chExt cx="0" cy="0"/>
+        </a:xfrm>
+      </p:grpSpPr>
+      <p:sp>
+        <p:nvSpPr>
+          <p:cNvPr id="2" name="Title 1">
+            <a:extLst>
+              <a:ext uri="{FF2B5EF4-FFF2-40B4-BE49-F238E27FC236}">
+                <a16:creationId xmlns:a16="http://schemas.microsoft.com/office/drawing/2014/main" id="{9D563B0E-59EA-496B-A14B-80B7399EED3F}"/>
+              </a:ext>
+            </a:extLst>
+          </p:cNvPr>
+          <p:cNvSpPr>
+            <a:spLocks noGrp="1"/>
+          </p:cNvSpPr>
+          <p:nvPr>
+            <p:ph type="title"/>
+          </p:nvPr>
+        </p:nvSpPr>
+        <p:spPr/>
+        <p:txBody>
+          <a:bodyPr/>
+          <a:lstStyle/>
+          <a:p>
+            <a:r>
+              <a:rPr lang="en-US" dirty="0"/>
+              <a:t>Disagreeing metrics</a:t>
+            </a:r>
+          </a:p>
+        </p:txBody>
+      </p:sp>
+      <p:pic>
+        <p:nvPicPr>
+          <p:cNvPr id="3074" name="Picture 2" descr="Edges with incompatible weights">
+            <a:extLst>
+              <a:ext uri="{FF2B5EF4-FFF2-40B4-BE49-F238E27FC236}">
+                <a16:creationId xmlns:a16="http://schemas.microsoft.com/office/drawing/2014/main" id="{7FACF035-ED99-4030-9E00-8321CB306904}"/>
+              </a:ext>
+            </a:extLst>
+          </p:cNvPr>
+          <p:cNvPicPr>
+            <a:picLocks noChangeAspect="1" noChangeArrowheads="1"/>
+          </p:cNvPicPr>
+          <p:nvPr/>
+        </p:nvPicPr>
+        <p:blipFill>
+          <a:blip r:embed="rId2">
+            <a:extLst>
+              <a:ext uri="{28A0092B-C50C-407E-A947-70E740481C1C}">
+                <a14:useLocalDpi xmlns:a14="http://schemas.microsoft.com/office/drawing/2010/main" val="0"/>
+              </a:ext>
+            </a:extLst>
+          </a:blip>
+          <a:srcRect/>
+          <a:stretch>
+            <a:fillRect/>
+          </a:stretch>
+        </p:blipFill>
+        <p:spPr bwMode="auto">
+          <a:xfrm>
+            <a:off x="2843213" y="1562100"/>
+            <a:ext cx="6505575" cy="3733800"/>
+          </a:xfrm>
+          <a:prstGeom prst="rect">
+            <a:avLst/>
+          </a:prstGeom>
+          <a:noFill/>
+          <a:extLst>
+            <a:ext uri="{909E8E84-426E-40DD-AFC4-6F175D3DCCD1}">
+              <a14:hiddenFill xmlns:a14="http://schemas.microsoft.com/office/drawing/2010/main">
+                <a:solidFill>
+                  <a:srgbClr val="FFFFFF"/>
+                </a:solidFill>
+              </a14:hiddenFill>
+            </a:ext>
+          </a:extLst>
+        </p:spPr>
+      </p:pic>
+      <p:grpSp>
+        <p:nvGrpSpPr>
+          <p:cNvPr id="7" name="Group 6">
+            <a:extLst>
+              <a:ext uri="{FF2B5EF4-FFF2-40B4-BE49-F238E27FC236}">
+                <a16:creationId xmlns:a16="http://schemas.microsoft.com/office/drawing/2014/main" id="{057D252E-AD82-432E-A5A8-FECDACA10C74}"/>
+              </a:ext>
+            </a:extLst>
+          </p:cNvPr>
+          <p:cNvGrpSpPr/>
+          <p:nvPr/>
+        </p:nvGrpSpPr>
+        <p:grpSpPr>
+          <a:xfrm>
+            <a:off x="5477773" y="3429000"/>
+            <a:ext cx="618227" cy="369332"/>
+            <a:chOff x="5477773" y="3429000"/>
+            <a:chExt cx="618227" cy="369332"/>
+          </a:xfrm>
+        </p:grpSpPr>
+        <p:sp>
+          <p:nvSpPr>
+            <p:cNvPr id="3" name="TextBox 2">
+              <a:extLst>
+                <a:ext uri="{FF2B5EF4-FFF2-40B4-BE49-F238E27FC236}">
+                  <a16:creationId xmlns:a16="http://schemas.microsoft.com/office/drawing/2014/main" id="{3ED15CD2-D0F3-4610-85F8-FD3FFABBAF31}"/>
+                </a:ext>
+              </a:extLst>
+            </p:cNvPr>
+            <p:cNvSpPr txBox="1"/>
+            <p:nvPr/>
+          </p:nvSpPr>
+          <p:spPr>
+            <a:xfrm>
+              <a:off x="5477773" y="3429000"/>
+              <a:ext cx="303288" cy="369332"/>
+            </a:xfrm>
+            <a:prstGeom prst="rect">
+              <a:avLst/>
+            </a:prstGeom>
+            <a:noFill/>
+          </p:spPr>
+          <p:txBody>
+            <a:bodyPr wrap="none" rtlCol="0">
+              <a:spAutoFit/>
+            </a:bodyPr>
+            <a:lstStyle/>
+            <a:p>
+              <a:r>
+                <a:rPr lang="en-US" i="1" dirty="0"/>
+                <a:t>a</a:t>
+              </a:r>
+            </a:p>
+          </p:txBody>
+        </p:sp>
+        <p:cxnSp>
+          <p:nvCxnSpPr>
+            <p:cNvPr id="5" name="Straight Arrow Connector 4">
+              <a:extLst>
+                <a:ext uri="{FF2B5EF4-FFF2-40B4-BE49-F238E27FC236}">
+                  <a16:creationId xmlns:a16="http://schemas.microsoft.com/office/drawing/2014/main" id="{924E5E89-95FE-4ED1-BA9D-ECA3B9654E10}"/>
+                </a:ext>
+              </a:extLst>
+            </p:cNvPr>
+            <p:cNvCxnSpPr>
+              <a:cxnSpLocks/>
+              <a:stCxn id="3" idx="3"/>
+            </p:cNvCxnSpPr>
+            <p:nvPr/>
+          </p:nvCxnSpPr>
+          <p:spPr>
+            <a:xfrm>
+              <a:off x="5781061" y="3613666"/>
+              <a:ext cx="314939" cy="0"/>
+            </a:xfrm>
+            <a:prstGeom prst="straightConnector1">
+              <a:avLst/>
+            </a:prstGeom>
+            <a:ln>
+              <a:solidFill>
+                <a:schemeClr val="tx1"/>
+              </a:solidFill>
+              <a:tailEnd type="stealth"/>
+            </a:ln>
+          </p:spPr>
+          <p:style>
+            <a:lnRef idx="1">
+              <a:schemeClr val="accent1"/>
+            </a:lnRef>
+            <a:fillRef idx="0">
+              <a:schemeClr val="accent1"/>
+            </a:fillRef>
+            <a:effectRef idx="0">
+              <a:schemeClr val="accent1"/>
+            </a:effectRef>
+            <a:fontRef idx="minor">
+              <a:schemeClr val="tx1"/>
+            </a:fontRef>
+          </p:style>
+        </p:cxnSp>
+      </p:grpSp>
+      <p:grpSp>
+        <p:nvGrpSpPr>
+          <p:cNvPr id="9" name="Group 8">
+            <a:extLst>
+              <a:ext uri="{FF2B5EF4-FFF2-40B4-BE49-F238E27FC236}">
+                <a16:creationId xmlns:a16="http://schemas.microsoft.com/office/drawing/2014/main" id="{5E5E0DD9-55A0-402F-BEA7-6F402B8262F6}"/>
+              </a:ext>
+            </a:extLst>
+          </p:cNvPr>
+          <p:cNvGrpSpPr/>
+          <p:nvPr/>
+        </p:nvGrpSpPr>
+        <p:grpSpPr>
+          <a:xfrm>
+            <a:off x="6287678" y="3538250"/>
+            <a:ext cx="461386" cy="369332"/>
+            <a:chOff x="5322881" y="3429000"/>
+            <a:chExt cx="461386" cy="369332"/>
+          </a:xfrm>
+        </p:grpSpPr>
+        <p:sp>
+          <p:nvSpPr>
+            <p:cNvPr id="10" name="TextBox 9">
+              <a:extLst>
+                <a:ext uri="{FF2B5EF4-FFF2-40B4-BE49-F238E27FC236}">
+                  <a16:creationId xmlns:a16="http://schemas.microsoft.com/office/drawing/2014/main" id="{366F7E8E-0606-4A92-8D4D-57C63540A890}"/>
+                </a:ext>
+              </a:extLst>
+            </p:cNvPr>
+            <p:cNvSpPr txBox="1"/>
+            <p:nvPr/>
+          </p:nvSpPr>
+          <p:spPr>
+            <a:xfrm>
+              <a:off x="5477773" y="3429000"/>
+              <a:ext cx="306494" cy="369332"/>
+            </a:xfrm>
+            <a:prstGeom prst="rect">
+              <a:avLst/>
+            </a:prstGeom>
+            <a:noFill/>
+          </p:spPr>
+          <p:txBody>
+            <a:bodyPr wrap="none" rtlCol="0">
+              <a:spAutoFit/>
+            </a:bodyPr>
+            <a:lstStyle/>
+            <a:p>
+              <a:r>
+                <a:rPr lang="en-US" i="1" dirty="0"/>
+                <a:t>b</a:t>
+              </a:r>
+            </a:p>
+          </p:txBody>
+        </p:sp>
+        <p:cxnSp>
+          <p:nvCxnSpPr>
+            <p:cNvPr id="11" name="Straight Arrow Connector 10">
+              <a:extLst>
+                <a:ext uri="{FF2B5EF4-FFF2-40B4-BE49-F238E27FC236}">
+                  <a16:creationId xmlns:a16="http://schemas.microsoft.com/office/drawing/2014/main" id="{BDFCF6DB-5505-4BA9-B2D5-096DAD1AE9BA}"/>
+                </a:ext>
+              </a:extLst>
+            </p:cNvPr>
+            <p:cNvCxnSpPr>
+              <a:cxnSpLocks/>
+              <a:stCxn id="10" idx="1"/>
+            </p:cNvCxnSpPr>
+            <p:nvPr/>
+          </p:nvCxnSpPr>
+          <p:spPr>
+            <a:xfrm flipH="1" flipV="1">
+              <a:off x="5322881" y="3429000"/>
+              <a:ext cx="154892" cy="184666"/>
+            </a:xfrm>
+            <a:prstGeom prst="straightConnector1">
+              <a:avLst/>
+            </a:prstGeom>
+            <a:ln>
+              <a:solidFill>
+                <a:schemeClr val="tx1"/>
+              </a:solidFill>
+              <a:tailEnd type="stealth"/>
+            </a:ln>
+          </p:spPr>
+          <p:style>
+            <a:lnRef idx="1">
+              <a:schemeClr val="accent1"/>
+            </a:lnRef>
+            <a:fillRef idx="0">
+              <a:schemeClr val="accent1"/>
+            </a:fillRef>
+            <a:effectRef idx="0">
+              <a:schemeClr val="accent1"/>
+            </a:effectRef>
+            <a:fontRef idx="minor">
+              <a:schemeClr val="tx1"/>
+            </a:fontRef>
+          </p:style>
+        </p:cxnSp>
+      </p:grpSp>
+      <p:sp>
+        <p:nvSpPr>
+          <p:cNvPr id="15" name="TextBox 14">
+            <a:extLst>
+              <a:ext uri="{FF2B5EF4-FFF2-40B4-BE49-F238E27FC236}">
+                <a16:creationId xmlns:a16="http://schemas.microsoft.com/office/drawing/2014/main" id="{68771EDA-C256-4040-BDC7-4D15FB4C1837}"/>
+              </a:ext>
+            </a:extLst>
+          </p:cNvPr>
+          <p:cNvSpPr txBox="1"/>
+          <p:nvPr/>
+        </p:nvSpPr>
+        <p:spPr>
+          <a:xfrm>
+            <a:off x="3459637" y="5740924"/>
+            <a:ext cx="3752117" cy="369332"/>
+          </a:xfrm>
+          <a:prstGeom prst="rect">
+            <a:avLst/>
+          </a:prstGeom>
+          <a:noFill/>
+          <a:ln>
+            <a:solidFill>
+              <a:schemeClr val="tx1"/>
+            </a:solidFill>
+          </a:ln>
+        </p:spPr>
+        <p:txBody>
+          <a:bodyPr wrap="none" rtlCol="0">
+            <a:spAutoFit/>
+          </a:bodyPr>
+          <a:lstStyle/>
+          <a:p>
+            <a:r>
+              <a:rPr lang="en-US" dirty="0"/>
+              <a:t>Fuzzy union between edges: </a:t>
+            </a:r>
+            <a:r>
+              <a:rPr lang="en-US" i="1" dirty="0"/>
+              <a:t>a</a:t>
+            </a:r>
+            <a:r>
+              <a:rPr lang="en-US" dirty="0"/>
+              <a:t> + </a:t>
+            </a:r>
+            <a:r>
+              <a:rPr lang="en-US" i="1" dirty="0"/>
+              <a:t>b</a:t>
+            </a:r>
+            <a:r>
+              <a:rPr lang="en-US" dirty="0"/>
+              <a:t> - </a:t>
+            </a:r>
+            <a:r>
+              <a:rPr lang="en-US" i="1" dirty="0"/>
+              <a:t>ab</a:t>
+            </a:r>
+          </a:p>
+        </p:txBody>
+      </p:sp>
+    </p:spTree>
+    <p:extLst>
+      <p:ext uri="{BB962C8B-B14F-4D97-AF65-F5344CB8AC3E}">
+        <p14:creationId xmlns:p14="http://schemas.microsoft.com/office/powerpoint/2010/main" val="1974564690"/>
+      </p:ext>
+    </p:extLst>
+  </p:cSld>
+  <p:clrMapOvr>
+    <a:masterClrMapping/>
+  </p:clrMapOvr>
+</p:sld>
+</file>
+
+<file path=ppt/slides/slide18.xml><?xml version="1.0" encoding="utf-8"?>
+<p:sld xmlns:a="http://schemas.openxmlformats.org/drawingml/2006/main" xmlns:r="http://schemas.openxmlformats.org/officeDocument/2006/relationships" xmlns:p="http://schemas.openxmlformats.org/presentationml/2006/main">
+  <p:cSld>
+    <p:spTree>
+      <p:nvGrpSpPr>
+        <p:cNvPr id="1" name=""/>
+        <p:cNvGrpSpPr/>
+        <p:nvPr/>
+      </p:nvGrpSpPr>
+      <p:grpSpPr>
+        <a:xfrm>
+          <a:off x="0" y="0"/>
+          <a:ext cx="0" cy="0"/>
+          <a:chOff x="0" y="0"/>
+          <a:chExt cx="0" cy="0"/>
+        </a:xfrm>
+      </p:grpSpPr>
+      <p:sp>
+        <p:nvSpPr>
+          <p:cNvPr id="2" name="Title 1">
+            <a:extLst>
+              <a:ext uri="{FF2B5EF4-FFF2-40B4-BE49-F238E27FC236}">
+                <a16:creationId xmlns:a16="http://schemas.microsoft.com/office/drawing/2014/main" id="{267113E7-D43C-408F-8944-FCC78EC6EED9}"/>
+              </a:ext>
+            </a:extLst>
+          </p:cNvPr>
+          <p:cNvSpPr>
+            <a:spLocks noGrp="1"/>
+          </p:cNvSpPr>
+          <p:nvPr>
+            <p:ph type="title"/>
+          </p:nvPr>
+        </p:nvSpPr>
+        <p:spPr/>
+        <p:txBody>
+          <a:bodyPr/>
+          <a:lstStyle/>
+          <a:p>
+            <a:r>
+              <a:rPr lang="en-US" dirty="0"/>
+              <a:t>Final high-dimensional representation</a:t>
+            </a:r>
+          </a:p>
+        </p:txBody>
+      </p:sp>
+      <p:pic>
+        <p:nvPicPr>
+          <p:cNvPr id="4098" name="Picture 2" descr="Graph with combined edge weights">
+            <a:extLst>
+              <a:ext uri="{FF2B5EF4-FFF2-40B4-BE49-F238E27FC236}">
+                <a16:creationId xmlns:a16="http://schemas.microsoft.com/office/drawing/2014/main" id="{F63E5BB2-7A2F-4FA2-BA0D-E24364E33F28}"/>
+              </a:ext>
+            </a:extLst>
+          </p:cNvPr>
+          <p:cNvPicPr>
+            <a:picLocks noChangeAspect="1" noChangeArrowheads="1"/>
+          </p:cNvPicPr>
+          <p:nvPr/>
+        </p:nvPicPr>
+        <p:blipFill>
+          <a:blip r:embed="rId2">
+            <a:extLst>
+              <a:ext uri="{28A0092B-C50C-407E-A947-70E740481C1C}">
+                <a14:useLocalDpi xmlns:a14="http://schemas.microsoft.com/office/drawing/2010/main" val="0"/>
+              </a:ext>
+            </a:extLst>
+          </a:blip>
+          <a:srcRect/>
+          <a:stretch>
+            <a:fillRect/>
+          </a:stretch>
+        </p:blipFill>
+        <p:spPr bwMode="auto">
+          <a:xfrm>
+            <a:off x="2843213" y="1562100"/>
+            <a:ext cx="6505575" cy="3733800"/>
+          </a:xfrm>
+          <a:prstGeom prst="rect">
+            <a:avLst/>
+          </a:prstGeom>
+          <a:noFill/>
+          <a:extLst>
+            <a:ext uri="{909E8E84-426E-40DD-AFC4-6F175D3DCCD1}">
+              <a14:hiddenFill xmlns:a14="http://schemas.microsoft.com/office/drawing/2010/main">
+                <a:solidFill>
+                  <a:srgbClr val="FFFFFF"/>
+                </a:solidFill>
+              </a14:hiddenFill>
+            </a:ext>
+          </a:extLst>
+        </p:spPr>
+      </p:pic>
+    </p:spTree>
+    <p:extLst>
+      <p:ext uri="{BB962C8B-B14F-4D97-AF65-F5344CB8AC3E}">
+        <p14:creationId xmlns:p14="http://schemas.microsoft.com/office/powerpoint/2010/main" val="1487928344"/>
+      </p:ext>
+    </p:extLst>
+  </p:cSld>
+  <p:clrMapOvr>
+    <a:masterClrMapping/>
+  </p:clrMapOvr>
+</p:sld>
+</file>
+
+<file path=ppt/slides/slide19.xml><?xml version="1.0" encoding="utf-8"?>
+<p:sld xmlns:a="http://schemas.openxmlformats.org/drawingml/2006/main" xmlns:r="http://schemas.openxmlformats.org/officeDocument/2006/relationships" xmlns:p="http://schemas.openxmlformats.org/presentationml/2006/main">
+  <p:cSld>
+    <p:spTree>
+      <p:nvGrpSpPr>
+        <p:cNvPr id="1" name=""/>
+        <p:cNvGrpSpPr/>
+        <p:nvPr/>
+      </p:nvGrpSpPr>
+      <p:grpSpPr>
+        <a:xfrm>
+          <a:off x="0" y="0"/>
+          <a:ext cx="0" cy="0"/>
+          <a:chOff x="0" y="0"/>
+          <a:chExt cx="0" cy="0"/>
+        </a:xfrm>
+      </p:grpSpPr>
+      <p:sp>
+        <p:nvSpPr>
+          <p:cNvPr id="2" name="Title 1">
+            <a:extLst>
+              <a:ext uri="{FF2B5EF4-FFF2-40B4-BE49-F238E27FC236}">
+                <a16:creationId xmlns:a16="http://schemas.microsoft.com/office/drawing/2014/main" id="{D744D78F-D2A4-4269-A883-9F758505E1A5}"/>
+              </a:ext>
+            </a:extLst>
+          </p:cNvPr>
+          <p:cNvSpPr>
+            <a:spLocks noGrp="1"/>
+          </p:cNvSpPr>
+          <p:nvPr>
+            <p:ph type="title"/>
+          </p:nvPr>
+        </p:nvSpPr>
+        <p:spPr/>
+        <p:txBody>
+          <a:bodyPr/>
+          <a:lstStyle/>
+          <a:p>
+            <a:r>
+              <a:rPr lang="en-US" dirty="0"/>
+              <a:t>To a low-dimensional representation</a:t>
+            </a:r>
+          </a:p>
+        </p:txBody>
+      </p:sp>
+      <p:sp>
+        <p:nvSpPr>
+          <p:cNvPr id="3" name="Content Placeholder 2">
+            <a:extLst>
+              <a:ext uri="{FF2B5EF4-FFF2-40B4-BE49-F238E27FC236}">
+                <a16:creationId xmlns:a16="http://schemas.microsoft.com/office/drawing/2014/main" id="{60FAEB9F-8C3B-48BA-869D-AB32A5583E29}"/>
+              </a:ext>
+            </a:extLst>
+          </p:cNvPr>
+          <p:cNvSpPr>
+            <a:spLocks noGrp="1"/>
+          </p:cNvSpPr>
+          <p:nvPr>
+            <p:ph idx="1"/>
+          </p:nvPr>
+        </p:nvSpPr>
+        <p:spPr/>
+        <p:txBody>
+          <a:bodyPr/>
+          <a:lstStyle/>
+          <a:p>
+            <a:r>
+              <a:rPr lang="en-US" dirty="0"/>
+              <a:t>What?</a:t>
+            </a:r>
+          </a:p>
+          <a:p>
+            <a:pPr lvl="1"/>
+            <a:r>
+              <a:rPr lang="en-US" dirty="0"/>
+              <a:t>Fuzzy topological structure of data (same as in high-dimensional space)</a:t>
+            </a:r>
+          </a:p>
+          <a:p>
+            <a:pPr lvl="2"/>
+            <a:r>
+              <a:rPr lang="en-US" dirty="0"/>
+              <a:t>"Normal" Euclidian metric</a:t>
+            </a:r>
+          </a:p>
+          <a:p>
+            <a:pPr lvl="2"/>
+            <a:r>
+              <a:rPr lang="en-US" dirty="0"/>
+              <a:t>Distance preservation</a:t>
+            </a:r>
+          </a:p>
+          <a:p>
+            <a:r>
+              <a:rPr lang="en-US" dirty="0"/>
+              <a:t>How?</a:t>
+            </a:r>
+          </a:p>
+          <a:p>
+            <a:pPr lvl="1"/>
+            <a:r>
+              <a:rPr lang="en-US" dirty="0"/>
+              <a:t>Minimize cross-entropy for 1-simplices </a:t>
+            </a:r>
+            <a:r>
+              <a:rPr lang="en-US" i="1" dirty="0"/>
+              <a:t>E</a:t>
+            </a:r>
+          </a:p>
+          <a:p>
+            <a:pPr lvl="1"/>
+            <a:endParaRPr lang="en-US" dirty="0"/>
+          </a:p>
+        </p:txBody>
+      </p:sp>
+      <p:pic>
+        <p:nvPicPr>
+          <p:cNvPr id="5" name="Picture 4">
+            <a:extLst>
+              <a:ext uri="{FF2B5EF4-FFF2-40B4-BE49-F238E27FC236}">
+                <a16:creationId xmlns:a16="http://schemas.microsoft.com/office/drawing/2014/main" id="{1D87800D-7C9B-4D32-8344-47E931A62E55}"/>
+              </a:ext>
+            </a:extLst>
+          </p:cNvPr>
+          <p:cNvPicPr>
+            <a:picLocks noChangeAspect="1"/>
+          </p:cNvPicPr>
+          <p:nvPr/>
+        </p:nvPicPr>
+        <p:blipFill>
+          <a:blip r:embed="rId2"/>
+          <a:stretch>
+            <a:fillRect/>
+          </a:stretch>
+        </p:blipFill>
+        <p:spPr>
+          <a:xfrm>
+            <a:off x="2127131" y="4397217"/>
+            <a:ext cx="5449060" cy="857370"/>
+          </a:xfrm>
+          <a:prstGeom prst="rect">
+            <a:avLst/>
+          </a:prstGeom>
+        </p:spPr>
+      </p:pic>
+      <p:sp>
+        <p:nvSpPr>
+          <p:cNvPr id="4" name="TextBox 3">
+            <a:extLst>
+              <a:ext uri="{FF2B5EF4-FFF2-40B4-BE49-F238E27FC236}">
+                <a16:creationId xmlns:a16="http://schemas.microsoft.com/office/drawing/2014/main" id="{C2FD1318-1FAC-4851-BB77-02C8964A255C}"/>
+              </a:ext>
+            </a:extLst>
+          </p:cNvPr>
+          <p:cNvSpPr txBox="1"/>
+          <p:nvPr/>
+        </p:nvSpPr>
+        <p:spPr>
+          <a:xfrm>
+            <a:off x="4662723" y="3105509"/>
+            <a:ext cx="2866554" cy="369332"/>
+          </a:xfrm>
+          <a:prstGeom prst="rect">
+            <a:avLst/>
+          </a:prstGeom>
+          <a:noFill/>
+          <a:ln>
+            <a:solidFill>
+              <a:schemeClr val="tx1"/>
+            </a:solidFill>
+          </a:ln>
+        </p:spPr>
+        <p:txBody>
+          <a:bodyPr wrap="none" rtlCol="0">
+            <a:spAutoFit/>
+          </a:bodyPr>
+          <a:lstStyle/>
+          <a:p>
+            <a:r>
+              <a:rPr lang="en-US" dirty="0" err="1">
+                <a:latin typeface="Courier New" panose="02070309020205020404" pitchFamily="49" charset="0"/>
+                <a:cs typeface="Courier New" panose="02070309020205020404" pitchFamily="49" charset="0"/>
+              </a:rPr>
+              <a:t>min_dist</a:t>
+            </a:r>
+            <a:r>
+              <a:rPr lang="en-US" dirty="0"/>
+              <a:t> hyperparameter</a:t>
+            </a:r>
+          </a:p>
+        </p:txBody>
+      </p:sp>
+    </p:spTree>
+    <p:extLst>
+      <p:ext uri="{BB962C8B-B14F-4D97-AF65-F5344CB8AC3E}">
+        <p14:creationId xmlns:p14="http://schemas.microsoft.com/office/powerpoint/2010/main" val="1813797133"/>
+      </p:ext>
+    </p:extLst>
+  </p:cSld>
+  <p:clrMapOvr>
+    <a:masterClrMapping/>
+  </p:clrMapOvr>
+  <p:timing>
+    <p:tnLst>
+      <p:par>
+        <p:cTn id="1" dur="indefinite" restart="never" nodeType="tmRoot">
+          <p:childTnLst>
+            <p:seq concurrent="1" nextAc="seek">
+              <p:cTn id="2" dur="indefinite" nodeType="mainSeq">
+                <p:childTnLst>
+                  <p:par>
+                    <p:cTn id="3" fill="hold">
+                      <p:stCondLst>
+                        <p:cond delay="indefinite"/>
+                        <p:cond evt="onBegin" delay="0">
+                          <p:tn val="2"/>
+                        </p:cond>
+                      </p:stCondLst>
+                      <p:childTnLst>
+                        <p:par>
+                          <p:cTn id="4" fill="hold">
+                            <p:stCondLst>
+                              <p:cond delay="0"/>
+                            </p:stCondLst>
+                            <p:childTnLst>
+                              <p:par>
+                                <p:cTn id="5" presetID="1" presetClass="entr" presetSubtype="0" fill="hold" grpId="0" nodeType="withEffect">
+                                  <p:stCondLst>
+                                    <p:cond delay="0"/>
+                                  </p:stCondLst>
+                                  <p:childTnLst>
+                                    <p:set>
+                                      <p:cBhvr>
+                                        <p:cTn id="6" dur="1" fill="hold">
+                                          <p:stCondLst>
+                                            <p:cond delay="0"/>
+                                          </p:stCondLst>
+                                        </p:cTn>
+                                        <p:tgtEl>
+                                          <p:spTgt spid="3">
+                                            <p:txEl>
+                                              <p:pRg st="0" end="0"/>
+                                            </p:txEl>
+                                          </p:spTgt>
+                                        </p:tgtEl>
+                                        <p:attrNameLst>
+                                          <p:attrName>style.visibility</p:attrName>
+                                        </p:attrNameLst>
+                                      </p:cBhvr>
+                                      <p:to>
+                                        <p:strVal val="visible"/>
+                                      </p:to>
+                                    </p:set>
+                                  </p:childTnLst>
+                                </p:cTn>
+                              </p:par>
+                              <p:par>
+                                <p:cTn id="7" presetID="1" presetClass="entr" presetSubtype="0" fill="hold" grpId="0" nodeType="withEffect">
+                                  <p:stCondLst>
+                                    <p:cond delay="0"/>
+                                  </p:stCondLst>
+                                  <p:childTnLst>
+                                    <p:set>
+                                      <p:cBhvr>
+                                        <p:cTn id="8" dur="1" fill="hold">
+                                          <p:stCondLst>
+                                            <p:cond delay="0"/>
+                                          </p:stCondLst>
+                                        </p:cTn>
+                                        <p:tgtEl>
+                                          <p:spTgt spid="3">
+                                            <p:txEl>
+                                              <p:pRg st="1" end="1"/>
+                                            </p:txEl>
+                                          </p:spTgt>
+                                        </p:tgtEl>
+                                        <p:attrNameLst>
+                                          <p:attrName>style.visibility</p:attrName>
+                                        </p:attrNameLst>
+                                      </p:cBhvr>
+                                      <p:to>
+                                        <p:strVal val="visible"/>
+                                      </p:to>
+                                    </p:set>
+                                  </p:childTnLst>
+                                </p:cTn>
+                              </p:par>
+                              <p:par>
+                                <p:cTn id="9" presetID="1" presetClass="entr" presetSubtype="0" fill="hold" grpId="0" nodeType="withEffect">
+                                  <p:stCondLst>
+                                    <p:cond delay="0"/>
+                                  </p:stCondLst>
+                                  <p:childTnLst>
+                                    <p:set>
+                                      <p:cBhvr>
+                                        <p:cTn id="10" dur="1" fill="hold">
+                                          <p:stCondLst>
+                                            <p:cond delay="0"/>
+                                          </p:stCondLst>
+                                        </p:cTn>
+                                        <p:tgtEl>
+                                          <p:spTgt spid="3">
+                                            <p:txEl>
+                                              <p:pRg st="2" end="2"/>
+                                            </p:txEl>
+                                          </p:spTgt>
+                                        </p:tgtEl>
+                                        <p:attrNameLst>
+                                          <p:attrName>style.visibility</p:attrName>
+                                        </p:attrNameLst>
+                                      </p:cBhvr>
+                                      <p:to>
+                                        <p:strVal val="visible"/>
+                                      </p:to>
+                                    </p:set>
+                                  </p:childTnLst>
+                                </p:cTn>
+                              </p:par>
+                              <p:par>
+                                <p:cTn id="11" presetID="1" presetClass="entr" presetSubtype="0" fill="hold" grpId="0" nodeType="withEffect">
+                                  <p:stCondLst>
+                                    <p:cond delay="0"/>
+                                  </p:stCondLst>
+                                  <p:childTnLst>
+                                    <p:set>
+                                      <p:cBhvr>
+                                        <p:cTn id="12" dur="1" fill="hold">
+                                          <p:stCondLst>
+                                            <p:cond delay="0"/>
+                                          </p:stCondLst>
+                                        </p:cTn>
+                                        <p:tgtEl>
+                                          <p:spTgt spid="3">
+                                            <p:txEl>
+                                              <p:pRg st="3" end="3"/>
+                                            </p:txEl>
+                                          </p:spTgt>
+                                        </p:tgtEl>
+                                        <p:attrNameLst>
+                                          <p:attrName>style.visibility</p:attrName>
+                                        </p:attrNameLst>
+                                      </p:cBhvr>
+                                      <p:to>
+                                        <p:strVal val="visible"/>
+                                      </p:to>
+                                    </p:set>
+                                  </p:childTnLst>
+                                </p:cTn>
+                              </p:par>
+                            </p:childTnLst>
+                          </p:cTn>
+                        </p:par>
+                      </p:childTnLst>
+                    </p:cTn>
+                  </p:par>
+                  <p:par>
+                    <p:cTn id="13" fill="hold">
+                      <p:stCondLst>
+                        <p:cond delay="indefinite"/>
+                      </p:stCondLst>
+                      <p:childTnLst>
+                        <p:par>
+                          <p:cTn id="14" fill="hold">
+                            <p:stCondLst>
+                              <p:cond delay="0"/>
+                            </p:stCondLst>
+                            <p:childTnLst>
+                              <p:par>
+                                <p:cTn id="15" presetID="1" presetClass="entr" presetSubtype="0" fill="hold" grpId="0" nodeType="clickEffect">
+                                  <p:stCondLst>
+                                    <p:cond delay="0"/>
+                                  </p:stCondLst>
+                                  <p:childTnLst>
+                                    <p:set>
+                                      <p:cBhvr>
+                                        <p:cTn id="16" dur="1" fill="hold">
+                                          <p:stCondLst>
+                                            <p:cond delay="0"/>
+                                          </p:stCondLst>
+                                        </p:cTn>
+                                        <p:tgtEl>
+                                          <p:spTgt spid="3">
+                                            <p:txEl>
+                                              <p:pRg st="4" end="4"/>
+                                            </p:txEl>
+                                          </p:spTgt>
+                                        </p:tgtEl>
+                                        <p:attrNameLst>
+                                          <p:attrName>style.visibility</p:attrName>
+                                        </p:attrNameLst>
+                                      </p:cBhvr>
+                                      <p:to>
+                                        <p:strVal val="visible"/>
+                                      </p:to>
+                                    </p:set>
+                                  </p:childTnLst>
+                                </p:cTn>
+                              </p:par>
+                              <p:par>
+                                <p:cTn id="17" presetID="1" presetClass="entr" presetSubtype="0" fill="hold" grpId="0" nodeType="withEffect">
+                                  <p:stCondLst>
+                                    <p:cond delay="0"/>
+                                  </p:stCondLst>
+                                  <p:childTnLst>
+                                    <p:set>
+                                      <p:cBhvr>
+                                        <p:cTn id="18" dur="1" fill="hold">
+                                          <p:stCondLst>
+                                            <p:cond delay="0"/>
+                                          </p:stCondLst>
+                                        </p:cTn>
+                                        <p:tgtEl>
+                                          <p:spTgt spid="3">
+                                            <p:txEl>
+                                              <p:pRg st="5" end="5"/>
+                                            </p:txEl>
+                                          </p:spTgt>
+                                        </p:tgtEl>
+                                        <p:attrNameLst>
+                                          <p:attrName>style.visibility</p:attrName>
+                                        </p:attrNameLst>
+                                      </p:cBhvr>
+                                      <p:to>
+                                        <p:strVal val="visible"/>
+                                      </p:to>
+                                    </p:set>
+                                  </p:childTnLst>
+                                </p:cTn>
+                              </p:par>
+                            </p:childTnLst>
+                          </p:cTn>
+                        </p:par>
+                      </p:childTnLst>
+                    </p:cTn>
+                  </p:par>
+                </p:childTnLst>
+              </p:cTn>
+              <p:prevCondLst>
+                <p:cond evt="onPrev" delay="0">
+                  <p:tgtEl>
+                    <p:sldTgt/>
+                  </p:tgtEl>
+                </p:cond>
+              </p:prevCondLst>
+              <p:nextCondLst>
+                <p:cond evt="onNext" delay="0">
+                  <p:tgtEl>
+                    <p:sldTgt/>
+                  </p:tgtEl>
+                </p:cond>
+              </p:nextCondLst>
+            </p:seq>
+          </p:childTnLst>
+        </p:cTn>
+      </p:par>
+    </p:tnLst>
+    <p:bldLst>
+      <p:bldP spid="3" grpId="0" uiExpand="1" build="p"/>
+    </p:bldLst>
+  </p:timing>
 </p:sld>
 </file>
 

--- a/dimensionality_reduction.pptx
+++ b/dimensionality_reduction.pptx
@@ -403,7 +403,7 @@
           <a:p>
             <a:fld id="{FD4ECF9F-6433-47AA-8792-63EFAF83C877}" type="datetimeFigureOut">
               <a:rPr lang="en-US" smtClean="0"/>
-              <a:t>2022-02-17</a:t>
+              <a:t>2023-03-02</a:t>
             </a:fld>
             <a:endParaRPr lang="en-US"/>
           </a:p>
@@ -601,7 +601,7 @@
           <a:p>
             <a:fld id="{FD4ECF9F-6433-47AA-8792-63EFAF83C877}" type="datetimeFigureOut">
               <a:rPr lang="en-US" smtClean="0"/>
-              <a:t>2022-02-17</a:t>
+              <a:t>2023-03-02</a:t>
             </a:fld>
             <a:endParaRPr lang="en-US"/>
           </a:p>
@@ -809,7 +809,7 @@
           <a:p>
             <a:fld id="{FD4ECF9F-6433-47AA-8792-63EFAF83C877}" type="datetimeFigureOut">
               <a:rPr lang="en-US" smtClean="0"/>
-              <a:t>2022-02-17</a:t>
+              <a:t>2023-03-02</a:t>
             </a:fld>
             <a:endParaRPr lang="en-US"/>
           </a:p>
@@ -1007,7 +1007,7 @@
           <a:p>
             <a:fld id="{FD4ECF9F-6433-47AA-8792-63EFAF83C877}" type="datetimeFigureOut">
               <a:rPr lang="en-US" smtClean="0"/>
-              <a:t>2022-02-17</a:t>
+              <a:t>2023-03-02</a:t>
             </a:fld>
             <a:endParaRPr lang="en-US"/>
           </a:p>
@@ -1282,7 +1282,7 @@
           <a:p>
             <a:fld id="{FD4ECF9F-6433-47AA-8792-63EFAF83C877}" type="datetimeFigureOut">
               <a:rPr lang="en-US" smtClean="0"/>
-              <a:t>2022-02-17</a:t>
+              <a:t>2023-03-02</a:t>
             </a:fld>
             <a:endParaRPr lang="en-US"/>
           </a:p>
@@ -1547,7 +1547,7 @@
           <a:p>
             <a:fld id="{FD4ECF9F-6433-47AA-8792-63EFAF83C877}" type="datetimeFigureOut">
               <a:rPr lang="en-US" smtClean="0"/>
-              <a:t>2022-02-17</a:t>
+              <a:t>2023-03-02</a:t>
             </a:fld>
             <a:endParaRPr lang="en-US"/>
           </a:p>
@@ -1959,7 +1959,7 @@
           <a:p>
             <a:fld id="{FD4ECF9F-6433-47AA-8792-63EFAF83C877}" type="datetimeFigureOut">
               <a:rPr lang="en-US" smtClean="0"/>
-              <a:t>2022-02-17</a:t>
+              <a:t>2023-03-02</a:t>
             </a:fld>
             <a:endParaRPr lang="en-US"/>
           </a:p>
@@ -2100,7 +2100,7 @@
           <a:p>
             <a:fld id="{FD4ECF9F-6433-47AA-8792-63EFAF83C877}" type="datetimeFigureOut">
               <a:rPr lang="en-US" smtClean="0"/>
-              <a:t>2022-02-17</a:t>
+              <a:t>2023-03-02</a:t>
             </a:fld>
             <a:endParaRPr lang="en-US"/>
           </a:p>
@@ -2213,7 +2213,7 @@
           <a:p>
             <a:fld id="{FD4ECF9F-6433-47AA-8792-63EFAF83C877}" type="datetimeFigureOut">
               <a:rPr lang="en-US" smtClean="0"/>
-              <a:t>2022-02-17</a:t>
+              <a:t>2023-03-02</a:t>
             </a:fld>
             <a:endParaRPr lang="en-US"/>
           </a:p>
@@ -2524,7 +2524,7 @@
           <a:p>
             <a:fld id="{FD4ECF9F-6433-47AA-8792-63EFAF83C877}" type="datetimeFigureOut">
               <a:rPr lang="en-US" smtClean="0"/>
-              <a:t>2022-02-17</a:t>
+              <a:t>2023-03-02</a:t>
             </a:fld>
             <a:endParaRPr lang="en-US"/>
           </a:p>
@@ -2812,7 +2812,7 @@
           <a:p>
             <a:fld id="{FD4ECF9F-6433-47AA-8792-63EFAF83C877}" type="datetimeFigureOut">
               <a:rPr lang="en-US" smtClean="0"/>
-              <a:t>2022-02-17</a:t>
+              <a:t>2023-03-02</a:t>
             </a:fld>
             <a:endParaRPr lang="en-US"/>
           </a:p>
@@ -3053,7 +3053,7 @@
           <a:p>
             <a:fld id="{FD4ECF9F-6433-47AA-8792-63EFAF83C877}" type="datetimeFigureOut">
               <a:rPr lang="en-US" smtClean="0"/>
-              <a:t>2022-02-17</a:t>
+              <a:t>2023-03-02</a:t>
             </a:fld>
             <a:endParaRPr lang="en-US"/>
           </a:p>
@@ -7676,7 +7676,7 @@
             </a:r>
             <a:r>
               <a:rPr lang="en-US" dirty="0" err="1"/>
-              <a:t>neighbout</a:t>
+              <a:t>neighbour</a:t>
             </a:r>
             <a:endParaRPr lang="en-US" dirty="0"/>
           </a:p>
